--- a/SOLID.pptx
+++ b/SOLID.pptx
@@ -7,51 +7,53 @@
   <p:sldIdLst>
     <p:sldId id="256" r:id="rId2"/>
     <p:sldId id="285" r:id="rId3"/>
-    <p:sldId id="308" r:id="rId4"/>
-    <p:sldId id="257" r:id="rId5"/>
-    <p:sldId id="258" r:id="rId6"/>
-    <p:sldId id="259" r:id="rId7"/>
-    <p:sldId id="290" r:id="rId8"/>
-    <p:sldId id="260" r:id="rId9"/>
-    <p:sldId id="264" r:id="rId10"/>
-    <p:sldId id="291" r:id="rId11"/>
-    <p:sldId id="292" r:id="rId12"/>
-    <p:sldId id="293" r:id="rId13"/>
-    <p:sldId id="266" r:id="rId14"/>
-    <p:sldId id="267" r:id="rId15"/>
-    <p:sldId id="294" r:id="rId16"/>
-    <p:sldId id="295" r:id="rId17"/>
-    <p:sldId id="268" r:id="rId18"/>
-    <p:sldId id="269" r:id="rId19"/>
-    <p:sldId id="270" r:id="rId20"/>
-    <p:sldId id="271" r:id="rId21"/>
-    <p:sldId id="272" r:id="rId22"/>
-    <p:sldId id="273" r:id="rId23"/>
-    <p:sldId id="274" r:id="rId24"/>
-    <p:sldId id="275" r:id="rId25"/>
-    <p:sldId id="276" r:id="rId26"/>
-    <p:sldId id="278" r:id="rId27"/>
-    <p:sldId id="296" r:id="rId28"/>
-    <p:sldId id="297" r:id="rId29"/>
-    <p:sldId id="301" r:id="rId30"/>
-    <p:sldId id="300" r:id="rId31"/>
-    <p:sldId id="299" r:id="rId32"/>
-    <p:sldId id="298" r:id="rId33"/>
-    <p:sldId id="279" r:id="rId34"/>
-    <p:sldId id="281" r:id="rId35"/>
-    <p:sldId id="284" r:id="rId36"/>
-    <p:sldId id="282" r:id="rId37"/>
-    <p:sldId id="302" r:id="rId38"/>
-    <p:sldId id="303" r:id="rId39"/>
-    <p:sldId id="304" r:id="rId40"/>
-    <p:sldId id="280" r:id="rId41"/>
-    <p:sldId id="286" r:id="rId42"/>
-    <p:sldId id="307" r:id="rId43"/>
-    <p:sldId id="287" r:id="rId44"/>
-    <p:sldId id="288" r:id="rId45"/>
-    <p:sldId id="306" r:id="rId46"/>
-    <p:sldId id="262" r:id="rId47"/>
-    <p:sldId id="263" r:id="rId48"/>
+    <p:sldId id="257" r:id="rId4"/>
+    <p:sldId id="258" r:id="rId5"/>
+    <p:sldId id="259" r:id="rId6"/>
+    <p:sldId id="290" r:id="rId7"/>
+    <p:sldId id="260" r:id="rId8"/>
+    <p:sldId id="264" r:id="rId9"/>
+    <p:sldId id="309" r:id="rId10"/>
+    <p:sldId id="310" r:id="rId11"/>
+    <p:sldId id="311" r:id="rId12"/>
+    <p:sldId id="291" r:id="rId13"/>
+    <p:sldId id="292" r:id="rId14"/>
+    <p:sldId id="293" r:id="rId15"/>
+    <p:sldId id="266" r:id="rId16"/>
+    <p:sldId id="267" r:id="rId17"/>
+    <p:sldId id="294" r:id="rId18"/>
+    <p:sldId id="295" r:id="rId19"/>
+    <p:sldId id="268" r:id="rId20"/>
+    <p:sldId id="269" r:id="rId21"/>
+    <p:sldId id="270" r:id="rId22"/>
+    <p:sldId id="271" r:id="rId23"/>
+    <p:sldId id="272" r:id="rId24"/>
+    <p:sldId id="273" r:id="rId25"/>
+    <p:sldId id="274" r:id="rId26"/>
+    <p:sldId id="275" r:id="rId27"/>
+    <p:sldId id="276" r:id="rId28"/>
+    <p:sldId id="278" r:id="rId29"/>
+    <p:sldId id="296" r:id="rId30"/>
+    <p:sldId id="297" r:id="rId31"/>
+    <p:sldId id="301" r:id="rId32"/>
+    <p:sldId id="300" r:id="rId33"/>
+    <p:sldId id="299" r:id="rId34"/>
+    <p:sldId id="298" r:id="rId35"/>
+    <p:sldId id="279" r:id="rId36"/>
+    <p:sldId id="281" r:id="rId37"/>
+    <p:sldId id="284" r:id="rId38"/>
+    <p:sldId id="282" r:id="rId39"/>
+    <p:sldId id="302" r:id="rId40"/>
+    <p:sldId id="303" r:id="rId41"/>
+    <p:sldId id="304" r:id="rId42"/>
+    <p:sldId id="280" r:id="rId43"/>
+    <p:sldId id="286" r:id="rId44"/>
+    <p:sldId id="307" r:id="rId45"/>
+    <p:sldId id="287" r:id="rId46"/>
+    <p:sldId id="288" r:id="rId47"/>
+    <p:sldId id="306" r:id="rId48"/>
+    <p:sldId id="262" r:id="rId49"/>
+    <p:sldId id="263" r:id="rId50"/>
   </p:sldIdLst>
   <p:sldSz cx="12192000" cy="6858000"/>
   <p:notesSz cx="6858000" cy="9144000"/>
@@ -290,7 +292,7 @@
           </a:lstStyle>
           <a:p>
             <a:r>
-              <a:rPr lang="pt-BR" smtClean="0"/>
+              <a:rPr lang="pt-BR"/>
               <a:t>Clique para editar o título mestre</a:t>
             </a:r>
             <a:endParaRPr lang="en-US" dirty="0"/>
@@ -362,7 +364,7 @@
           </a:lstStyle>
           <a:p>
             <a:r>
-              <a:rPr lang="pt-BR" smtClean="0"/>
+              <a:rPr lang="pt-BR"/>
               <a:t>Clique para editar o estilo do subtítulo Mestre</a:t>
             </a:r>
             <a:endParaRPr lang="en-US" dirty="0"/>
@@ -386,7 +388,7 @@
           <a:p>
             <a:fld id="{4D409C2F-42B1-4963-B0AF-E0EFE19B69A9}" type="datetimeFigureOut">
               <a:rPr lang="pt-BR" smtClean="0"/>
-              <a:t>07/04/2017</a:t>
+              <a:t>11/04/2017</a:t>
             </a:fld>
             <a:endParaRPr lang="pt-BR"/>
           </a:p>
@@ -518,7 +520,7 @@
           <a:lstStyle/>
           <a:p>
             <a:r>
-              <a:rPr lang="pt-BR" smtClean="0"/>
+              <a:rPr lang="pt-BR"/>
               <a:t>Clique para editar o título mestre</a:t>
             </a:r>
             <a:endParaRPr lang="en-US" dirty="0"/>
@@ -542,35 +544,35 @@
           <a:p>
             <a:pPr lvl="0"/>
             <a:r>
-              <a:rPr lang="pt-BR" smtClean="0"/>
+              <a:rPr lang="pt-BR"/>
               <a:t>Editar estilos de texto Mestre</a:t>
             </a:r>
           </a:p>
           <a:p>
             <a:pPr lvl="1"/>
             <a:r>
-              <a:rPr lang="pt-BR" smtClean="0"/>
+              <a:rPr lang="pt-BR"/>
               <a:t>Segundo nível</a:t>
             </a:r>
           </a:p>
           <a:p>
             <a:pPr lvl="2"/>
             <a:r>
-              <a:rPr lang="pt-BR" smtClean="0"/>
+              <a:rPr lang="pt-BR"/>
               <a:t>Terceiro nível</a:t>
             </a:r>
           </a:p>
           <a:p>
             <a:pPr lvl="3"/>
             <a:r>
-              <a:rPr lang="pt-BR" smtClean="0"/>
+              <a:rPr lang="pt-BR"/>
               <a:t>Quarto nível</a:t>
             </a:r>
           </a:p>
           <a:p>
             <a:pPr lvl="4"/>
             <a:r>
-              <a:rPr lang="pt-BR" smtClean="0"/>
+              <a:rPr lang="pt-BR"/>
               <a:t>Quinto nível</a:t>
             </a:r>
             <a:endParaRPr lang="en-US" dirty="0"/>
@@ -594,7 +596,7 @@
           <a:p>
             <a:fld id="{4D409C2F-42B1-4963-B0AF-E0EFE19B69A9}" type="datetimeFigureOut">
               <a:rPr lang="pt-BR" smtClean="0"/>
-              <a:t>07/04/2017</a:t>
+              <a:t>11/04/2017</a:t>
             </a:fld>
             <a:endParaRPr lang="pt-BR"/>
           </a:p>
@@ -771,7 +773,7 @@
           <a:lstStyle/>
           <a:p>
             <a:r>
-              <a:rPr lang="pt-BR" smtClean="0"/>
+              <a:rPr lang="pt-BR"/>
               <a:t>Clique para editar o título mestre</a:t>
             </a:r>
             <a:endParaRPr lang="en-US" dirty="0"/>
@@ -800,35 +802,35 @@
           <a:p>
             <a:pPr lvl="0"/>
             <a:r>
-              <a:rPr lang="pt-BR" smtClean="0"/>
+              <a:rPr lang="pt-BR"/>
               <a:t>Editar estilos de texto Mestre</a:t>
             </a:r>
           </a:p>
           <a:p>
             <a:pPr lvl="1"/>
             <a:r>
-              <a:rPr lang="pt-BR" smtClean="0"/>
+              <a:rPr lang="pt-BR"/>
               <a:t>Segundo nível</a:t>
             </a:r>
           </a:p>
           <a:p>
             <a:pPr lvl="2"/>
             <a:r>
-              <a:rPr lang="pt-BR" smtClean="0"/>
+              <a:rPr lang="pt-BR"/>
               <a:t>Terceiro nível</a:t>
             </a:r>
           </a:p>
           <a:p>
             <a:pPr lvl="3"/>
             <a:r>
-              <a:rPr lang="pt-BR" smtClean="0"/>
+              <a:rPr lang="pt-BR"/>
               <a:t>Quarto nível</a:t>
             </a:r>
           </a:p>
           <a:p>
             <a:pPr lvl="4"/>
             <a:r>
-              <a:rPr lang="pt-BR" smtClean="0"/>
+              <a:rPr lang="pt-BR"/>
               <a:t>Quinto nível</a:t>
             </a:r>
             <a:endParaRPr lang="en-US" dirty="0"/>
@@ -852,7 +854,7 @@
           <a:p>
             <a:fld id="{4D409C2F-42B1-4963-B0AF-E0EFE19B69A9}" type="datetimeFigureOut">
               <a:rPr lang="pt-BR" smtClean="0"/>
-              <a:t>07/04/2017</a:t>
+              <a:t>11/04/2017</a:t>
             </a:fld>
             <a:endParaRPr lang="pt-BR"/>
           </a:p>
@@ -946,7 +948,7 @@
           <a:lstStyle/>
           <a:p>
             <a:r>
-              <a:rPr lang="pt-BR" smtClean="0"/>
+              <a:rPr lang="pt-BR"/>
               <a:t>Clique para editar o título mestre</a:t>
             </a:r>
             <a:endParaRPr lang="en-US" dirty="0"/>
@@ -970,35 +972,35 @@
           <a:p>
             <a:pPr lvl="0"/>
             <a:r>
-              <a:rPr lang="pt-BR" smtClean="0"/>
+              <a:rPr lang="pt-BR"/>
               <a:t>Editar estilos de texto Mestre</a:t>
             </a:r>
           </a:p>
           <a:p>
             <a:pPr lvl="1"/>
             <a:r>
-              <a:rPr lang="pt-BR" smtClean="0"/>
+              <a:rPr lang="pt-BR"/>
               <a:t>Segundo nível</a:t>
             </a:r>
           </a:p>
           <a:p>
             <a:pPr lvl="2"/>
             <a:r>
-              <a:rPr lang="pt-BR" smtClean="0"/>
+              <a:rPr lang="pt-BR"/>
               <a:t>Terceiro nível</a:t>
             </a:r>
           </a:p>
           <a:p>
             <a:pPr lvl="3"/>
             <a:r>
-              <a:rPr lang="pt-BR" smtClean="0"/>
+              <a:rPr lang="pt-BR"/>
               <a:t>Quarto nível</a:t>
             </a:r>
           </a:p>
           <a:p>
             <a:pPr lvl="4"/>
             <a:r>
-              <a:rPr lang="pt-BR" smtClean="0"/>
+              <a:rPr lang="pt-BR"/>
               <a:t>Quinto nível</a:t>
             </a:r>
             <a:endParaRPr lang="en-US" dirty="0"/>
@@ -1022,7 +1024,7 @@
           <a:p>
             <a:fld id="{4D409C2F-42B1-4963-B0AF-E0EFE19B69A9}" type="datetimeFigureOut">
               <a:rPr lang="pt-BR" smtClean="0"/>
-              <a:t>07/04/2017</a:t>
+              <a:t>11/04/2017</a:t>
             </a:fld>
             <a:endParaRPr lang="pt-BR"/>
           </a:p>
@@ -1215,7 +1217,7 @@
           </a:lstStyle>
           <a:p>
             <a:r>
-              <a:rPr lang="pt-BR" smtClean="0"/>
+              <a:rPr lang="pt-BR"/>
               <a:t>Clique para editar o título mestre</a:t>
             </a:r>
             <a:endParaRPr lang="en-US" dirty="0"/>
@@ -1336,7 +1338,7 @@
           <a:p>
             <a:pPr lvl="0"/>
             <a:r>
-              <a:rPr lang="pt-BR" smtClean="0"/>
+              <a:rPr lang="pt-BR"/>
               <a:t>Editar estilos de texto Mestre</a:t>
             </a:r>
           </a:p>
@@ -1359,7 +1361,7 @@
           <a:p>
             <a:fld id="{4D409C2F-42B1-4963-B0AF-E0EFE19B69A9}" type="datetimeFigureOut">
               <a:rPr lang="pt-BR" smtClean="0"/>
-              <a:t>07/04/2017</a:t>
+              <a:t>11/04/2017</a:t>
             </a:fld>
             <a:endParaRPr lang="pt-BR"/>
           </a:p>
@@ -1496,7 +1498,7 @@
           <a:lstStyle/>
           <a:p>
             <a:r>
-              <a:rPr lang="pt-BR" smtClean="0"/>
+              <a:rPr lang="pt-BR"/>
               <a:t>Clique para editar o título mestre</a:t>
             </a:r>
             <a:endParaRPr lang="en-US" dirty="0"/>
@@ -1525,35 +1527,35 @@
           <a:p>
             <a:pPr lvl="0"/>
             <a:r>
-              <a:rPr lang="pt-BR" smtClean="0"/>
+              <a:rPr lang="pt-BR"/>
               <a:t>Editar estilos de texto Mestre</a:t>
             </a:r>
           </a:p>
           <a:p>
             <a:pPr lvl="1"/>
             <a:r>
-              <a:rPr lang="pt-BR" smtClean="0"/>
+              <a:rPr lang="pt-BR"/>
               <a:t>Segundo nível</a:t>
             </a:r>
           </a:p>
           <a:p>
             <a:pPr lvl="2"/>
             <a:r>
-              <a:rPr lang="pt-BR" smtClean="0"/>
+              <a:rPr lang="pt-BR"/>
               <a:t>Terceiro nível</a:t>
             </a:r>
           </a:p>
           <a:p>
             <a:pPr lvl="3"/>
             <a:r>
-              <a:rPr lang="pt-BR" smtClean="0"/>
+              <a:rPr lang="pt-BR"/>
               <a:t>Quarto nível</a:t>
             </a:r>
           </a:p>
           <a:p>
             <a:pPr lvl="4"/>
             <a:r>
-              <a:rPr lang="pt-BR" smtClean="0"/>
+              <a:rPr lang="pt-BR"/>
               <a:t>Quinto nível</a:t>
             </a:r>
             <a:endParaRPr lang="en-US" dirty="0"/>
@@ -1582,35 +1584,35 @@
           <a:p>
             <a:pPr lvl="0"/>
             <a:r>
-              <a:rPr lang="pt-BR" smtClean="0"/>
+              <a:rPr lang="pt-BR"/>
               <a:t>Editar estilos de texto Mestre</a:t>
             </a:r>
           </a:p>
           <a:p>
             <a:pPr lvl="1"/>
             <a:r>
-              <a:rPr lang="pt-BR" smtClean="0"/>
+              <a:rPr lang="pt-BR"/>
               <a:t>Segundo nível</a:t>
             </a:r>
           </a:p>
           <a:p>
             <a:pPr lvl="2"/>
             <a:r>
-              <a:rPr lang="pt-BR" smtClean="0"/>
+              <a:rPr lang="pt-BR"/>
               <a:t>Terceiro nível</a:t>
             </a:r>
           </a:p>
           <a:p>
             <a:pPr lvl="3"/>
             <a:r>
-              <a:rPr lang="pt-BR" smtClean="0"/>
+              <a:rPr lang="pt-BR"/>
               <a:t>Quarto nível</a:t>
             </a:r>
           </a:p>
           <a:p>
             <a:pPr lvl="4"/>
             <a:r>
-              <a:rPr lang="pt-BR" smtClean="0"/>
+              <a:rPr lang="pt-BR"/>
               <a:t>Quinto nível</a:t>
             </a:r>
             <a:endParaRPr lang="en-US" dirty="0"/>
@@ -1634,7 +1636,7 @@
           <a:p>
             <a:fld id="{4D409C2F-42B1-4963-B0AF-E0EFE19B69A9}" type="datetimeFigureOut">
               <a:rPr lang="pt-BR" smtClean="0"/>
-              <a:t>07/04/2017</a:t>
+              <a:t>11/04/2017</a:t>
             </a:fld>
             <a:endParaRPr lang="pt-BR"/>
           </a:p>
@@ -1733,7 +1735,7 @@
           <a:lstStyle/>
           <a:p>
             <a:r>
-              <a:rPr lang="pt-BR" smtClean="0"/>
+              <a:rPr lang="pt-BR"/>
               <a:t>Clique para editar o título mestre</a:t>
             </a:r>
             <a:endParaRPr lang="en-US" dirty="0"/>
@@ -1807,7 +1809,7 @@
           <a:p>
             <a:pPr lvl="0"/>
             <a:r>
-              <a:rPr lang="pt-BR" smtClean="0"/>
+              <a:rPr lang="pt-BR"/>
               <a:t>Editar estilos de texto Mestre</a:t>
             </a:r>
           </a:p>
@@ -1835,35 +1837,35 @@
           <a:p>
             <a:pPr lvl="0"/>
             <a:r>
-              <a:rPr lang="pt-BR" smtClean="0"/>
+              <a:rPr lang="pt-BR"/>
               <a:t>Editar estilos de texto Mestre</a:t>
             </a:r>
           </a:p>
           <a:p>
             <a:pPr lvl="1"/>
             <a:r>
-              <a:rPr lang="pt-BR" smtClean="0"/>
+              <a:rPr lang="pt-BR"/>
               <a:t>Segundo nível</a:t>
             </a:r>
           </a:p>
           <a:p>
             <a:pPr lvl="2"/>
             <a:r>
-              <a:rPr lang="pt-BR" smtClean="0"/>
+              <a:rPr lang="pt-BR"/>
               <a:t>Terceiro nível</a:t>
             </a:r>
           </a:p>
           <a:p>
             <a:pPr lvl="3"/>
             <a:r>
-              <a:rPr lang="pt-BR" smtClean="0"/>
+              <a:rPr lang="pt-BR"/>
               <a:t>Quarto nível</a:t>
             </a:r>
           </a:p>
           <a:p>
             <a:pPr lvl="4"/>
             <a:r>
-              <a:rPr lang="pt-BR" smtClean="0"/>
+              <a:rPr lang="pt-BR"/>
               <a:t>Quinto nível</a:t>
             </a:r>
             <a:endParaRPr lang="en-US" dirty="0"/>
@@ -1937,7 +1939,7 @@
           <a:p>
             <a:pPr lvl="0"/>
             <a:r>
-              <a:rPr lang="pt-BR" smtClean="0"/>
+              <a:rPr lang="pt-BR"/>
               <a:t>Editar estilos de texto Mestre</a:t>
             </a:r>
           </a:p>
@@ -1965,35 +1967,35 @@
           <a:p>
             <a:pPr lvl="0"/>
             <a:r>
-              <a:rPr lang="pt-BR" smtClean="0"/>
+              <a:rPr lang="pt-BR"/>
               <a:t>Editar estilos de texto Mestre</a:t>
             </a:r>
           </a:p>
           <a:p>
             <a:pPr lvl="1"/>
             <a:r>
-              <a:rPr lang="pt-BR" smtClean="0"/>
+              <a:rPr lang="pt-BR"/>
               <a:t>Segundo nível</a:t>
             </a:r>
           </a:p>
           <a:p>
             <a:pPr lvl="2"/>
             <a:r>
-              <a:rPr lang="pt-BR" smtClean="0"/>
+              <a:rPr lang="pt-BR"/>
               <a:t>Terceiro nível</a:t>
             </a:r>
           </a:p>
           <a:p>
             <a:pPr lvl="3"/>
             <a:r>
-              <a:rPr lang="pt-BR" smtClean="0"/>
+              <a:rPr lang="pt-BR"/>
               <a:t>Quarto nível</a:t>
             </a:r>
           </a:p>
           <a:p>
             <a:pPr lvl="4"/>
             <a:r>
-              <a:rPr lang="pt-BR" smtClean="0"/>
+              <a:rPr lang="pt-BR"/>
               <a:t>Quinto nível</a:t>
             </a:r>
             <a:endParaRPr lang="en-US" dirty="0"/>
@@ -2017,7 +2019,7 @@
           <a:p>
             <a:fld id="{4D409C2F-42B1-4963-B0AF-E0EFE19B69A9}" type="datetimeFigureOut">
               <a:rPr lang="pt-BR" smtClean="0"/>
-              <a:t>07/04/2017</a:t>
+              <a:t>11/04/2017</a:t>
             </a:fld>
             <a:endParaRPr lang="pt-BR"/>
           </a:p>
@@ -2111,7 +2113,7 @@
           <a:lstStyle/>
           <a:p>
             <a:r>
-              <a:rPr lang="pt-BR" smtClean="0"/>
+              <a:rPr lang="pt-BR"/>
               <a:t>Clique para editar o título mestre</a:t>
             </a:r>
             <a:endParaRPr lang="en-US" dirty="0"/>
@@ -2135,7 +2137,7 @@
           <a:p>
             <a:fld id="{4D409C2F-42B1-4963-B0AF-E0EFE19B69A9}" type="datetimeFigureOut">
               <a:rPr lang="pt-BR" smtClean="0"/>
-              <a:t>07/04/2017</a:t>
+              <a:t>11/04/2017</a:t>
             </a:fld>
             <a:endParaRPr lang="pt-BR"/>
           </a:p>
@@ -2308,7 +2310,7 @@
           <a:p>
             <a:fld id="{4D409C2F-42B1-4963-B0AF-E0EFE19B69A9}" type="datetimeFigureOut">
               <a:rPr lang="pt-BR" smtClean="0"/>
-              <a:t>07/04/2017</a:t>
+              <a:t>11/04/2017</a:t>
             </a:fld>
             <a:endParaRPr lang="pt-BR"/>
           </a:p>
@@ -2503,7 +2505,7 @@
           </a:lstStyle>
           <a:p>
             <a:r>
-              <a:rPr lang="pt-BR" smtClean="0"/>
+              <a:rPr lang="pt-BR"/>
               <a:t>Clique para editar o título mestre</a:t>
             </a:r>
             <a:endParaRPr lang="en-US" dirty="0"/>
@@ -2532,35 +2534,35 @@
           <a:p>
             <a:pPr lvl="0"/>
             <a:r>
-              <a:rPr lang="pt-BR" smtClean="0"/>
+              <a:rPr lang="pt-BR"/>
               <a:t>Editar estilos de texto Mestre</a:t>
             </a:r>
           </a:p>
           <a:p>
             <a:pPr lvl="1"/>
             <a:r>
-              <a:rPr lang="pt-BR" smtClean="0"/>
+              <a:rPr lang="pt-BR"/>
               <a:t>Segundo nível</a:t>
             </a:r>
           </a:p>
           <a:p>
             <a:pPr lvl="2"/>
             <a:r>
-              <a:rPr lang="pt-BR" smtClean="0"/>
+              <a:rPr lang="pt-BR"/>
               <a:t>Terceiro nível</a:t>
             </a:r>
           </a:p>
           <a:p>
             <a:pPr lvl="3"/>
             <a:r>
-              <a:rPr lang="pt-BR" smtClean="0"/>
+              <a:rPr lang="pt-BR"/>
               <a:t>Quarto nível</a:t>
             </a:r>
           </a:p>
           <a:p>
             <a:pPr lvl="4"/>
             <a:r>
-              <a:rPr lang="pt-BR" smtClean="0"/>
+              <a:rPr lang="pt-BR"/>
               <a:t>Quinto nível</a:t>
             </a:r>
             <a:endParaRPr lang="en-US" dirty="0"/>
@@ -2632,7 +2634,7 @@
           <a:p>
             <a:pPr lvl="0"/>
             <a:r>
-              <a:rPr lang="pt-BR" smtClean="0"/>
+              <a:rPr lang="pt-BR"/>
               <a:t>Editar estilos de texto Mestre</a:t>
             </a:r>
           </a:p>
@@ -2664,7 +2666,7 @@
           <a:p>
             <a:fld id="{4D409C2F-42B1-4963-B0AF-E0EFE19B69A9}" type="datetimeFigureOut">
               <a:rPr lang="pt-BR" smtClean="0"/>
-              <a:t>07/04/2017</a:t>
+              <a:t>11/04/2017</a:t>
             </a:fld>
             <a:endParaRPr lang="pt-BR"/>
           </a:p>
@@ -2832,7 +2834,7 @@
           </a:lstStyle>
           <a:p>
             <a:r>
-              <a:rPr lang="pt-BR" smtClean="0"/>
+              <a:rPr lang="pt-BR"/>
               <a:t>Clique para editar o título mestre</a:t>
             </a:r>
             <a:endParaRPr lang="en-US" dirty="0"/>
@@ -2903,7 +2905,7 @@
           </a:lstStyle>
           <a:p>
             <a:r>
-              <a:rPr lang="pt-BR" smtClean="0"/>
+              <a:rPr lang="pt-BR"/>
               <a:t>Clique no ícone para adicionar uma imagem</a:t>
             </a:r>
             <a:endParaRPr lang="en-US" dirty="0"/>
@@ -2981,7 +2983,7 @@
           <a:p>
             <a:pPr lvl="0"/>
             <a:r>
-              <a:rPr lang="pt-BR" smtClean="0"/>
+              <a:rPr lang="pt-BR"/>
               <a:t>Editar estilos de texto Mestre</a:t>
             </a:r>
           </a:p>
@@ -3012,7 +3014,7 @@
           <a:p>
             <a:fld id="{4D409C2F-42B1-4963-B0AF-E0EFE19B69A9}" type="datetimeFigureOut">
               <a:rPr lang="pt-BR" smtClean="0"/>
-              <a:t>07/04/2017</a:t>
+              <a:t>11/04/2017</a:t>
             </a:fld>
             <a:endParaRPr lang="pt-BR"/>
           </a:p>
@@ -3221,7 +3223,7 @@
           <a:lstStyle/>
           <a:p>
             <a:r>
-              <a:rPr lang="pt-BR" smtClean="0"/>
+              <a:rPr lang="pt-BR"/>
               <a:t>Clique para editar o título mestre</a:t>
             </a:r>
             <a:endParaRPr lang="en-US" dirty="0"/>
@@ -3255,35 +3257,35 @@
           <a:p>
             <a:pPr lvl="0"/>
             <a:r>
-              <a:rPr lang="pt-BR" smtClean="0"/>
+              <a:rPr lang="pt-BR"/>
               <a:t>Editar estilos de texto Mestre</a:t>
             </a:r>
           </a:p>
           <a:p>
             <a:pPr lvl="1"/>
             <a:r>
-              <a:rPr lang="pt-BR" smtClean="0"/>
+              <a:rPr lang="pt-BR"/>
               <a:t>Segundo nível</a:t>
             </a:r>
           </a:p>
           <a:p>
             <a:pPr lvl="2"/>
             <a:r>
-              <a:rPr lang="pt-BR" smtClean="0"/>
+              <a:rPr lang="pt-BR"/>
               <a:t>Terceiro nível</a:t>
             </a:r>
           </a:p>
           <a:p>
             <a:pPr lvl="3"/>
             <a:r>
-              <a:rPr lang="pt-BR" smtClean="0"/>
+              <a:rPr lang="pt-BR"/>
               <a:t>Quarto nível</a:t>
             </a:r>
           </a:p>
           <a:p>
             <a:pPr lvl="4"/>
             <a:r>
-              <a:rPr lang="pt-BR" smtClean="0"/>
+              <a:rPr lang="pt-BR"/>
               <a:t>Quinto nível</a:t>
             </a:r>
             <a:endParaRPr lang="en-US" dirty="0"/>
@@ -3323,7 +3325,7 @@
           <a:p>
             <a:fld id="{4D409C2F-42B1-4963-B0AF-E0EFE19B69A9}" type="datetimeFigureOut">
               <a:rPr lang="pt-BR" smtClean="0"/>
-              <a:t>07/04/2017</a:t>
+              <a:t>11/04/2017</a:t>
             </a:fld>
             <a:endParaRPr lang="pt-BR"/>
           </a:p>
@@ -3863,10 +3865,9 @@
           <a:lstStyle/>
           <a:p>
             <a:r>
-              <a:rPr lang="pt-BR" dirty="0" smtClean="0"/>
+              <a:rPr lang="pt-BR" dirty="0"/>
               <a:t>S.O.L.I.D</a:t>
             </a:r>
-            <a:endParaRPr lang="pt-BR" dirty="0"/>
           </a:p>
         </p:txBody>
       </p:sp>
@@ -3886,10 +3887,9 @@
           <a:lstStyle/>
           <a:p>
             <a:r>
-              <a:rPr lang="pt-BR" dirty="0" smtClean="0"/>
+              <a:rPr lang="pt-BR" dirty="0"/>
               <a:t>Paradigmas de OO.</a:t>
             </a:r>
-            <a:endParaRPr lang="pt-BR" dirty="0"/>
           </a:p>
         </p:txBody>
       </p:sp>
@@ -4014,7 +4014,7 @@
           <a:p>
             <a:pPr algn="ctr"/>
             <a:r>
-              <a:rPr lang="pt-BR" sz="9600" dirty="0" smtClean="0">
+              <a:rPr lang="pt-BR" sz="9600" dirty="0">
                 <a:solidFill>
                   <a:schemeClr val="tx1"/>
                 </a:solidFill>
@@ -4024,14 +4024,6 @@
               </a:rPr>
               <a:t>S.O.L.I.D</a:t>
             </a:r>
-            <a:endParaRPr lang="pt-BR" sz="9600" dirty="0">
-              <a:solidFill>
-                <a:schemeClr val="tx1"/>
-              </a:solidFill>
-              <a:latin typeface="Verdana" panose="020B0604030504040204" pitchFamily="34" charset="0"/>
-              <a:ea typeface="Verdana" panose="020B0604030504040204" pitchFamily="34" charset="0"/>
-              <a:cs typeface="Verdana" panose="020B0604030504040204" pitchFamily="34" charset="0"/>
-            </a:endParaRPr>
           </a:p>
         </p:txBody>
       </p:sp>
@@ -4076,7 +4068,7 @@
           <a:p>
             <a:pPr algn="ctr"/>
             <a:r>
-              <a:rPr lang="pt-BR" sz="2400" dirty="0" smtClean="0">
+              <a:rPr lang="pt-BR" sz="2400" dirty="0">
                 <a:solidFill>
                   <a:schemeClr val="tx1"/>
                 </a:solidFill>
@@ -4086,14 +4078,6 @@
               </a:rPr>
               <a:t>Implementando os 5 primeiros princípios de O.O.</a:t>
             </a:r>
-            <a:endParaRPr lang="pt-BR" sz="2400" dirty="0">
-              <a:solidFill>
-                <a:schemeClr val="tx1"/>
-              </a:solidFill>
-              <a:latin typeface="Verdana" panose="020B0604030504040204" pitchFamily="34" charset="0"/>
-              <a:ea typeface="Verdana" panose="020B0604030504040204" pitchFamily="34" charset="0"/>
-              <a:cs typeface="Verdana" panose="020B0604030504040204" pitchFamily="34" charset="0"/>
-            </a:endParaRPr>
           </a:p>
         </p:txBody>
       </p:sp>
@@ -4137,13 +4121,6 @@
   <p:clrMapOvr>
     <a:masterClrMapping/>
   </p:clrMapOvr>
-  <p:timing>
-    <p:tnLst>
-      <p:par>
-        <p:cTn id="1" dur="indefinite" restart="never" nodeType="tmRoot"/>
-      </p:par>
-    </p:tnLst>
-  </p:timing>
 </p:sld>
 </file>
 
@@ -4166,6 +4143,207 @@
       </p:grpSpPr>
       <p:sp>
         <p:nvSpPr>
+          <p:cNvPr id="2" name="Título 1"/>
+          <p:cNvSpPr>
+            <a:spLocks noGrp="1"/>
+          </p:cNvSpPr>
+          <p:nvPr>
+            <p:ph type="title"/>
+          </p:nvPr>
+        </p:nvSpPr>
+        <p:spPr/>
+        <p:txBody>
+          <a:bodyPr/>
+          <a:lstStyle/>
+          <a:p>
+            <a:r>
+              <a:rPr lang="pt-BR" dirty="0"/>
+              <a:t>!SRP</a:t>
+            </a:r>
+          </a:p>
+        </p:txBody>
+      </p:sp>
+      <p:sp>
+        <p:nvSpPr>
+          <p:cNvPr id="3" name="Espaço Reservado para Conteúdo 2"/>
+          <p:cNvSpPr>
+            <a:spLocks noGrp="1"/>
+          </p:cNvSpPr>
+          <p:nvPr>
+            <p:ph idx="1"/>
+          </p:nvPr>
+        </p:nvSpPr>
+        <p:spPr/>
+        <p:txBody>
+          <a:bodyPr/>
+          <a:lstStyle/>
+          <a:p>
+            <a:pPr marL="0" indent="0">
+              <a:buNone/>
+            </a:pPr>
+            <a:endParaRPr lang="pt-BR" dirty="0"/>
+          </a:p>
+          <a:p>
+            <a:pPr marL="0" indent="0">
+              <a:buNone/>
+            </a:pPr>
+            <a:r>
+              <a:rPr lang="pt-BR" dirty="0"/>
+              <a:t>1 Classe contém: </a:t>
+            </a:r>
+          </a:p>
+          <a:p>
+            <a:r>
+              <a:rPr lang="pt-BR" dirty="0"/>
+              <a:t>1680 LINHAS</a:t>
+            </a:r>
+          </a:p>
+          <a:p>
+            <a:r>
+              <a:rPr lang="pt-BR" dirty="0"/>
+              <a:t>5 MÉTODOS</a:t>
+            </a:r>
+          </a:p>
+          <a:p>
+            <a:r>
+              <a:rPr lang="pt-BR" dirty="0"/>
+              <a:t>14 CLASSES</a:t>
+            </a:r>
+          </a:p>
+          <a:p>
+            <a:r>
+              <a:rPr lang="pt-BR" dirty="0"/>
+              <a:t>E um  dos seus método (Executar) possui exatas 1312 linhas.</a:t>
+            </a:r>
+          </a:p>
+          <a:p>
+            <a:endParaRPr lang="pt-BR" dirty="0"/>
+          </a:p>
+          <a:p>
+            <a:endParaRPr lang="pt-BR" dirty="0"/>
+          </a:p>
+        </p:txBody>
+      </p:sp>
+      <p:pic>
+        <p:nvPicPr>
+          <p:cNvPr id="4" name="Imagem 3"/>
+          <p:cNvPicPr>
+            <a:picLocks noChangeAspect="1"/>
+          </p:cNvPicPr>
+          <p:nvPr/>
+        </p:nvPicPr>
+        <p:blipFill>
+          <a:blip r:embed="rId2" cstate="print">
+            <a:extLst>
+              <a:ext uri="{28A0092B-C50C-407E-A947-70E740481C1C}">
+                <a14:useLocalDpi xmlns:a14="http://schemas.microsoft.com/office/drawing/2010/main" val="0"/>
+              </a:ext>
+            </a:extLst>
+          </a:blip>
+          <a:stretch>
+            <a:fillRect/>
+          </a:stretch>
+        </p:blipFill>
+        <p:spPr>
+          <a:xfrm>
+            <a:off x="11015002" y="6402549"/>
+            <a:ext cx="1176998" cy="455451"/>
+          </a:xfrm>
+          <a:prstGeom prst="rect">
+            <a:avLst/>
+          </a:prstGeom>
+        </p:spPr>
+      </p:pic>
+    </p:spTree>
+    <p:extLst>
+      <p:ext uri="{BB962C8B-B14F-4D97-AF65-F5344CB8AC3E}">
+        <p14:creationId xmlns:p14="http://schemas.microsoft.com/office/powerpoint/2010/main" val="72525635"/>
+      </p:ext>
+    </p:extLst>
+  </p:cSld>
+  <p:clrMapOvr>
+    <a:masterClrMapping/>
+  </p:clrMapOvr>
+</p:sld>
+</file>
+
+<file path=ppt/slides/slide11.xml><?xml version="1.0" encoding="utf-8"?>
+<p:sld xmlns:a="http://schemas.openxmlformats.org/drawingml/2006/main" xmlns:r="http://schemas.openxmlformats.org/officeDocument/2006/relationships" xmlns:p="http://schemas.openxmlformats.org/presentationml/2006/main">
+  <p:cSld>
+    <p:spTree>
+      <p:nvGrpSpPr>
+        <p:cNvPr id="1" name=""/>
+        <p:cNvGrpSpPr/>
+        <p:nvPr/>
+      </p:nvGrpSpPr>
+      <p:grpSpPr>
+        <a:xfrm>
+          <a:off x="0" y="0"/>
+          <a:ext cx="0" cy="0"/>
+          <a:chOff x="0" y="0"/>
+          <a:chExt cx="0" cy="0"/>
+        </a:xfrm>
+      </p:grpSpPr>
+      <p:pic>
+        <p:nvPicPr>
+          <p:cNvPr id="4" name="Espaço Reservado para Conteúdo 3"/>
+          <p:cNvPicPr>
+            <a:picLocks noGrp="1" noChangeAspect="1"/>
+          </p:cNvPicPr>
+          <p:nvPr>
+            <p:ph idx="1"/>
+          </p:nvPr>
+        </p:nvPicPr>
+        <p:blipFill rotWithShape="1">
+          <a:blip r:embed="rId2">
+            <a:extLst>
+              <a:ext uri="{28A0092B-C50C-407E-A947-70E740481C1C}">
+                <a14:useLocalDpi xmlns:a14="http://schemas.microsoft.com/office/drawing/2010/main" val="0"/>
+              </a:ext>
+            </a:extLst>
+          </a:blip>
+          <a:srcRect b="5346"/>
+          <a:stretch/>
+        </p:blipFill>
+        <p:spPr>
+          <a:xfrm>
+            <a:off x="1797936" y="613604"/>
+            <a:ext cx="8105917" cy="4950069"/>
+          </a:xfrm>
+        </p:spPr>
+      </p:pic>
+    </p:spTree>
+    <p:extLst>
+      <p:ext uri="{BB962C8B-B14F-4D97-AF65-F5344CB8AC3E}">
+        <p14:creationId xmlns:p14="http://schemas.microsoft.com/office/powerpoint/2010/main" val="2962416554"/>
+      </p:ext>
+    </p:extLst>
+  </p:cSld>
+  <p:clrMapOvr>
+    <a:masterClrMapping/>
+  </p:clrMapOvr>
+</p:sld>
+</file>
+
+<file path=ppt/slides/slide12.xml><?xml version="1.0" encoding="utf-8"?>
+<p:sld xmlns:a="http://schemas.openxmlformats.org/drawingml/2006/main" xmlns:r="http://schemas.openxmlformats.org/officeDocument/2006/relationships" xmlns:p="http://schemas.openxmlformats.org/presentationml/2006/main">
+  <p:cSld>
+    <p:spTree>
+      <p:nvGrpSpPr>
+        <p:cNvPr id="1" name=""/>
+        <p:cNvGrpSpPr/>
+        <p:nvPr/>
+      </p:nvGrpSpPr>
+      <p:grpSpPr>
+        <a:xfrm>
+          <a:off x="0" y="0"/>
+          <a:ext cx="0" cy="0"/>
+          <a:chOff x="0" y="0"/>
+          <a:chExt cx="0" cy="0"/>
+        </a:xfrm>
+      </p:grpSpPr>
+      <p:sp>
+        <p:nvSpPr>
           <p:cNvPr id="4" name="Título 1"/>
           <p:cNvSpPr>
             <a:spLocks noGrp="1"/>
@@ -4180,19 +4358,19 @@
           <a:lstStyle/>
           <a:p>
             <a:r>
-              <a:rPr lang="pt-BR" dirty="0" smtClean="0"/>
+              <a:rPr lang="pt-BR" dirty="0"/>
               <a:t>SRP – Single </a:t>
             </a:r>
             <a:r>
-              <a:rPr lang="pt-BR" dirty="0" err="1" smtClean="0"/>
+              <a:rPr lang="pt-BR" dirty="0" err="1"/>
               <a:t>Responsability</a:t>
             </a:r>
             <a:r>
-              <a:rPr lang="pt-BR" dirty="0" smtClean="0"/>
+              <a:rPr lang="pt-BR" dirty="0"/>
               <a:t> </a:t>
             </a:r>
             <a:r>
-              <a:rPr lang="pt-BR" dirty="0" err="1" smtClean="0"/>
+              <a:rPr lang="pt-BR" dirty="0" err="1"/>
               <a:t>Principle</a:t>
             </a:r>
             <a:endParaRPr lang="pt-BR" dirty="0"/>
@@ -4218,7 +4396,7 @@
               <a:buNone/>
             </a:pPr>
             <a:r>
-              <a:rPr lang="pt-BR" dirty="0" smtClean="0"/>
+              <a:rPr lang="pt-BR" dirty="0"/>
               <a:t>Problemas comuns nesta violação.</a:t>
             </a:r>
           </a:p>
@@ -4235,7 +4413,7 @@
               <a:buAutoNum type="arabicPeriod"/>
             </a:pPr>
             <a:r>
-              <a:rPr lang="pt-BR" dirty="0" smtClean="0"/>
+              <a:rPr lang="pt-BR" dirty="0"/>
               <a:t>Classes ou métodos com muitas linhas de código</a:t>
             </a:r>
           </a:p>
@@ -4245,7 +4423,7 @@
               <a:buAutoNum type="arabicPeriod"/>
             </a:pPr>
             <a:r>
-              <a:rPr lang="pt-BR" dirty="0" smtClean="0"/>
+              <a:rPr lang="pt-BR" dirty="0"/>
               <a:t>Manutenção complexa</a:t>
             </a:r>
           </a:p>
@@ -4255,7 +4433,7 @@
               <a:buAutoNum type="arabicPeriod"/>
             </a:pPr>
             <a:r>
-              <a:rPr lang="pt-BR" dirty="0" smtClean="0"/>
+              <a:rPr lang="pt-BR" dirty="0"/>
               <a:t>Nenhuma ou pouca chance de ser testável</a:t>
             </a:r>
           </a:p>
@@ -4265,14 +4443,14 @@
               <a:buAutoNum type="arabicPeriod"/>
             </a:pPr>
             <a:r>
-              <a:rPr lang="pt-BR" dirty="0" smtClean="0"/>
+              <a:rPr lang="pt-BR" dirty="0"/>
               <a:t>Alta complexidade </a:t>
             </a:r>
             <a:r>
-              <a:rPr lang="pt-BR" dirty="0" err="1" smtClean="0"/>
+              <a:rPr lang="pt-BR" dirty="0" err="1"/>
               <a:t>ciclomática</a:t>
             </a:r>
-            <a:endParaRPr lang="pt-BR" dirty="0" smtClean="0"/>
+            <a:endParaRPr lang="pt-BR" dirty="0"/>
           </a:p>
           <a:p>
             <a:pPr marL="514350" indent="-514350">
@@ -4280,7 +4458,7 @@
               <a:buAutoNum type="arabicPeriod"/>
             </a:pPr>
             <a:r>
-              <a:rPr lang="pt-BR" dirty="0" smtClean="0"/>
+              <a:rPr lang="pt-BR" dirty="0"/>
               <a:t>Baixa coesão</a:t>
             </a:r>
           </a:p>
@@ -4289,14 +4467,24 @@
               <a:buFont typeface="+mj-lt"/>
               <a:buAutoNum type="arabicPeriod"/>
             </a:pPr>
-            <a:endParaRPr lang="pt-BR" dirty="0" smtClean="0"/>
+            <a:r>
+              <a:rPr lang="pt-BR" dirty="0"/>
+              <a:t>E = MC²  </a:t>
+            </a:r>
           </a:p>
           <a:p>
             <a:pPr marL="514350" indent="-514350">
               <a:buFont typeface="+mj-lt"/>
               <a:buAutoNum type="arabicPeriod"/>
             </a:pPr>
-            <a:endParaRPr lang="pt-BR" dirty="0" smtClean="0"/>
+            <a:endParaRPr lang="pt-BR" dirty="0"/>
+          </a:p>
+          <a:p>
+            <a:pPr marL="514350" indent="-514350">
+              <a:buFont typeface="+mj-lt"/>
+              <a:buAutoNum type="arabicPeriod"/>
+            </a:pPr>
+            <a:endParaRPr lang="pt-BR" dirty="0"/>
           </a:p>
         </p:txBody>
       </p:sp>
@@ -4330,6 +4518,49 @@
           </a:prstGeom>
         </p:spPr>
       </p:pic>
+      <p:sp>
+        <p:nvSpPr>
+          <p:cNvPr id="2" name="Retângulo 1"/>
+          <p:cNvSpPr/>
+          <p:nvPr/>
+        </p:nvSpPr>
+        <p:spPr>
+          <a:xfrm>
+            <a:off x="2627291" y="4945487"/>
+            <a:ext cx="2472742" cy="515155"/>
+          </a:xfrm>
+          <a:prstGeom prst="rect">
+            <a:avLst/>
+          </a:prstGeom>
+        </p:spPr>
+        <p:style>
+          <a:lnRef idx="2">
+            <a:schemeClr val="dk1">
+              <a:shade val="50000"/>
+            </a:schemeClr>
+          </a:lnRef>
+          <a:fillRef idx="1">
+            <a:schemeClr val="dk1"/>
+          </a:fillRef>
+          <a:effectRef idx="0">
+            <a:schemeClr val="dk1"/>
+          </a:effectRef>
+          <a:fontRef idx="minor">
+            <a:schemeClr val="lt1"/>
+          </a:fontRef>
+        </p:style>
+        <p:txBody>
+          <a:bodyPr rtlCol="0" anchor="ctr"/>
+          <a:lstStyle/>
+          <a:p>
+            <a:pPr algn="ctr"/>
+            <a:r>
+              <a:rPr lang="pt-BR" dirty="0"/>
+              <a:t>ERROR = MORE CODE ²</a:t>
+            </a:r>
+          </a:p>
+        </p:txBody>
+      </p:sp>
     </p:spTree>
     <p:extLst>
       <p:ext uri="{BB962C8B-B14F-4D97-AF65-F5344CB8AC3E}">
@@ -4343,309 +4574,80 @@
   <p:timing>
     <p:tnLst>
       <p:par>
-        <p:cTn id="1" dur="indefinite" restart="never" nodeType="tmRoot"/>
+        <p:cTn id="1" dur="indefinite" restart="never" nodeType="tmRoot">
+          <p:childTnLst>
+            <p:seq concurrent="1" nextAc="seek">
+              <p:cTn id="2" dur="indefinite" nodeType="mainSeq">
+                <p:childTnLst>
+                  <p:par>
+                    <p:cTn id="3" fill="hold">
+                      <p:stCondLst>
+                        <p:cond delay="indefinite"/>
+                      </p:stCondLst>
+                      <p:childTnLst>
+                        <p:par>
+                          <p:cTn id="4" fill="hold">
+                            <p:stCondLst>
+                              <p:cond delay="0"/>
+                            </p:stCondLst>
+                            <p:childTnLst>
+                              <p:par>
+                                <p:cTn id="5" presetID="1" presetClass="entr" presetSubtype="0" fill="hold" grpId="0" nodeType="clickEffect">
+                                  <p:stCondLst>
+                                    <p:cond delay="0"/>
+                                  </p:stCondLst>
+                                  <p:childTnLst>
+                                    <p:set>
+                                      <p:cBhvr>
+                                        <p:cTn id="6" dur="1" fill="hold">
+                                          <p:stCondLst>
+                                            <p:cond delay="0"/>
+                                          </p:stCondLst>
+                                        </p:cTn>
+                                        <p:tgtEl>
+                                          <p:spTgt spid="2"/>
+                                        </p:tgtEl>
+                                        <p:attrNameLst>
+                                          <p:attrName>style.visibility</p:attrName>
+                                        </p:attrNameLst>
+                                      </p:cBhvr>
+                                      <p:to>
+                                        <p:strVal val="visible"/>
+                                      </p:to>
+                                    </p:set>
+                                  </p:childTnLst>
+                                </p:cTn>
+                              </p:par>
+                            </p:childTnLst>
+                          </p:cTn>
+                        </p:par>
+                      </p:childTnLst>
+                    </p:cTn>
+                  </p:par>
+                </p:childTnLst>
+              </p:cTn>
+              <p:prevCondLst>
+                <p:cond evt="onPrev" delay="0">
+                  <p:tgtEl>
+                    <p:sldTgt/>
+                  </p:tgtEl>
+                </p:cond>
+              </p:prevCondLst>
+              <p:nextCondLst>
+                <p:cond evt="onNext" delay="0">
+                  <p:tgtEl>
+                    <p:sldTgt/>
+                  </p:tgtEl>
+                </p:cond>
+              </p:nextCondLst>
+            </p:seq>
+          </p:childTnLst>
+        </p:cTn>
       </p:par>
     </p:tnLst>
-  </p:timing>
-</p:sld>
-</file>
-
-<file path=ppt/slides/slide11.xml><?xml version="1.0" encoding="utf-8"?>
-<p:sld xmlns:a="http://schemas.openxmlformats.org/drawingml/2006/main" xmlns:r="http://schemas.openxmlformats.org/officeDocument/2006/relationships" xmlns:p="http://schemas.openxmlformats.org/presentationml/2006/main">
-  <p:cSld>
-    <p:spTree>
-      <p:nvGrpSpPr>
-        <p:cNvPr id="1" name=""/>
-        <p:cNvGrpSpPr/>
-        <p:nvPr/>
-      </p:nvGrpSpPr>
-      <p:grpSpPr>
-        <a:xfrm>
-          <a:off x="0" y="0"/>
-          <a:ext cx="0" cy="0"/>
-          <a:chOff x="0" y="0"/>
-          <a:chExt cx="0" cy="0"/>
-        </a:xfrm>
-      </p:grpSpPr>
-      <p:sp>
-        <p:nvSpPr>
-          <p:cNvPr id="4" name="Título 1"/>
-          <p:cNvSpPr>
-            <a:spLocks noGrp="1"/>
-          </p:cNvSpPr>
-          <p:nvPr>
-            <p:ph type="title"/>
-          </p:nvPr>
-        </p:nvSpPr>
-        <p:spPr/>
-        <p:txBody>
-          <a:bodyPr/>
-          <a:lstStyle/>
-          <a:p>
-            <a:r>
-              <a:rPr lang="pt-BR" dirty="0" smtClean="0"/>
-              <a:t>SRP – Single </a:t>
-            </a:r>
-            <a:r>
-              <a:rPr lang="pt-BR" dirty="0" err="1" smtClean="0"/>
-              <a:t>Responsability</a:t>
-            </a:r>
-            <a:r>
-              <a:rPr lang="pt-BR" dirty="0" smtClean="0"/>
-              <a:t> </a:t>
-            </a:r>
-            <a:r>
-              <a:rPr lang="pt-BR" dirty="0" err="1" smtClean="0"/>
-              <a:t>Principle</a:t>
-            </a:r>
-            <a:endParaRPr lang="pt-BR" dirty="0"/>
-          </a:p>
-        </p:txBody>
-      </p:sp>
-      <p:sp>
-        <p:nvSpPr>
-          <p:cNvPr id="3" name="Espaço Reservado para Conteúdo 2"/>
-          <p:cNvSpPr>
-            <a:spLocks noGrp="1"/>
-          </p:cNvSpPr>
-          <p:nvPr>
-            <p:ph idx="1"/>
-          </p:nvPr>
-        </p:nvSpPr>
-        <p:spPr/>
-        <p:txBody>
-          <a:bodyPr/>
-          <a:lstStyle/>
-          <a:p>
-            <a:pPr marL="0" indent="0">
-              <a:buNone/>
-            </a:pPr>
-            <a:r>
-              <a:rPr lang="pt-BR" dirty="0" smtClean="0"/>
-              <a:t>Exemplo com SQP</a:t>
-            </a:r>
-          </a:p>
-          <a:p>
-            <a:pPr marL="514350" indent="-514350">
-              <a:buFont typeface="+mj-lt"/>
-              <a:buAutoNum type="arabicPeriod"/>
-            </a:pPr>
-            <a:endParaRPr lang="pt-BR" dirty="0" smtClean="0"/>
-          </a:p>
-        </p:txBody>
-      </p:sp>
-      <p:pic>
-        <p:nvPicPr>
-          <p:cNvPr id="5" name="Imagem 4"/>
-          <p:cNvPicPr>
-            <a:picLocks noChangeAspect="1"/>
-          </p:cNvPicPr>
-          <p:nvPr/>
-        </p:nvPicPr>
-        <p:blipFill>
-          <a:blip r:embed="rId2" cstate="print">
-            <a:extLst>
-              <a:ext uri="{28A0092B-C50C-407E-A947-70E740481C1C}">
-                <a14:useLocalDpi xmlns:a14="http://schemas.microsoft.com/office/drawing/2010/main" val="0"/>
-              </a:ext>
-            </a:extLst>
-          </a:blip>
-          <a:stretch>
-            <a:fillRect/>
-          </a:stretch>
-        </p:blipFill>
-        <p:spPr>
-          <a:xfrm>
-            <a:off x="11015002" y="6402549"/>
-            <a:ext cx="1176998" cy="455451"/>
-          </a:xfrm>
-          <a:prstGeom prst="rect">
-            <a:avLst/>
-          </a:prstGeom>
-        </p:spPr>
-      </p:pic>
-    </p:spTree>
-    <p:extLst>
-      <p:ext uri="{BB962C8B-B14F-4D97-AF65-F5344CB8AC3E}">
-        <p14:creationId xmlns:p14="http://schemas.microsoft.com/office/powerpoint/2010/main" val="1254159316"/>
-      </p:ext>
-    </p:extLst>
-  </p:cSld>
-  <p:clrMapOvr>
-    <a:masterClrMapping/>
-  </p:clrMapOvr>
-  <p:timing>
-    <p:tnLst>
-      <p:par>
-        <p:cTn id="1" dur="indefinite" restart="never" nodeType="tmRoot"/>
-      </p:par>
-    </p:tnLst>
-  </p:timing>
-</p:sld>
-</file>
-
-<file path=ppt/slides/slide12.xml><?xml version="1.0" encoding="utf-8"?>
-<p:sld xmlns:a="http://schemas.openxmlformats.org/drawingml/2006/main" xmlns:r="http://schemas.openxmlformats.org/officeDocument/2006/relationships" xmlns:p="http://schemas.openxmlformats.org/presentationml/2006/main">
-  <p:cSld>
-    <p:spTree>
-      <p:nvGrpSpPr>
-        <p:cNvPr id="1" name=""/>
-        <p:cNvGrpSpPr/>
-        <p:nvPr/>
-      </p:nvGrpSpPr>
-      <p:grpSpPr>
-        <a:xfrm>
-          <a:off x="0" y="0"/>
-          <a:ext cx="0" cy="0"/>
-          <a:chOff x="0" y="0"/>
-          <a:chExt cx="0" cy="0"/>
-        </a:xfrm>
-      </p:grpSpPr>
-      <p:sp>
-        <p:nvSpPr>
-          <p:cNvPr id="5" name="Título 1"/>
-          <p:cNvSpPr>
-            <a:spLocks noGrp="1"/>
-          </p:cNvSpPr>
-          <p:nvPr>
-            <p:ph type="title"/>
-          </p:nvPr>
-        </p:nvSpPr>
-        <p:spPr/>
-        <p:txBody>
-          <a:bodyPr/>
-          <a:lstStyle/>
-          <a:p>
-            <a:r>
-              <a:rPr lang="pt-BR" dirty="0" smtClean="0"/>
-              <a:t>SRP – Single </a:t>
-            </a:r>
-            <a:r>
-              <a:rPr lang="pt-BR" dirty="0" err="1" smtClean="0"/>
-              <a:t>Responsability</a:t>
-            </a:r>
-            <a:r>
-              <a:rPr lang="pt-BR" dirty="0" smtClean="0"/>
-              <a:t> </a:t>
-            </a:r>
-            <a:r>
-              <a:rPr lang="pt-BR" dirty="0" err="1" smtClean="0"/>
-              <a:t>Principle</a:t>
-            </a:r>
-            <a:endParaRPr lang="pt-BR" dirty="0"/>
-          </a:p>
-        </p:txBody>
-      </p:sp>
-      <p:sp>
-        <p:nvSpPr>
-          <p:cNvPr id="3" name="Espaço Reservado para Conteúdo 2"/>
-          <p:cNvSpPr>
-            <a:spLocks noGrp="1"/>
-          </p:cNvSpPr>
-          <p:nvPr>
-            <p:ph idx="1"/>
-          </p:nvPr>
-        </p:nvSpPr>
-        <p:spPr/>
-        <p:txBody>
-          <a:bodyPr/>
-          <a:lstStyle/>
-          <a:p>
-            <a:pPr marL="0" indent="0">
-              <a:buNone/>
-            </a:pPr>
-            <a:r>
-              <a:rPr lang="pt-BR" dirty="0" smtClean="0"/>
-              <a:t>O que ganhamos com isto ?</a:t>
-            </a:r>
-          </a:p>
-          <a:p>
-            <a:pPr marL="0" indent="0">
-              <a:buNone/>
-            </a:pPr>
-            <a:endParaRPr lang="pt-BR" dirty="0"/>
-          </a:p>
-          <a:p>
-            <a:pPr marL="0" indent="0">
-              <a:buNone/>
-            </a:pPr>
-            <a:r>
-              <a:rPr lang="pt-BR" dirty="0" smtClean="0"/>
-              <a:t>1 – COESÃO.</a:t>
-            </a:r>
-          </a:p>
-          <a:p>
-            <a:pPr marL="0" indent="0">
-              <a:buNone/>
-            </a:pPr>
-            <a:r>
-              <a:rPr lang="pt-BR" dirty="0" smtClean="0"/>
-              <a:t>2 – Melhoria na manutenção.</a:t>
-            </a:r>
-          </a:p>
-          <a:p>
-            <a:pPr marL="0" indent="0">
-              <a:buNone/>
-            </a:pPr>
-            <a:r>
-              <a:rPr lang="pt-BR" dirty="0" smtClean="0"/>
-              <a:t>3 – Melhora para implementação de teste de unidade.</a:t>
-            </a:r>
-          </a:p>
-          <a:p>
-            <a:pPr marL="0" indent="0">
-              <a:buNone/>
-            </a:pPr>
-            <a:endParaRPr lang="pt-BR" dirty="0"/>
-          </a:p>
-        </p:txBody>
-      </p:sp>
-      <p:pic>
-        <p:nvPicPr>
-          <p:cNvPr id="6" name="Imagem 5"/>
-          <p:cNvPicPr>
-            <a:picLocks noChangeAspect="1"/>
-          </p:cNvPicPr>
-          <p:nvPr/>
-        </p:nvPicPr>
-        <p:blipFill>
-          <a:blip r:embed="rId2" cstate="print">
-            <a:extLst>
-              <a:ext uri="{28A0092B-C50C-407E-A947-70E740481C1C}">
-                <a14:useLocalDpi xmlns:a14="http://schemas.microsoft.com/office/drawing/2010/main" val="0"/>
-              </a:ext>
-            </a:extLst>
-          </a:blip>
-          <a:stretch>
-            <a:fillRect/>
-          </a:stretch>
-        </p:blipFill>
-        <p:spPr>
-          <a:xfrm>
-            <a:off x="11015002" y="6402549"/>
-            <a:ext cx="1176998" cy="455451"/>
-          </a:xfrm>
-          <a:prstGeom prst="rect">
-            <a:avLst/>
-          </a:prstGeom>
-        </p:spPr>
-      </p:pic>
-    </p:spTree>
-    <p:extLst>
-      <p:ext uri="{BB962C8B-B14F-4D97-AF65-F5344CB8AC3E}">
-        <p14:creationId xmlns:p14="http://schemas.microsoft.com/office/powerpoint/2010/main" val="723822709"/>
-      </p:ext>
-    </p:extLst>
-  </p:cSld>
-  <p:clrMapOvr>
-    <a:masterClrMapping/>
-  </p:clrMapOvr>
-  <p:timing>
-    <p:tnLst>
-      <p:par>
-        <p:cTn id="1" dur="indefinite" restart="never" nodeType="tmRoot"/>
-      </p:par>
-    </p:tnLst>
+    <p:bldLst>
+      <p:bldP spid="2" grpId="0" animBg="1"/>
+    </p:bldLst>
   </p:timing>
 </p:sld>
 </file>
@@ -4669,6 +4671,133 @@
       </p:grpSpPr>
       <p:sp>
         <p:nvSpPr>
+          <p:cNvPr id="4" name="Título 1"/>
+          <p:cNvSpPr>
+            <a:spLocks noGrp="1"/>
+          </p:cNvSpPr>
+          <p:nvPr>
+            <p:ph type="title"/>
+          </p:nvPr>
+        </p:nvSpPr>
+        <p:spPr/>
+        <p:txBody>
+          <a:bodyPr/>
+          <a:lstStyle/>
+          <a:p>
+            <a:r>
+              <a:rPr lang="pt-BR" dirty="0"/>
+              <a:t>SRP – Single </a:t>
+            </a:r>
+            <a:r>
+              <a:rPr lang="pt-BR" dirty="0" err="1"/>
+              <a:t>Responsability</a:t>
+            </a:r>
+            <a:r>
+              <a:rPr lang="pt-BR" dirty="0"/>
+              <a:t> </a:t>
+            </a:r>
+            <a:r>
+              <a:rPr lang="pt-BR" dirty="0" err="1"/>
+              <a:t>Principle</a:t>
+            </a:r>
+            <a:endParaRPr lang="pt-BR" dirty="0"/>
+          </a:p>
+        </p:txBody>
+      </p:sp>
+      <p:sp>
+        <p:nvSpPr>
+          <p:cNvPr id="3" name="Espaço Reservado para Conteúdo 2"/>
+          <p:cNvSpPr>
+            <a:spLocks noGrp="1"/>
+          </p:cNvSpPr>
+          <p:nvPr>
+            <p:ph idx="1"/>
+          </p:nvPr>
+        </p:nvSpPr>
+        <p:spPr/>
+        <p:txBody>
+          <a:bodyPr/>
+          <a:lstStyle/>
+          <a:p>
+            <a:pPr marL="0" indent="0">
+              <a:buNone/>
+            </a:pPr>
+            <a:r>
+              <a:rPr lang="pt-BR" dirty="0"/>
+              <a:t>Exemplo com SQP</a:t>
+            </a:r>
+          </a:p>
+          <a:p>
+            <a:pPr marL="514350" indent="-514350">
+              <a:buFont typeface="+mj-lt"/>
+              <a:buAutoNum type="arabicPeriod"/>
+            </a:pPr>
+            <a:endParaRPr lang="pt-BR" dirty="0"/>
+          </a:p>
+        </p:txBody>
+      </p:sp>
+      <p:pic>
+        <p:nvPicPr>
+          <p:cNvPr id="5" name="Imagem 4"/>
+          <p:cNvPicPr>
+            <a:picLocks noChangeAspect="1"/>
+          </p:cNvPicPr>
+          <p:nvPr/>
+        </p:nvPicPr>
+        <p:blipFill>
+          <a:blip r:embed="rId2" cstate="print">
+            <a:extLst>
+              <a:ext uri="{28A0092B-C50C-407E-A947-70E740481C1C}">
+                <a14:useLocalDpi xmlns:a14="http://schemas.microsoft.com/office/drawing/2010/main" val="0"/>
+              </a:ext>
+            </a:extLst>
+          </a:blip>
+          <a:stretch>
+            <a:fillRect/>
+          </a:stretch>
+        </p:blipFill>
+        <p:spPr>
+          <a:xfrm>
+            <a:off x="11015002" y="6402549"/>
+            <a:ext cx="1176998" cy="455451"/>
+          </a:xfrm>
+          <a:prstGeom prst="rect">
+            <a:avLst/>
+          </a:prstGeom>
+        </p:spPr>
+      </p:pic>
+    </p:spTree>
+    <p:extLst>
+      <p:ext uri="{BB962C8B-B14F-4D97-AF65-F5344CB8AC3E}">
+        <p14:creationId xmlns:p14="http://schemas.microsoft.com/office/powerpoint/2010/main" val="1254159316"/>
+      </p:ext>
+    </p:extLst>
+  </p:cSld>
+  <p:clrMapOvr>
+    <a:masterClrMapping/>
+  </p:clrMapOvr>
+</p:sld>
+</file>
+
+<file path=ppt/slides/slide14.xml><?xml version="1.0" encoding="utf-8"?>
+<p:sld xmlns:a="http://schemas.openxmlformats.org/drawingml/2006/main" xmlns:r="http://schemas.openxmlformats.org/officeDocument/2006/relationships" xmlns:p="http://schemas.openxmlformats.org/presentationml/2006/main">
+  <p:cSld>
+    <p:spTree>
+      <p:nvGrpSpPr>
+        <p:cNvPr id="1" name=""/>
+        <p:cNvGrpSpPr/>
+        <p:nvPr/>
+      </p:nvGrpSpPr>
+      <p:grpSpPr>
+        <a:xfrm>
+          <a:off x="0" y="0"/>
+          <a:ext cx="0" cy="0"/>
+          <a:chOff x="0" y="0"/>
+          <a:chExt cx="0" cy="0"/>
+        </a:xfrm>
+      </p:grpSpPr>
+      <p:sp>
+        <p:nvSpPr>
           <p:cNvPr id="5" name="Título 1"/>
           <p:cNvSpPr>
             <a:spLocks noGrp="1"/>
@@ -4683,19 +4812,19 @@
           <a:lstStyle/>
           <a:p>
             <a:r>
-              <a:rPr lang="pt-BR" dirty="0" smtClean="0"/>
-              <a:t>OCP – Open/</a:t>
-            </a:r>
-            <a:r>
-              <a:rPr lang="pt-BR" dirty="0" err="1" smtClean="0"/>
-              <a:t>Closed</a:t>
-            </a:r>
-            <a:r>
-              <a:rPr lang="pt-BR" dirty="0" smtClean="0"/>
+              <a:rPr lang="pt-BR" dirty="0"/>
+              <a:t>SRP – Single </a:t>
+            </a:r>
+            <a:r>
+              <a:rPr lang="pt-BR" dirty="0" err="1"/>
+              <a:t>Responsability</a:t>
+            </a:r>
+            <a:r>
+              <a:rPr lang="pt-BR" dirty="0"/>
               <a:t> </a:t>
             </a:r>
             <a:r>
-              <a:rPr lang="pt-BR" dirty="0" err="1" smtClean="0"/>
+              <a:rPr lang="pt-BR" dirty="0" err="1"/>
               <a:t>Principle</a:t>
             </a:r>
             <a:endParaRPr lang="pt-BR" dirty="0"/>
@@ -4720,7 +4849,166 @@
             <a:pPr marL="0" indent="0">
               <a:buNone/>
             </a:pPr>
-            <a:endParaRPr lang="pt-BR" dirty="0" smtClean="0"/>
+            <a:r>
+              <a:rPr lang="pt-BR" dirty="0"/>
+              <a:t>O que ganhamos com isto ?</a:t>
+            </a:r>
+          </a:p>
+          <a:p>
+            <a:pPr marL="0" indent="0">
+              <a:buNone/>
+            </a:pPr>
+            <a:endParaRPr lang="pt-BR" dirty="0"/>
+          </a:p>
+          <a:p>
+            <a:pPr marL="0" indent="0">
+              <a:buNone/>
+            </a:pPr>
+            <a:r>
+              <a:rPr lang="pt-BR" dirty="0"/>
+              <a:t>1 – COESÃO.</a:t>
+            </a:r>
+          </a:p>
+          <a:p>
+            <a:pPr marL="0" indent="0">
+              <a:buNone/>
+            </a:pPr>
+            <a:r>
+              <a:rPr lang="pt-BR" dirty="0"/>
+              <a:t>2 – Melhoria na manutenção.</a:t>
+            </a:r>
+          </a:p>
+          <a:p>
+            <a:pPr marL="0" indent="0">
+              <a:buNone/>
+            </a:pPr>
+            <a:r>
+              <a:rPr lang="pt-BR" dirty="0"/>
+              <a:t>3 – Melhora para implementação de teste de unidade.</a:t>
+            </a:r>
+          </a:p>
+          <a:p>
+            <a:pPr marL="0" indent="0">
+              <a:buNone/>
+            </a:pPr>
+            <a:endParaRPr lang="pt-BR" dirty="0"/>
+          </a:p>
+        </p:txBody>
+      </p:sp>
+      <p:pic>
+        <p:nvPicPr>
+          <p:cNvPr id="6" name="Imagem 5"/>
+          <p:cNvPicPr>
+            <a:picLocks noChangeAspect="1"/>
+          </p:cNvPicPr>
+          <p:nvPr/>
+        </p:nvPicPr>
+        <p:blipFill>
+          <a:blip r:embed="rId2" cstate="print">
+            <a:extLst>
+              <a:ext uri="{28A0092B-C50C-407E-A947-70E740481C1C}">
+                <a14:useLocalDpi xmlns:a14="http://schemas.microsoft.com/office/drawing/2010/main" val="0"/>
+              </a:ext>
+            </a:extLst>
+          </a:blip>
+          <a:stretch>
+            <a:fillRect/>
+          </a:stretch>
+        </p:blipFill>
+        <p:spPr>
+          <a:xfrm>
+            <a:off x="11015002" y="6402549"/>
+            <a:ext cx="1176998" cy="455451"/>
+          </a:xfrm>
+          <a:prstGeom prst="rect">
+            <a:avLst/>
+          </a:prstGeom>
+        </p:spPr>
+      </p:pic>
+    </p:spTree>
+    <p:extLst>
+      <p:ext uri="{BB962C8B-B14F-4D97-AF65-F5344CB8AC3E}">
+        <p14:creationId xmlns:p14="http://schemas.microsoft.com/office/powerpoint/2010/main" val="723822709"/>
+      </p:ext>
+    </p:extLst>
+  </p:cSld>
+  <p:clrMapOvr>
+    <a:masterClrMapping/>
+  </p:clrMapOvr>
+</p:sld>
+</file>
+
+<file path=ppt/slides/slide15.xml><?xml version="1.0" encoding="utf-8"?>
+<p:sld xmlns:a="http://schemas.openxmlformats.org/drawingml/2006/main" xmlns:r="http://schemas.openxmlformats.org/officeDocument/2006/relationships" xmlns:p="http://schemas.openxmlformats.org/presentationml/2006/main">
+  <p:cSld>
+    <p:spTree>
+      <p:nvGrpSpPr>
+        <p:cNvPr id="1" name=""/>
+        <p:cNvGrpSpPr/>
+        <p:nvPr/>
+      </p:nvGrpSpPr>
+      <p:grpSpPr>
+        <a:xfrm>
+          <a:off x="0" y="0"/>
+          <a:ext cx="0" cy="0"/>
+          <a:chOff x="0" y="0"/>
+          <a:chExt cx="0" cy="0"/>
+        </a:xfrm>
+      </p:grpSpPr>
+      <p:sp>
+        <p:nvSpPr>
+          <p:cNvPr id="5" name="Título 1"/>
+          <p:cNvSpPr>
+            <a:spLocks noGrp="1"/>
+          </p:cNvSpPr>
+          <p:nvPr>
+            <p:ph type="title"/>
+          </p:nvPr>
+        </p:nvSpPr>
+        <p:spPr/>
+        <p:txBody>
+          <a:bodyPr/>
+          <a:lstStyle/>
+          <a:p>
+            <a:r>
+              <a:rPr lang="pt-BR" dirty="0"/>
+              <a:t>OCP – Open/</a:t>
+            </a:r>
+            <a:r>
+              <a:rPr lang="pt-BR" dirty="0" err="1"/>
+              <a:t>Closed</a:t>
+            </a:r>
+            <a:r>
+              <a:rPr lang="pt-BR" dirty="0"/>
+              <a:t> </a:t>
+            </a:r>
+            <a:r>
+              <a:rPr lang="pt-BR" dirty="0" err="1"/>
+              <a:t>Principle</a:t>
+            </a:r>
+            <a:endParaRPr lang="pt-BR" dirty="0"/>
+          </a:p>
+        </p:txBody>
+      </p:sp>
+      <p:sp>
+        <p:nvSpPr>
+          <p:cNvPr id="3" name="Espaço Reservado para Conteúdo 2"/>
+          <p:cNvSpPr>
+            <a:spLocks noGrp="1"/>
+          </p:cNvSpPr>
+          <p:nvPr>
+            <p:ph idx="1"/>
+          </p:nvPr>
+        </p:nvSpPr>
+        <p:spPr/>
+        <p:txBody>
+          <a:bodyPr/>
+          <a:lstStyle/>
+          <a:p>
+            <a:pPr marL="0" indent="0">
+              <a:buNone/>
+            </a:pPr>
+            <a:endParaRPr lang="pt-BR" dirty="0"/>
           </a:p>
           <a:p>
             <a:pPr marL="0" indent="0">
@@ -4920,7 +5208,7 @@
               <a:buFont typeface="Arial" panose="020B0604020202020204" pitchFamily="34" charset="0"/>
               <a:buNone/>
             </a:pPr>
-            <a:endParaRPr lang="pt-BR" dirty="0" smtClean="0"/>
+            <a:endParaRPr lang="pt-BR" dirty="0"/>
           </a:p>
           <a:p>
             <a:pPr marL="0" indent="0">
@@ -4928,7 +5216,7 @@
               <a:buNone/>
             </a:pPr>
             <a:r>
-              <a:rPr lang="pt-BR" dirty="0" smtClean="0"/>
+              <a:rPr lang="pt-BR" dirty="0"/>
               <a:t>“Uma entidade de software deve ser aberta para extensões e fechada para modificações”.</a:t>
             </a:r>
           </a:p>
@@ -4944,7 +5232,7 @@
               <a:buFont typeface="Arial" panose="020B0604020202020204" pitchFamily="34" charset="0"/>
               <a:buNone/>
             </a:pPr>
-            <a:endParaRPr lang="pt-BR" dirty="0" smtClean="0"/>
+            <a:endParaRPr lang="pt-BR" dirty="0"/>
           </a:p>
           <a:p>
             <a:pPr marL="0" indent="0">
@@ -4958,21 +5246,21 @@
               <a:buFont typeface="Arial" panose="020B0604020202020204" pitchFamily="34" charset="0"/>
               <a:buNone/>
             </a:pPr>
-            <a:endParaRPr lang="pt-BR" dirty="0" smtClean="0"/>
+            <a:endParaRPr lang="pt-BR" dirty="0"/>
           </a:p>
           <a:p>
             <a:pPr marL="0" indent="0">
               <a:buFont typeface="Arial" panose="020B0604020202020204" pitchFamily="34" charset="0"/>
               <a:buNone/>
             </a:pPr>
-            <a:endParaRPr lang="pt-BR" dirty="0" smtClean="0"/>
+            <a:endParaRPr lang="pt-BR" dirty="0"/>
           </a:p>
           <a:p>
             <a:pPr marL="0" indent="0">
               <a:buFont typeface="Arial" panose="020B0604020202020204" pitchFamily="34" charset="0"/>
               <a:buNone/>
             </a:pPr>
-            <a:endParaRPr lang="pt-BR" dirty="0" smtClean="0"/>
+            <a:endParaRPr lang="pt-BR" dirty="0"/>
           </a:p>
           <a:p>
             <a:pPr marL="0" indent="0">
@@ -5181,17 +5469,16 @@
               <a:buNone/>
             </a:pPr>
             <a:r>
-              <a:rPr lang="pt-BR" dirty="0" smtClean="0"/>
+              <a:rPr lang="pt-BR" dirty="0"/>
               <a:t>Para o OCP, entende-se que uma entidade esteja dada como concluída, de tal maneira que novas funcionalidades possam ser adicionadas sem que exista alteração nas anteriores.</a:t>
             </a:r>
-            <a:endParaRPr lang="pt-BR" dirty="0"/>
           </a:p>
           <a:p>
             <a:pPr marL="0" indent="0">
               <a:buFont typeface="Arial" panose="020B0604020202020204" pitchFamily="34" charset="0"/>
               <a:buNone/>
             </a:pPr>
-            <a:endParaRPr lang="pt-BR" dirty="0" smtClean="0"/>
+            <a:endParaRPr lang="pt-BR" dirty="0"/>
           </a:p>
           <a:p>
             <a:pPr marL="0" indent="0">
@@ -5205,21 +5492,21 @@
               <a:buFont typeface="Arial" panose="020B0604020202020204" pitchFamily="34" charset="0"/>
               <a:buNone/>
             </a:pPr>
-            <a:endParaRPr lang="pt-BR" dirty="0" smtClean="0"/>
+            <a:endParaRPr lang="pt-BR" dirty="0"/>
           </a:p>
           <a:p>
             <a:pPr marL="0" indent="0">
               <a:buFont typeface="Arial" panose="020B0604020202020204" pitchFamily="34" charset="0"/>
               <a:buNone/>
             </a:pPr>
-            <a:endParaRPr lang="pt-BR" dirty="0" smtClean="0"/>
+            <a:endParaRPr lang="pt-BR" dirty="0"/>
           </a:p>
           <a:p>
             <a:pPr marL="0" indent="0">
               <a:buFont typeface="Arial" panose="020B0604020202020204" pitchFamily="34" charset="0"/>
               <a:buNone/>
             </a:pPr>
-            <a:endParaRPr lang="pt-BR" dirty="0" smtClean="0"/>
+            <a:endParaRPr lang="pt-BR" dirty="0"/>
           </a:p>
           <a:p>
             <a:pPr marL="0" indent="0">
@@ -5270,17 +5557,10 @@
   <p:clrMapOvr>
     <a:masterClrMapping/>
   </p:clrMapOvr>
-  <p:timing>
-    <p:tnLst>
-      <p:par>
-        <p:cTn id="1" dur="indefinite" restart="never" nodeType="tmRoot"/>
-      </p:par>
-    </p:tnLst>
-  </p:timing>
 </p:sld>
 </file>
 
-<file path=ppt/slides/slide14.xml><?xml version="1.0" encoding="utf-8"?>
+<file path=ppt/slides/slide16.xml><?xml version="1.0" encoding="utf-8"?>
 <p:sld xmlns:a="http://schemas.openxmlformats.org/drawingml/2006/main" xmlns:r="http://schemas.openxmlformats.org/officeDocument/2006/relationships" xmlns:p="http://schemas.openxmlformats.org/presentationml/2006/main">
   <p:cSld>
     <p:spTree>
@@ -5344,10 +5624,10 @@
           <a:lstStyle/>
           <a:p>
             <a:r>
-              <a:rPr lang="pt-BR" dirty="0" err="1" smtClean="0"/>
+              <a:rPr lang="pt-BR" dirty="0" err="1"/>
               <a:t>Conta.cs</a:t>
             </a:r>
-            <a:endParaRPr lang="pt-BR" dirty="0" smtClean="0"/>
+            <a:endParaRPr lang="pt-BR" dirty="0"/>
           </a:p>
           <a:p>
             <a:endParaRPr lang="pt-BR" dirty="0"/>
@@ -5394,17 +5674,10 @@
   <p:clrMapOvr>
     <a:masterClrMapping/>
   </p:clrMapOvr>
-  <p:timing>
-    <p:tnLst>
-      <p:par>
-        <p:cTn id="1" dur="indefinite" restart="never" nodeType="tmRoot"/>
-      </p:par>
-    </p:tnLst>
-  </p:timing>
 </p:sld>
 </file>
 
-<file path=ppt/slides/slide15.xml><?xml version="1.0" encoding="utf-8"?>
+<file path=ppt/slides/slide17.xml><?xml version="1.0" encoding="utf-8"?>
 <p:sld xmlns:a="http://schemas.openxmlformats.org/drawingml/2006/main" xmlns:r="http://schemas.openxmlformats.org/officeDocument/2006/relationships" xmlns:p="http://schemas.openxmlformats.org/presentationml/2006/main">
   <p:cSld>
     <p:spTree>
@@ -5437,19 +5710,19 @@
           <a:lstStyle/>
           <a:p>
             <a:r>
-              <a:rPr lang="pt-BR" dirty="0" smtClean="0"/>
+              <a:rPr lang="pt-BR" dirty="0"/>
               <a:t>OCP – Open/</a:t>
             </a:r>
             <a:r>
-              <a:rPr lang="pt-BR" dirty="0" err="1" smtClean="0"/>
+              <a:rPr lang="pt-BR" dirty="0" err="1"/>
               <a:t>Closed</a:t>
             </a:r>
             <a:r>
-              <a:rPr lang="pt-BR" dirty="0" smtClean="0"/>
+              <a:rPr lang="pt-BR" dirty="0"/>
               <a:t> </a:t>
             </a:r>
             <a:r>
-              <a:rPr lang="pt-BR" dirty="0" err="1" smtClean="0"/>
+              <a:rPr lang="pt-BR" dirty="0" err="1"/>
               <a:t>Principle</a:t>
             </a:r>
             <a:endParaRPr lang="pt-BR" dirty="0"/>
@@ -5475,7 +5748,7 @@
               <a:buNone/>
             </a:pPr>
             <a:r>
-              <a:rPr lang="pt-BR" dirty="0" smtClean="0"/>
+              <a:rPr lang="pt-BR" dirty="0"/>
               <a:t>Problemas ao quebrar o OCP</a:t>
             </a:r>
           </a:p>
@@ -5490,7 +5763,7 @@
               <a:buNone/>
             </a:pPr>
             <a:r>
-              <a:rPr lang="pt-BR" dirty="0" smtClean="0"/>
+              <a:rPr lang="pt-BR" dirty="0"/>
               <a:t>1 – Quebramos o SRP.</a:t>
             </a:r>
           </a:p>
@@ -5499,15 +5772,15 @@
               <a:buNone/>
             </a:pPr>
             <a:r>
-              <a:rPr lang="pt-BR" dirty="0" smtClean="0"/>
+              <a:rPr lang="pt-BR" dirty="0"/>
               <a:t>2 – Aumento da complexidade </a:t>
             </a:r>
             <a:r>
-              <a:rPr lang="pt-BR" dirty="0" err="1" smtClean="0"/>
+              <a:rPr lang="pt-BR" dirty="0" err="1"/>
               <a:t>ciclomática</a:t>
             </a:r>
             <a:r>
-              <a:rPr lang="pt-BR" dirty="0" smtClean="0"/>
+              <a:rPr lang="pt-BR" dirty="0"/>
               <a:t>.</a:t>
             </a:r>
           </a:p>
@@ -5516,7 +5789,7 @@
               <a:buNone/>
             </a:pPr>
             <a:r>
-              <a:rPr lang="pt-BR" dirty="0" smtClean="0"/>
+              <a:rPr lang="pt-BR" dirty="0"/>
               <a:t>3 – Probabilidade de uma alteração quebrar um código já funcionando.</a:t>
             </a:r>
           </a:p>
@@ -5525,7 +5798,7 @@
               <a:buNone/>
             </a:pPr>
             <a:r>
-              <a:rPr lang="pt-BR" dirty="0" smtClean="0"/>
+              <a:rPr lang="pt-BR" dirty="0"/>
               <a:t>4 – Aumento na complexidade de manutenção do código.</a:t>
             </a:r>
           </a:p>
@@ -5577,17 +5850,10 @@
   <p:clrMapOvr>
     <a:masterClrMapping/>
   </p:clrMapOvr>
-  <p:timing>
-    <p:tnLst>
-      <p:par>
-        <p:cTn id="1" dur="indefinite" restart="never" nodeType="tmRoot"/>
-      </p:par>
-    </p:tnLst>
-  </p:timing>
 </p:sld>
 </file>
 
-<file path=ppt/slides/slide16.xml><?xml version="1.0" encoding="utf-8"?>
+<file path=ppt/slides/slide18.xml><?xml version="1.0" encoding="utf-8"?>
 <p:sld xmlns:a="http://schemas.openxmlformats.org/drawingml/2006/main" xmlns:r="http://schemas.openxmlformats.org/officeDocument/2006/relationships" xmlns:p="http://schemas.openxmlformats.org/presentationml/2006/main">
   <p:cSld>
     <p:spTree>
@@ -5620,19 +5886,19 @@
           <a:lstStyle/>
           <a:p>
             <a:r>
-              <a:rPr lang="pt-BR" dirty="0" smtClean="0"/>
+              <a:rPr lang="pt-BR" dirty="0"/>
               <a:t>OCP – Open/</a:t>
             </a:r>
             <a:r>
-              <a:rPr lang="pt-BR" dirty="0" err="1" smtClean="0"/>
+              <a:rPr lang="pt-BR" dirty="0" err="1"/>
               <a:t>Closed</a:t>
             </a:r>
             <a:r>
-              <a:rPr lang="pt-BR" dirty="0" smtClean="0"/>
+              <a:rPr lang="pt-BR" dirty="0"/>
               <a:t> </a:t>
             </a:r>
             <a:r>
-              <a:rPr lang="pt-BR" dirty="0" err="1" smtClean="0"/>
+              <a:rPr lang="pt-BR" dirty="0" err="1"/>
               <a:t>Principle</a:t>
             </a:r>
             <a:endParaRPr lang="pt-BR" dirty="0"/>
@@ -5658,10 +5924,9 @@
               <a:buNone/>
             </a:pPr>
             <a:r>
-              <a:rPr lang="pt-BR" dirty="0" smtClean="0"/>
+              <a:rPr lang="pt-BR" dirty="0"/>
               <a:t>Exemplo com OCP</a:t>
             </a:r>
-            <a:endParaRPr lang="pt-BR" dirty="0"/>
           </a:p>
         </p:txBody>
       </p:sp>
@@ -5705,17 +5970,10 @@
   <p:clrMapOvr>
     <a:masterClrMapping/>
   </p:clrMapOvr>
-  <p:timing>
-    <p:tnLst>
-      <p:par>
-        <p:cTn id="1" dur="indefinite" restart="never" nodeType="tmRoot"/>
-      </p:par>
-    </p:tnLst>
-  </p:timing>
 </p:sld>
 </file>
 
-<file path=ppt/slides/slide17.xml><?xml version="1.0" encoding="utf-8"?>
+<file path=ppt/slides/slide19.xml><?xml version="1.0" encoding="utf-8"?>
 <p:sld xmlns:a="http://schemas.openxmlformats.org/drawingml/2006/main" xmlns:r="http://schemas.openxmlformats.org/officeDocument/2006/relationships" xmlns:p="http://schemas.openxmlformats.org/presentationml/2006/main">
   <p:cSld>
     <p:spTree>
@@ -5748,19 +6006,19 @@
           <a:lstStyle/>
           <a:p>
             <a:r>
-              <a:rPr lang="pt-BR" dirty="0" smtClean="0"/>
+              <a:rPr lang="pt-BR" dirty="0"/>
               <a:t>OCP – Open/</a:t>
             </a:r>
             <a:r>
-              <a:rPr lang="pt-BR" dirty="0" err="1" smtClean="0"/>
+              <a:rPr lang="pt-BR" dirty="0" err="1"/>
               <a:t>Closed</a:t>
             </a:r>
             <a:r>
-              <a:rPr lang="pt-BR" dirty="0" smtClean="0"/>
+              <a:rPr lang="pt-BR" dirty="0"/>
               <a:t> </a:t>
             </a:r>
             <a:r>
-              <a:rPr lang="pt-BR" dirty="0" err="1" smtClean="0"/>
+              <a:rPr lang="pt-BR" dirty="0" err="1"/>
               <a:t>Principle</a:t>
             </a:r>
             <a:endParaRPr lang="pt-BR" dirty="0"/>
@@ -5786,7 +6044,7 @@
               <a:buNone/>
             </a:pPr>
             <a:r>
-              <a:rPr lang="pt-BR" dirty="0" smtClean="0"/>
+              <a:rPr lang="pt-BR" dirty="0"/>
               <a:t>Virtual e Abstract.</a:t>
             </a:r>
           </a:p>
@@ -5801,11 +6059,11 @@
               <a:buNone/>
             </a:pPr>
             <a:r>
-              <a:rPr lang="pt-BR" b="1" dirty="0" smtClean="0"/>
+              <a:rPr lang="pt-BR" b="1" dirty="0"/>
               <a:t>Abstract</a:t>
             </a:r>
             <a:r>
-              <a:rPr lang="pt-BR" dirty="0" smtClean="0"/>
+              <a:rPr lang="pt-BR" dirty="0"/>
               <a:t>: Em uma classe base, quando um método é Abstract, ele não deve ter uma implementação, esta ficará por conta da classe filho.</a:t>
             </a:r>
           </a:p>
@@ -5820,22 +6078,21 @@
               <a:buNone/>
             </a:pPr>
             <a:r>
-              <a:rPr lang="pt-BR" b="1" dirty="0" smtClean="0"/>
+              <a:rPr lang="pt-BR" b="1" dirty="0"/>
               <a:t>Virtual</a:t>
             </a:r>
             <a:r>
-              <a:rPr lang="pt-BR" dirty="0" smtClean="0"/>
+              <a:rPr lang="pt-BR" dirty="0"/>
               <a:t>: Em uma classe base, quando o método é Virtual, ele deverá ter uma implementação, e deverá ser avaliado pela classe filha se ele atende as necessidades. Caso não atenda, deverá ser implementado um </a:t>
             </a:r>
             <a:r>
-              <a:rPr lang="pt-BR" dirty="0" err="1" smtClean="0"/>
+              <a:rPr lang="pt-BR" dirty="0" err="1"/>
               <a:t>override</a:t>
             </a:r>
             <a:r>
-              <a:rPr lang="pt-BR" dirty="0" smtClean="0"/>
+              <a:rPr lang="pt-BR" dirty="0"/>
               <a:t>.</a:t>
             </a:r>
-            <a:endParaRPr lang="pt-BR" dirty="0"/>
           </a:p>
         </p:txBody>
       </p:sp>
@@ -5879,17 +6136,10 @@
   <p:clrMapOvr>
     <a:masterClrMapping/>
   </p:clrMapOvr>
-  <p:timing>
-    <p:tnLst>
-      <p:par>
-        <p:cTn id="1" dur="indefinite" restart="never" nodeType="tmRoot"/>
-      </p:par>
-    </p:tnLst>
-  </p:timing>
 </p:sld>
 </file>
 
-<file path=ppt/slides/slide18.xml><?xml version="1.0" encoding="utf-8"?>
+<file path=ppt/slides/slide2.xml><?xml version="1.0" encoding="utf-8"?>
 <p:sld xmlns:a="http://schemas.openxmlformats.org/drawingml/2006/main" xmlns:r="http://schemas.openxmlformats.org/officeDocument/2006/relationships" xmlns:p="http://schemas.openxmlformats.org/presentationml/2006/main">
   <p:cSld>
     <p:spTree>
@@ -5908,6 +6158,163 @@
       </p:grpSpPr>
       <p:sp>
         <p:nvSpPr>
+          <p:cNvPr id="2" name="Título 1"/>
+          <p:cNvSpPr>
+            <a:spLocks noGrp="1"/>
+          </p:cNvSpPr>
+          <p:nvPr>
+            <p:ph type="title"/>
+          </p:nvPr>
+        </p:nvSpPr>
+        <p:spPr/>
+        <p:txBody>
+          <a:bodyPr/>
+          <a:lstStyle/>
+          <a:p>
+            <a:r>
+              <a:rPr lang="pt-BR" dirty="0"/>
+              <a:t>Programação orientada a objetos</a:t>
+            </a:r>
+          </a:p>
+        </p:txBody>
+      </p:sp>
+      <p:sp>
+        <p:nvSpPr>
+          <p:cNvPr id="3" name="Espaço Reservado para Conteúdo 2"/>
+          <p:cNvSpPr>
+            <a:spLocks noGrp="1"/>
+          </p:cNvSpPr>
+          <p:nvPr>
+            <p:ph idx="1"/>
+          </p:nvPr>
+        </p:nvSpPr>
+        <p:spPr/>
+        <p:txBody>
+          <a:bodyPr/>
+          <a:lstStyle/>
+          <a:p>
+            <a:r>
+              <a:rPr lang="pt-BR" dirty="0"/>
+              <a:t>Não é simples transformar em código ações do cotidiano.</a:t>
+            </a:r>
+          </a:p>
+          <a:p>
+            <a:r>
+              <a:rPr lang="pt-BR" dirty="0"/>
+              <a:t>É muito complexo ter um design de domínio que reflita o  mundo real e seja extensível.</a:t>
+            </a:r>
+          </a:p>
+          <a:p>
+            <a:r>
+              <a:rPr lang="pt-BR" dirty="0"/>
+              <a:t>Toma muito tempo de analise. </a:t>
+            </a:r>
+          </a:p>
+          <a:p>
+            <a:r>
+              <a:rPr lang="pt-BR" dirty="0"/>
+              <a:t>Sua produtividade irá cair.</a:t>
+            </a:r>
+          </a:p>
+          <a:p>
+            <a:r>
+              <a:rPr lang="pt-BR" dirty="0"/>
+              <a:t>Após um tempo, o domínio se torna maduro.</a:t>
+            </a:r>
+          </a:p>
+          <a:p>
+            <a:r>
+              <a:rPr lang="pt-BR" dirty="0"/>
+              <a:t>Seu código começa a ter melhor manutenção. </a:t>
+            </a:r>
+          </a:p>
+          <a:p>
+            <a:r>
+              <a:rPr lang="pt-BR" dirty="0"/>
+              <a:t>Cada vez menos correções.</a:t>
+            </a:r>
+          </a:p>
+          <a:p>
+            <a:r>
+              <a:rPr lang="pt-BR" dirty="0"/>
+              <a:t>Mudanças ou novas </a:t>
+            </a:r>
+            <a:r>
+              <a:rPr lang="pt-BR" dirty="0" err="1"/>
+              <a:t>features</a:t>
+            </a:r>
+            <a:r>
+              <a:rPr lang="pt-BR" dirty="0"/>
+              <a:t> são rapidamente e facilmente implantadas e testadas.</a:t>
+            </a:r>
+          </a:p>
+          <a:p>
+            <a:endParaRPr lang="pt-BR" dirty="0"/>
+          </a:p>
+        </p:txBody>
+      </p:sp>
+      <p:pic>
+        <p:nvPicPr>
+          <p:cNvPr id="4" name="Imagem 3"/>
+          <p:cNvPicPr>
+            <a:picLocks noChangeAspect="1"/>
+          </p:cNvPicPr>
+          <p:nvPr/>
+        </p:nvPicPr>
+        <p:blipFill>
+          <a:blip r:embed="rId2" cstate="print">
+            <a:extLst>
+              <a:ext uri="{28A0092B-C50C-407E-A947-70E740481C1C}">
+                <a14:useLocalDpi xmlns:a14="http://schemas.microsoft.com/office/drawing/2010/main" val="0"/>
+              </a:ext>
+            </a:extLst>
+          </a:blip>
+          <a:stretch>
+            <a:fillRect/>
+          </a:stretch>
+        </p:blipFill>
+        <p:spPr>
+          <a:xfrm>
+            <a:off x="11015002" y="6402549"/>
+            <a:ext cx="1176998" cy="455451"/>
+          </a:xfrm>
+          <a:prstGeom prst="rect">
+            <a:avLst/>
+          </a:prstGeom>
+        </p:spPr>
+      </p:pic>
+    </p:spTree>
+    <p:extLst>
+      <p:ext uri="{BB962C8B-B14F-4D97-AF65-F5344CB8AC3E}">
+        <p14:creationId xmlns:p14="http://schemas.microsoft.com/office/powerpoint/2010/main" val="256263996"/>
+      </p:ext>
+    </p:extLst>
+  </p:cSld>
+  <p:clrMapOvr>
+    <a:masterClrMapping/>
+  </p:clrMapOvr>
+</p:sld>
+</file>
+
+<file path=ppt/slides/slide20.xml><?xml version="1.0" encoding="utf-8"?>
+<p:sld xmlns:a="http://schemas.openxmlformats.org/drawingml/2006/main" xmlns:r="http://schemas.openxmlformats.org/officeDocument/2006/relationships" xmlns:p="http://schemas.openxmlformats.org/presentationml/2006/main">
+  <p:cSld>
+    <p:spTree>
+      <p:nvGrpSpPr>
+        <p:cNvPr id="1" name=""/>
+        <p:cNvGrpSpPr/>
+        <p:nvPr/>
+      </p:nvGrpSpPr>
+      <p:grpSpPr>
+        <a:xfrm>
+          <a:off x="0" y="0"/>
+          <a:ext cx="0" cy="0"/>
+          <a:chOff x="0" y="0"/>
+          <a:chExt cx="0" cy="0"/>
+        </a:xfrm>
+      </p:grpSpPr>
+      <p:sp>
+        <p:nvSpPr>
           <p:cNvPr id="4" name="Título 1"/>
           <p:cNvSpPr>
             <a:spLocks noGrp="1"/>
@@ -5922,19 +6329,19 @@
           <a:lstStyle/>
           <a:p>
             <a:r>
-              <a:rPr lang="pt-BR" dirty="0" smtClean="0"/>
+              <a:rPr lang="pt-BR" dirty="0"/>
               <a:t>OCP – Open/</a:t>
             </a:r>
             <a:r>
-              <a:rPr lang="pt-BR" dirty="0" err="1" smtClean="0"/>
+              <a:rPr lang="pt-BR" dirty="0" err="1"/>
               <a:t>Closed</a:t>
             </a:r>
             <a:r>
-              <a:rPr lang="pt-BR" dirty="0" smtClean="0"/>
+              <a:rPr lang="pt-BR" dirty="0"/>
               <a:t> </a:t>
             </a:r>
             <a:r>
-              <a:rPr lang="pt-BR" dirty="0" err="1" smtClean="0"/>
+              <a:rPr lang="pt-BR" dirty="0" err="1"/>
               <a:t>Principle</a:t>
             </a:r>
             <a:endParaRPr lang="pt-BR" dirty="0"/>
@@ -5964,10 +6371,10 @@
           <a:lstStyle/>
           <a:p>
             <a:r>
-              <a:rPr lang="pt-BR" dirty="0" err="1" smtClean="0"/>
+              <a:rPr lang="pt-BR" dirty="0" err="1"/>
               <a:t>ContaBase.cs</a:t>
             </a:r>
-            <a:endParaRPr lang="pt-BR" dirty="0" smtClean="0"/>
+            <a:endParaRPr lang="pt-BR" dirty="0"/>
           </a:p>
           <a:p>
             <a:endParaRPr lang="pt-BR" dirty="0"/>
@@ -6038,17 +6445,10 @@
   <p:clrMapOvr>
     <a:masterClrMapping/>
   </p:clrMapOvr>
-  <p:timing>
-    <p:tnLst>
-      <p:par>
-        <p:cTn id="1" dur="indefinite" restart="never" nodeType="tmRoot"/>
-      </p:par>
-    </p:tnLst>
-  </p:timing>
 </p:sld>
 </file>
 
-<file path=ppt/slides/slide19.xml><?xml version="1.0" encoding="utf-8"?>
+<file path=ppt/slides/slide21.xml><?xml version="1.0" encoding="utf-8"?>
 <p:sld xmlns:a="http://schemas.openxmlformats.org/drawingml/2006/main" xmlns:r="http://schemas.openxmlformats.org/officeDocument/2006/relationships" xmlns:p="http://schemas.openxmlformats.org/presentationml/2006/main">
   <p:cSld>
     <p:spTree>
@@ -6081,19 +6481,19 @@
           <a:lstStyle/>
           <a:p>
             <a:r>
-              <a:rPr lang="pt-BR" dirty="0" smtClean="0"/>
+              <a:rPr lang="pt-BR" dirty="0"/>
               <a:t>OCP – Open/</a:t>
             </a:r>
             <a:r>
-              <a:rPr lang="pt-BR" dirty="0" err="1" smtClean="0"/>
+              <a:rPr lang="pt-BR" dirty="0" err="1"/>
               <a:t>Closed</a:t>
             </a:r>
             <a:r>
-              <a:rPr lang="pt-BR" dirty="0" smtClean="0"/>
+              <a:rPr lang="pt-BR" dirty="0"/>
               <a:t> </a:t>
             </a:r>
             <a:r>
-              <a:rPr lang="pt-BR" dirty="0" err="1" smtClean="0"/>
+              <a:rPr lang="pt-BR" dirty="0" err="1"/>
               <a:t>Principle</a:t>
             </a:r>
             <a:endParaRPr lang="pt-BR" dirty="0"/>
@@ -6123,10 +6523,10 @@
           <a:lstStyle/>
           <a:p>
             <a:r>
-              <a:rPr lang="pt-BR" dirty="0" err="1" smtClean="0"/>
+              <a:rPr lang="pt-BR" dirty="0" err="1"/>
               <a:t>Corrente.cs</a:t>
             </a:r>
-            <a:endParaRPr lang="pt-BR" dirty="0" smtClean="0"/>
+            <a:endParaRPr lang="pt-BR" dirty="0"/>
           </a:p>
           <a:p>
             <a:endParaRPr lang="pt-BR" dirty="0"/>
@@ -6197,17 +6597,10 @@
   <p:clrMapOvr>
     <a:masterClrMapping/>
   </p:clrMapOvr>
-  <p:timing>
-    <p:tnLst>
-      <p:par>
-        <p:cTn id="1" dur="indefinite" restart="never" nodeType="tmRoot"/>
-      </p:par>
-    </p:tnLst>
-  </p:timing>
 </p:sld>
 </file>
 
-<file path=ppt/slides/slide2.xml><?xml version="1.0" encoding="utf-8"?>
+<file path=ppt/slides/slide22.xml><?xml version="1.0" encoding="utf-8"?>
 <p:sld xmlns:a="http://schemas.openxmlformats.org/drawingml/2006/main" xmlns:r="http://schemas.openxmlformats.org/officeDocument/2006/relationships" xmlns:p="http://schemas.openxmlformats.org/presentationml/2006/main">
   <p:cSld>
     <p:spTree>
@@ -6226,171 +6619,6 @@
       </p:grpSpPr>
       <p:sp>
         <p:nvSpPr>
-          <p:cNvPr id="2" name="Título 1"/>
-          <p:cNvSpPr>
-            <a:spLocks noGrp="1"/>
-          </p:cNvSpPr>
-          <p:nvPr>
-            <p:ph type="title"/>
-          </p:nvPr>
-        </p:nvSpPr>
-        <p:spPr/>
-        <p:txBody>
-          <a:bodyPr/>
-          <a:lstStyle/>
-          <a:p>
-            <a:r>
-              <a:rPr lang="pt-BR" dirty="0" smtClean="0"/>
-              <a:t>Programação orientada a objetos</a:t>
-            </a:r>
-            <a:endParaRPr lang="pt-BR" dirty="0"/>
-          </a:p>
-        </p:txBody>
-      </p:sp>
-      <p:sp>
-        <p:nvSpPr>
-          <p:cNvPr id="3" name="Espaço Reservado para Conteúdo 2"/>
-          <p:cNvSpPr>
-            <a:spLocks noGrp="1"/>
-          </p:cNvSpPr>
-          <p:nvPr>
-            <p:ph idx="1"/>
-          </p:nvPr>
-        </p:nvSpPr>
-        <p:spPr/>
-        <p:txBody>
-          <a:bodyPr/>
-          <a:lstStyle/>
-          <a:p>
-            <a:r>
-              <a:rPr lang="pt-BR" dirty="0" smtClean="0"/>
-              <a:t>Não é simples transformar em código ações do cotidiano.</a:t>
-            </a:r>
-          </a:p>
-          <a:p>
-            <a:r>
-              <a:rPr lang="pt-BR" dirty="0" smtClean="0"/>
-              <a:t>É muito complexo ter um design de domínio que reflita o  mundo real e seja extensível.</a:t>
-            </a:r>
-          </a:p>
-          <a:p>
-            <a:r>
-              <a:rPr lang="pt-BR" dirty="0" smtClean="0"/>
-              <a:t>Toma muito tempo de analise. </a:t>
-            </a:r>
-          </a:p>
-          <a:p>
-            <a:r>
-              <a:rPr lang="pt-BR" dirty="0" smtClean="0"/>
-              <a:t>Sua produtividade irá cair.</a:t>
-            </a:r>
-          </a:p>
-          <a:p>
-            <a:r>
-              <a:rPr lang="pt-BR" dirty="0" smtClean="0"/>
-              <a:t>Após um tempo, o domínio se torna maduro.</a:t>
-            </a:r>
-          </a:p>
-          <a:p>
-            <a:r>
-              <a:rPr lang="pt-BR" dirty="0" smtClean="0"/>
-              <a:t>Seu código começa a ter melhor manutenção. </a:t>
-            </a:r>
-          </a:p>
-          <a:p>
-            <a:r>
-              <a:rPr lang="pt-BR" dirty="0"/>
-              <a:t>Cada vez menos correções.</a:t>
-            </a:r>
-          </a:p>
-          <a:p>
-            <a:r>
-              <a:rPr lang="pt-BR" dirty="0" smtClean="0"/>
-              <a:t>Mudanças ou novas </a:t>
-            </a:r>
-            <a:r>
-              <a:rPr lang="pt-BR" dirty="0" err="1" smtClean="0"/>
-              <a:t>features</a:t>
-            </a:r>
-            <a:r>
-              <a:rPr lang="pt-BR" dirty="0" smtClean="0"/>
-              <a:t> são rapidamente e facilmente implantadas e testadas.</a:t>
-            </a:r>
-          </a:p>
-          <a:p>
-            <a:endParaRPr lang="pt-BR" dirty="0"/>
-          </a:p>
-        </p:txBody>
-      </p:sp>
-      <p:pic>
-        <p:nvPicPr>
-          <p:cNvPr id="4" name="Imagem 3"/>
-          <p:cNvPicPr>
-            <a:picLocks noChangeAspect="1"/>
-          </p:cNvPicPr>
-          <p:nvPr/>
-        </p:nvPicPr>
-        <p:blipFill>
-          <a:blip r:embed="rId2" cstate="print">
-            <a:extLst>
-              <a:ext uri="{28A0092B-C50C-407E-A947-70E740481C1C}">
-                <a14:useLocalDpi xmlns:a14="http://schemas.microsoft.com/office/drawing/2010/main" val="0"/>
-              </a:ext>
-            </a:extLst>
-          </a:blip>
-          <a:stretch>
-            <a:fillRect/>
-          </a:stretch>
-        </p:blipFill>
-        <p:spPr>
-          <a:xfrm>
-            <a:off x="11015002" y="6402549"/>
-            <a:ext cx="1176998" cy="455451"/>
-          </a:xfrm>
-          <a:prstGeom prst="rect">
-            <a:avLst/>
-          </a:prstGeom>
-        </p:spPr>
-      </p:pic>
-    </p:spTree>
-    <p:extLst>
-      <p:ext uri="{BB962C8B-B14F-4D97-AF65-F5344CB8AC3E}">
-        <p14:creationId xmlns:p14="http://schemas.microsoft.com/office/powerpoint/2010/main" val="256263996"/>
-      </p:ext>
-    </p:extLst>
-  </p:cSld>
-  <p:clrMapOvr>
-    <a:masterClrMapping/>
-  </p:clrMapOvr>
-  <p:timing>
-    <p:tnLst>
-      <p:par>
-        <p:cTn id="1" dur="indefinite" restart="never" nodeType="tmRoot"/>
-      </p:par>
-    </p:tnLst>
-  </p:timing>
-</p:sld>
-</file>
-
-<file path=ppt/slides/slide20.xml><?xml version="1.0" encoding="utf-8"?>
-<p:sld xmlns:a="http://schemas.openxmlformats.org/drawingml/2006/main" xmlns:r="http://schemas.openxmlformats.org/officeDocument/2006/relationships" xmlns:p="http://schemas.openxmlformats.org/presentationml/2006/main">
-  <p:cSld>
-    <p:spTree>
-      <p:nvGrpSpPr>
-        <p:cNvPr id="1" name=""/>
-        <p:cNvGrpSpPr/>
-        <p:nvPr/>
-      </p:nvGrpSpPr>
-      <p:grpSpPr>
-        <a:xfrm>
-          <a:off x="0" y="0"/>
-          <a:ext cx="0" cy="0"/>
-          <a:chOff x="0" y="0"/>
-          <a:chExt cx="0" cy="0"/>
-        </a:xfrm>
-      </p:grpSpPr>
-      <p:sp>
-        <p:nvSpPr>
           <p:cNvPr id="4" name="Título 1"/>
           <p:cNvSpPr>
             <a:spLocks noGrp="1"/>
@@ -6405,19 +6633,19 @@
           <a:lstStyle/>
           <a:p>
             <a:r>
-              <a:rPr lang="pt-BR" dirty="0" smtClean="0"/>
+              <a:rPr lang="pt-BR" dirty="0"/>
               <a:t>OCP – Open/</a:t>
             </a:r>
             <a:r>
-              <a:rPr lang="pt-BR" dirty="0" err="1" smtClean="0"/>
+              <a:rPr lang="pt-BR" dirty="0" err="1"/>
               <a:t>Closed</a:t>
             </a:r>
             <a:r>
-              <a:rPr lang="pt-BR" dirty="0" smtClean="0"/>
+              <a:rPr lang="pt-BR" dirty="0"/>
               <a:t> </a:t>
             </a:r>
             <a:r>
-              <a:rPr lang="pt-BR" dirty="0" err="1" smtClean="0"/>
+              <a:rPr lang="pt-BR" dirty="0" err="1"/>
               <a:t>Principle</a:t>
             </a:r>
             <a:endParaRPr lang="pt-BR" dirty="0"/>
@@ -6447,10 +6675,10 @@
           <a:lstStyle/>
           <a:p>
             <a:r>
-              <a:rPr lang="pt-BR" dirty="0" err="1" smtClean="0"/>
+              <a:rPr lang="pt-BR" dirty="0" err="1"/>
               <a:t>FundoInvestimento.cs</a:t>
             </a:r>
-            <a:endParaRPr lang="pt-BR" dirty="0" smtClean="0"/>
+            <a:endParaRPr lang="pt-BR" dirty="0"/>
           </a:p>
           <a:p>
             <a:endParaRPr lang="pt-BR" dirty="0"/>
@@ -6521,17 +6749,10 @@
   <p:clrMapOvr>
     <a:masterClrMapping/>
   </p:clrMapOvr>
-  <p:timing>
-    <p:tnLst>
-      <p:par>
-        <p:cTn id="1" dur="indefinite" restart="never" nodeType="tmRoot"/>
-      </p:par>
-    </p:tnLst>
-  </p:timing>
 </p:sld>
 </file>
 
-<file path=ppt/slides/slide21.xml><?xml version="1.0" encoding="utf-8"?>
+<file path=ppt/slides/slide23.xml><?xml version="1.0" encoding="utf-8"?>
 <p:sld xmlns:a="http://schemas.openxmlformats.org/drawingml/2006/main" xmlns:r="http://schemas.openxmlformats.org/officeDocument/2006/relationships" xmlns:p="http://schemas.openxmlformats.org/presentationml/2006/main">
   <p:cSld>
     <p:spTree>
@@ -6564,19 +6785,19 @@
           <a:lstStyle/>
           <a:p>
             <a:r>
-              <a:rPr lang="pt-BR" dirty="0" smtClean="0"/>
+              <a:rPr lang="pt-BR" dirty="0"/>
               <a:t>OCP – Open/</a:t>
             </a:r>
             <a:r>
-              <a:rPr lang="pt-BR" dirty="0" err="1" smtClean="0"/>
+              <a:rPr lang="pt-BR" dirty="0" err="1"/>
               <a:t>Closed</a:t>
             </a:r>
             <a:r>
-              <a:rPr lang="pt-BR" dirty="0" smtClean="0"/>
+              <a:rPr lang="pt-BR" dirty="0"/>
               <a:t> </a:t>
             </a:r>
             <a:r>
-              <a:rPr lang="pt-BR" dirty="0" err="1" smtClean="0"/>
+              <a:rPr lang="pt-BR" dirty="0" err="1"/>
               <a:t>Principle</a:t>
             </a:r>
             <a:endParaRPr lang="pt-BR" dirty="0"/>
@@ -6606,10 +6827,10 @@
           <a:lstStyle/>
           <a:p>
             <a:r>
-              <a:rPr lang="pt-BR" dirty="0" err="1" smtClean="0"/>
+              <a:rPr lang="pt-BR" dirty="0" err="1"/>
               <a:t>Poupanca.cs</a:t>
             </a:r>
-            <a:endParaRPr lang="pt-BR" dirty="0" smtClean="0"/>
+            <a:endParaRPr lang="pt-BR" dirty="0"/>
           </a:p>
           <a:p>
             <a:endParaRPr lang="pt-BR" dirty="0"/>
@@ -6680,17 +6901,10 @@
   <p:clrMapOvr>
     <a:masterClrMapping/>
   </p:clrMapOvr>
-  <p:timing>
-    <p:tnLst>
-      <p:par>
-        <p:cTn id="1" dur="indefinite" restart="never" nodeType="tmRoot"/>
-      </p:par>
-    </p:tnLst>
-  </p:timing>
 </p:sld>
 </file>
 
-<file path=ppt/slides/slide22.xml><?xml version="1.0" encoding="utf-8"?>
+<file path=ppt/slides/slide24.xml><?xml version="1.0" encoding="utf-8"?>
 <p:sld xmlns:a="http://schemas.openxmlformats.org/drawingml/2006/main" xmlns:r="http://schemas.openxmlformats.org/officeDocument/2006/relationships" xmlns:p="http://schemas.openxmlformats.org/presentationml/2006/main">
   <p:cSld>
     <p:spTree>
@@ -6723,27 +6937,27 @@
           <a:lstStyle/>
           <a:p>
             <a:r>
-              <a:rPr lang="pt-BR" dirty="0" smtClean="0"/>
+              <a:rPr lang="pt-BR" dirty="0"/>
               <a:t>LSP – </a:t>
             </a:r>
             <a:r>
-              <a:rPr lang="pt-BR" dirty="0" err="1" smtClean="0"/>
+              <a:rPr lang="pt-BR" dirty="0" err="1"/>
               <a:t>Liskov</a:t>
             </a:r>
             <a:r>
-              <a:rPr lang="pt-BR" dirty="0" smtClean="0"/>
+              <a:rPr lang="pt-BR" dirty="0"/>
               <a:t> </a:t>
             </a:r>
             <a:r>
-              <a:rPr lang="pt-BR" dirty="0" err="1" smtClean="0"/>
+              <a:rPr lang="pt-BR" dirty="0" err="1"/>
               <a:t>Substitution</a:t>
             </a:r>
             <a:r>
-              <a:rPr lang="pt-BR" dirty="0" smtClean="0"/>
+              <a:rPr lang="pt-BR" dirty="0"/>
               <a:t> </a:t>
             </a:r>
             <a:r>
-              <a:rPr lang="pt-BR" dirty="0" err="1" smtClean="0"/>
+              <a:rPr lang="pt-BR" dirty="0" err="1"/>
               <a:t>Principle</a:t>
             </a:r>
             <a:endParaRPr lang="pt-BR" dirty="0"/>
@@ -6769,7 +6983,7 @@
               <a:buNone/>
             </a:pPr>
             <a:r>
-              <a:rPr lang="pt-BR" dirty="0" smtClean="0"/>
+              <a:rPr lang="pt-BR" dirty="0"/>
               <a:t>“Classes derivadas devem ser facilmente substituídas por sua classe base”.</a:t>
             </a:r>
           </a:p>
@@ -6784,7 +6998,7 @@
               <a:buNone/>
             </a:pPr>
             <a:r>
-              <a:rPr lang="pt-BR" dirty="0" smtClean="0"/>
+              <a:rPr lang="pt-BR" dirty="0"/>
               <a:t>Quando criamos uma classe derivada, devemos garantir que ela não quebre a classe base ou prejudique sua performance.</a:t>
             </a:r>
           </a:p>
@@ -6799,7 +7013,7 @@
               <a:buNone/>
             </a:pPr>
             <a:r>
-              <a:rPr lang="pt-BR" dirty="0" smtClean="0"/>
+              <a:rPr lang="pt-BR" dirty="0"/>
               <a:t>Muito ligado ao OCP</a:t>
             </a:r>
           </a:p>
@@ -6845,17 +7059,10 @@
   <p:clrMapOvr>
     <a:masterClrMapping/>
   </p:clrMapOvr>
-  <p:timing>
-    <p:tnLst>
-      <p:par>
-        <p:cTn id="1" dur="indefinite" restart="never" nodeType="tmRoot"/>
-      </p:par>
-    </p:tnLst>
-  </p:timing>
 </p:sld>
 </file>
 
-<file path=ppt/slides/slide23.xml><?xml version="1.0" encoding="utf-8"?>
+<file path=ppt/slides/slide25.xml><?xml version="1.0" encoding="utf-8"?>
 <p:sld xmlns:a="http://schemas.openxmlformats.org/drawingml/2006/main" xmlns:r="http://schemas.openxmlformats.org/officeDocument/2006/relationships" xmlns:p="http://schemas.openxmlformats.org/presentationml/2006/main">
   <p:cSld>
     <p:spTree>
@@ -6888,27 +7095,27 @@
           <a:lstStyle/>
           <a:p>
             <a:r>
-              <a:rPr lang="pt-BR" dirty="0" smtClean="0"/>
+              <a:rPr lang="pt-BR" dirty="0"/>
               <a:t>LSP – </a:t>
             </a:r>
             <a:r>
-              <a:rPr lang="pt-BR" dirty="0" err="1" smtClean="0"/>
+              <a:rPr lang="pt-BR" dirty="0" err="1"/>
               <a:t>Liskov</a:t>
             </a:r>
             <a:r>
-              <a:rPr lang="pt-BR" dirty="0" smtClean="0"/>
+              <a:rPr lang="pt-BR" dirty="0"/>
               <a:t> </a:t>
             </a:r>
             <a:r>
-              <a:rPr lang="pt-BR" dirty="0" err="1" smtClean="0"/>
+              <a:rPr lang="pt-BR" dirty="0" err="1"/>
               <a:t>Substitution</a:t>
             </a:r>
             <a:r>
-              <a:rPr lang="pt-BR" dirty="0" smtClean="0"/>
+              <a:rPr lang="pt-BR" dirty="0"/>
               <a:t> </a:t>
             </a:r>
             <a:r>
-              <a:rPr lang="pt-BR" dirty="0" err="1" smtClean="0"/>
+              <a:rPr lang="pt-BR" dirty="0" err="1"/>
               <a:t>Principle</a:t>
             </a:r>
             <a:endParaRPr lang="pt-BR" dirty="0"/>
@@ -6979,17 +7186,10 @@
   <p:clrMapOvr>
     <a:masterClrMapping/>
   </p:clrMapOvr>
-  <p:timing>
-    <p:tnLst>
-      <p:par>
-        <p:cTn id="1" dur="indefinite" restart="never" nodeType="tmRoot"/>
-      </p:par>
-    </p:tnLst>
-  </p:timing>
 </p:sld>
 </file>
 
-<file path=ppt/slides/slide24.xml><?xml version="1.0" encoding="utf-8"?>
+<file path=ppt/slides/slide26.xml><?xml version="1.0" encoding="utf-8"?>
 <p:sld xmlns:a="http://schemas.openxmlformats.org/drawingml/2006/main" xmlns:r="http://schemas.openxmlformats.org/officeDocument/2006/relationships" xmlns:p="http://schemas.openxmlformats.org/presentationml/2006/main">
   <p:cSld>
     <p:spTree>
@@ -7022,27 +7222,27 @@
           <a:lstStyle/>
           <a:p>
             <a:r>
-              <a:rPr lang="pt-BR" dirty="0" smtClean="0"/>
+              <a:rPr lang="pt-BR" dirty="0"/>
               <a:t>LSP – </a:t>
             </a:r>
             <a:r>
-              <a:rPr lang="pt-BR" dirty="0" err="1" smtClean="0"/>
+              <a:rPr lang="pt-BR" dirty="0" err="1"/>
               <a:t>Liskov</a:t>
             </a:r>
             <a:r>
-              <a:rPr lang="pt-BR" dirty="0" smtClean="0"/>
+              <a:rPr lang="pt-BR" dirty="0"/>
               <a:t> </a:t>
             </a:r>
             <a:r>
-              <a:rPr lang="pt-BR" dirty="0" err="1" smtClean="0"/>
+              <a:rPr lang="pt-BR" dirty="0" err="1"/>
               <a:t>Substitution</a:t>
             </a:r>
             <a:r>
-              <a:rPr lang="pt-BR" dirty="0" smtClean="0"/>
+              <a:rPr lang="pt-BR" dirty="0"/>
               <a:t> </a:t>
             </a:r>
             <a:r>
-              <a:rPr lang="pt-BR" dirty="0" err="1" smtClean="0"/>
+              <a:rPr lang="pt-BR" dirty="0" err="1"/>
               <a:t>Principle</a:t>
             </a:r>
             <a:endParaRPr lang="pt-BR" dirty="0"/>
@@ -7113,17 +7313,10 @@
   <p:clrMapOvr>
     <a:masterClrMapping/>
   </p:clrMapOvr>
-  <p:timing>
-    <p:tnLst>
-      <p:par>
-        <p:cTn id="1" dur="indefinite" restart="never" nodeType="tmRoot"/>
-      </p:par>
-    </p:tnLst>
-  </p:timing>
 </p:sld>
 </file>
 
-<file path=ppt/slides/slide25.xml><?xml version="1.0" encoding="utf-8"?>
+<file path=ppt/slides/slide27.xml><?xml version="1.0" encoding="utf-8"?>
 <p:sld xmlns:a="http://schemas.openxmlformats.org/drawingml/2006/main" xmlns:r="http://schemas.openxmlformats.org/officeDocument/2006/relationships" xmlns:p="http://schemas.openxmlformats.org/presentationml/2006/main">
   <p:cSld>
     <p:spTree>
@@ -7156,27 +7349,27 @@
           <a:lstStyle/>
           <a:p>
             <a:r>
-              <a:rPr lang="pt-BR" dirty="0" smtClean="0"/>
+              <a:rPr lang="pt-BR" dirty="0"/>
               <a:t>LSP – </a:t>
             </a:r>
             <a:r>
-              <a:rPr lang="pt-BR" dirty="0" err="1" smtClean="0"/>
+              <a:rPr lang="pt-BR" dirty="0" err="1"/>
               <a:t>Liskov</a:t>
             </a:r>
             <a:r>
-              <a:rPr lang="pt-BR" dirty="0" smtClean="0"/>
+              <a:rPr lang="pt-BR" dirty="0"/>
               <a:t> </a:t>
             </a:r>
             <a:r>
-              <a:rPr lang="pt-BR" dirty="0" err="1" smtClean="0"/>
+              <a:rPr lang="pt-BR" dirty="0" err="1"/>
               <a:t>Substitution</a:t>
             </a:r>
             <a:r>
-              <a:rPr lang="pt-BR" dirty="0" smtClean="0"/>
+              <a:rPr lang="pt-BR" dirty="0"/>
               <a:t> </a:t>
             </a:r>
             <a:r>
-              <a:rPr lang="pt-BR" dirty="0" err="1" smtClean="0"/>
+              <a:rPr lang="pt-BR" dirty="0" err="1"/>
               <a:t>Principle</a:t>
             </a:r>
             <a:endParaRPr lang="pt-BR" dirty="0"/>
@@ -7247,17 +7440,10 @@
   <p:clrMapOvr>
     <a:masterClrMapping/>
   </p:clrMapOvr>
-  <p:timing>
-    <p:tnLst>
-      <p:par>
-        <p:cTn id="1" dur="indefinite" restart="never" nodeType="tmRoot"/>
-      </p:par>
-    </p:tnLst>
-  </p:timing>
 </p:sld>
 </file>
 
-<file path=ppt/slides/slide26.xml><?xml version="1.0" encoding="utf-8"?>
+<file path=ppt/slides/slide28.xml><?xml version="1.0" encoding="utf-8"?>
 <p:sld xmlns:a="http://schemas.openxmlformats.org/drawingml/2006/main" xmlns:r="http://schemas.openxmlformats.org/officeDocument/2006/relationships" xmlns:p="http://schemas.openxmlformats.org/presentationml/2006/main">
   <p:cSld>
     <p:spTree>
@@ -7338,17 +7524,10 @@
   <p:clrMapOvr>
     <a:masterClrMapping/>
   </p:clrMapOvr>
-  <p:timing>
-    <p:tnLst>
-      <p:par>
-        <p:cTn id="1" dur="indefinite" restart="never" nodeType="tmRoot"/>
-      </p:par>
-    </p:tnLst>
-  </p:timing>
 </p:sld>
 </file>
 
-<file path=ppt/slides/slide27.xml><?xml version="1.0" encoding="utf-8"?>
+<file path=ppt/slides/slide29.xml><?xml version="1.0" encoding="utf-8"?>
 <p:sld xmlns:a="http://schemas.openxmlformats.org/drawingml/2006/main" xmlns:r="http://schemas.openxmlformats.org/officeDocument/2006/relationships" xmlns:p="http://schemas.openxmlformats.org/presentationml/2006/main">
   <p:cSld>
     <p:spTree>
@@ -7428,25 +7607,21 @@
             </a:pPr>
             <a:r>
               <a:rPr lang="pt-BR" dirty="0"/>
-              <a:t>Problemas comuns nesta violação</a:t>
-            </a:r>
-            <a:r>
-              <a:rPr lang="pt-BR" dirty="0" smtClean="0"/>
-              <a:t>.</a:t>
+              <a:t>Problemas comuns nesta violação.</a:t>
             </a:r>
           </a:p>
           <a:p>
             <a:pPr marL="0" indent="0">
               <a:buNone/>
             </a:pPr>
-            <a:endParaRPr lang="pt-BR" dirty="0" smtClean="0"/>
+            <a:endParaRPr lang="pt-BR" dirty="0"/>
           </a:p>
           <a:p>
             <a:pPr marL="0" indent="0">
               <a:buNone/>
             </a:pPr>
             <a:r>
-              <a:rPr lang="pt-BR" dirty="0" smtClean="0"/>
+              <a:rPr lang="pt-BR" dirty="0"/>
               <a:t>1 – Quebramos o Polimorfismo.</a:t>
             </a:r>
           </a:p>
@@ -7455,15 +7630,15 @@
               <a:buNone/>
             </a:pPr>
             <a:r>
-              <a:rPr lang="pt-BR" dirty="0" smtClean="0"/>
+              <a:rPr lang="pt-BR" dirty="0"/>
               <a:t>2 – Aumento da complexidade </a:t>
             </a:r>
             <a:r>
-              <a:rPr lang="pt-BR" dirty="0" err="1" smtClean="0"/>
+              <a:rPr lang="pt-BR" dirty="0" err="1"/>
               <a:t>ciclomática</a:t>
             </a:r>
             <a:r>
-              <a:rPr lang="pt-BR" dirty="0" smtClean="0"/>
+              <a:rPr lang="pt-BR" dirty="0"/>
               <a:t>. (deveremos testar se Arquivo é de um determinado tipo)</a:t>
             </a:r>
           </a:p>
@@ -7472,7 +7647,7 @@
               <a:buNone/>
             </a:pPr>
             <a:r>
-              <a:rPr lang="pt-BR" dirty="0" smtClean="0"/>
+              <a:rPr lang="pt-BR" dirty="0"/>
               <a:t>3 – Aumento na complexidade de manutenção de código</a:t>
             </a:r>
           </a:p>
@@ -7482,13 +7657,8 @@
             </a:pPr>
             <a:r>
               <a:rPr lang="pt-BR" dirty="0"/>
-              <a:t>4</a:t>
-            </a:r>
-            <a:r>
-              <a:rPr lang="pt-BR" dirty="0" smtClean="0"/>
-              <a:t> – Gerar dúvidas sobre o Domínio. ( PDF e Word derivam de Arquivo?)</a:t>
-            </a:r>
-            <a:endParaRPr lang="pt-BR" dirty="0"/>
+              <a:t>4 – Gerar dúvidas sobre o Domínio. ( PDF e Word derivam de Arquivo?)</a:t>
+            </a:r>
           </a:p>
           <a:p>
             <a:pPr marL="0" indent="0">
@@ -7538,283 +7708,6 @@
   <p:clrMapOvr>
     <a:masterClrMapping/>
   </p:clrMapOvr>
-  <p:timing>
-    <p:tnLst>
-      <p:par>
-        <p:cTn id="1" dur="indefinite" restart="never" nodeType="tmRoot"/>
-      </p:par>
-    </p:tnLst>
-  </p:timing>
-</p:sld>
-</file>
-
-<file path=ppt/slides/slide28.xml><?xml version="1.0" encoding="utf-8"?>
-<p:sld xmlns:a="http://schemas.openxmlformats.org/drawingml/2006/main" xmlns:r="http://schemas.openxmlformats.org/officeDocument/2006/relationships" xmlns:p="http://schemas.openxmlformats.org/presentationml/2006/main">
-  <p:cSld>
-    <p:spTree>
-      <p:nvGrpSpPr>
-        <p:cNvPr id="1" name=""/>
-        <p:cNvGrpSpPr/>
-        <p:nvPr/>
-      </p:nvGrpSpPr>
-      <p:grpSpPr>
-        <a:xfrm>
-          <a:off x="0" y="0"/>
-          <a:ext cx="0" cy="0"/>
-          <a:chOff x="0" y="0"/>
-          <a:chExt cx="0" cy="0"/>
-        </a:xfrm>
-      </p:grpSpPr>
-      <p:sp>
-        <p:nvSpPr>
-          <p:cNvPr id="2" name="Título 1"/>
-          <p:cNvSpPr>
-            <a:spLocks noGrp="1"/>
-          </p:cNvSpPr>
-          <p:nvPr>
-            <p:ph type="title"/>
-          </p:nvPr>
-        </p:nvSpPr>
-        <p:spPr/>
-        <p:txBody>
-          <a:bodyPr/>
-          <a:lstStyle/>
-          <a:p>
-            <a:r>
-              <a:rPr lang="pt-BR" dirty="0"/>
-              <a:t>LSP – </a:t>
-            </a:r>
-            <a:r>
-              <a:rPr lang="pt-BR" dirty="0" err="1"/>
-              <a:t>Liskov</a:t>
-            </a:r>
-            <a:r>
-              <a:rPr lang="pt-BR" dirty="0"/>
-              <a:t> </a:t>
-            </a:r>
-            <a:r>
-              <a:rPr lang="pt-BR" dirty="0" err="1"/>
-              <a:t>Substitution</a:t>
-            </a:r>
-            <a:r>
-              <a:rPr lang="pt-BR" dirty="0"/>
-              <a:t> </a:t>
-            </a:r>
-            <a:r>
-              <a:rPr lang="pt-BR" dirty="0" err="1"/>
-              <a:t>Principle</a:t>
-            </a:r>
-            <a:endParaRPr lang="pt-BR" dirty="0"/>
-          </a:p>
-        </p:txBody>
-      </p:sp>
-      <p:sp>
-        <p:nvSpPr>
-          <p:cNvPr id="4" name="Espaço Reservado para Conteúdo 2"/>
-          <p:cNvSpPr>
-            <a:spLocks noGrp="1"/>
-          </p:cNvSpPr>
-          <p:nvPr>
-            <p:ph idx="1"/>
-          </p:nvPr>
-        </p:nvSpPr>
-        <p:spPr/>
-        <p:txBody>
-          <a:bodyPr/>
-          <a:lstStyle/>
-          <a:p>
-            <a:pPr marL="0" indent="0">
-              <a:buNone/>
-            </a:pPr>
-            <a:r>
-              <a:rPr lang="pt-BR" dirty="0" smtClean="0"/>
-              <a:t>Exemplo com LSP</a:t>
-            </a:r>
-            <a:endParaRPr lang="pt-BR" dirty="0"/>
-          </a:p>
-        </p:txBody>
-      </p:sp>
-      <p:pic>
-        <p:nvPicPr>
-          <p:cNvPr id="5" name="Imagem 4"/>
-          <p:cNvPicPr>
-            <a:picLocks noChangeAspect="1"/>
-          </p:cNvPicPr>
-          <p:nvPr/>
-        </p:nvPicPr>
-        <p:blipFill>
-          <a:blip r:embed="rId2" cstate="print">
-            <a:extLst>
-              <a:ext uri="{28A0092B-C50C-407E-A947-70E740481C1C}">
-                <a14:useLocalDpi xmlns:a14="http://schemas.microsoft.com/office/drawing/2010/main" val="0"/>
-              </a:ext>
-            </a:extLst>
-          </a:blip>
-          <a:stretch>
-            <a:fillRect/>
-          </a:stretch>
-        </p:blipFill>
-        <p:spPr>
-          <a:xfrm>
-            <a:off x="11015002" y="6402549"/>
-            <a:ext cx="1176998" cy="455451"/>
-          </a:xfrm>
-          <a:prstGeom prst="rect">
-            <a:avLst/>
-          </a:prstGeom>
-        </p:spPr>
-      </p:pic>
-    </p:spTree>
-    <p:extLst>
-      <p:ext uri="{BB962C8B-B14F-4D97-AF65-F5344CB8AC3E}">
-        <p14:creationId xmlns:p14="http://schemas.microsoft.com/office/powerpoint/2010/main" val="1593712389"/>
-      </p:ext>
-    </p:extLst>
-  </p:cSld>
-  <p:clrMapOvr>
-    <a:masterClrMapping/>
-  </p:clrMapOvr>
-  <p:timing>
-    <p:tnLst>
-      <p:par>
-        <p:cTn id="1" dur="indefinite" restart="never" nodeType="tmRoot"/>
-      </p:par>
-    </p:tnLst>
-  </p:timing>
-</p:sld>
-</file>
-
-<file path=ppt/slides/slide29.xml><?xml version="1.0" encoding="utf-8"?>
-<p:sld xmlns:a="http://schemas.openxmlformats.org/drawingml/2006/main" xmlns:r="http://schemas.openxmlformats.org/officeDocument/2006/relationships" xmlns:p="http://schemas.openxmlformats.org/presentationml/2006/main">
-  <p:cSld>
-    <p:spTree>
-      <p:nvGrpSpPr>
-        <p:cNvPr id="1" name=""/>
-        <p:cNvGrpSpPr/>
-        <p:nvPr/>
-      </p:nvGrpSpPr>
-      <p:grpSpPr>
-        <a:xfrm>
-          <a:off x="0" y="0"/>
-          <a:ext cx="0" cy="0"/>
-          <a:chOff x="0" y="0"/>
-          <a:chExt cx="0" cy="0"/>
-        </a:xfrm>
-      </p:grpSpPr>
-      <p:sp>
-        <p:nvSpPr>
-          <p:cNvPr id="2" name="Título 1"/>
-          <p:cNvSpPr>
-            <a:spLocks noGrp="1"/>
-          </p:cNvSpPr>
-          <p:nvPr>
-            <p:ph type="title"/>
-          </p:nvPr>
-        </p:nvSpPr>
-        <p:spPr/>
-        <p:txBody>
-          <a:bodyPr/>
-          <a:lstStyle/>
-          <a:p>
-            <a:r>
-              <a:rPr lang="pt-BR" dirty="0"/>
-              <a:t>LSP – </a:t>
-            </a:r>
-            <a:r>
-              <a:rPr lang="pt-BR" dirty="0" err="1"/>
-              <a:t>Liskov</a:t>
-            </a:r>
-            <a:r>
-              <a:rPr lang="pt-BR" dirty="0"/>
-              <a:t> </a:t>
-            </a:r>
-            <a:r>
-              <a:rPr lang="pt-BR" dirty="0" err="1"/>
-              <a:t>Substitution</a:t>
-            </a:r>
-            <a:r>
-              <a:rPr lang="pt-BR" dirty="0"/>
-              <a:t> </a:t>
-            </a:r>
-            <a:r>
-              <a:rPr lang="pt-BR" dirty="0" err="1"/>
-              <a:t>Principle</a:t>
-            </a:r>
-            <a:endParaRPr lang="pt-BR" dirty="0"/>
-          </a:p>
-        </p:txBody>
-      </p:sp>
-      <p:pic>
-        <p:nvPicPr>
-          <p:cNvPr id="4" name="Imagem 3"/>
-          <p:cNvPicPr>
-            <a:picLocks noChangeAspect="1"/>
-          </p:cNvPicPr>
-          <p:nvPr/>
-        </p:nvPicPr>
-        <p:blipFill>
-          <a:blip r:embed="rId2"/>
-          <a:stretch>
-            <a:fillRect/>
-          </a:stretch>
-        </p:blipFill>
-        <p:spPr>
-          <a:xfrm>
-            <a:off x="3288430" y="2395809"/>
-            <a:ext cx="5615140" cy="2829334"/>
-          </a:xfrm>
-          <a:prstGeom prst="rect">
-            <a:avLst/>
-          </a:prstGeom>
-        </p:spPr>
-      </p:pic>
-      <p:pic>
-        <p:nvPicPr>
-          <p:cNvPr id="5" name="Imagem 4"/>
-          <p:cNvPicPr>
-            <a:picLocks noChangeAspect="1"/>
-          </p:cNvPicPr>
-          <p:nvPr/>
-        </p:nvPicPr>
-        <p:blipFill>
-          <a:blip r:embed="rId3" cstate="print">
-            <a:extLst>
-              <a:ext uri="{28A0092B-C50C-407E-A947-70E740481C1C}">
-                <a14:useLocalDpi xmlns:a14="http://schemas.microsoft.com/office/drawing/2010/main" val="0"/>
-              </a:ext>
-            </a:extLst>
-          </a:blip>
-          <a:stretch>
-            <a:fillRect/>
-          </a:stretch>
-        </p:blipFill>
-        <p:spPr>
-          <a:xfrm>
-            <a:off x="11015002" y="6402549"/>
-            <a:ext cx="1176998" cy="455451"/>
-          </a:xfrm>
-          <a:prstGeom prst="rect">
-            <a:avLst/>
-          </a:prstGeom>
-        </p:spPr>
-      </p:pic>
-    </p:spTree>
-    <p:extLst>
-      <p:ext uri="{BB962C8B-B14F-4D97-AF65-F5344CB8AC3E}">
-        <p14:creationId xmlns:p14="http://schemas.microsoft.com/office/powerpoint/2010/main" val="2948152552"/>
-      </p:ext>
-    </p:extLst>
-  </p:cSld>
-  <p:clrMapOvr>
-    <a:masterClrMapping/>
-  </p:clrMapOvr>
-  <p:timing>
-    <p:tnLst>
-      <p:par>
-        <p:cTn id="1" dur="indefinite" restart="never" nodeType="tmRoot"/>
-      </p:par>
-    </p:tnLst>
-  </p:timing>
 </p:sld>
 </file>
 
@@ -7847,10 +7740,23 @@
         </p:nvSpPr>
         <p:spPr/>
         <p:txBody>
-          <a:bodyPr/>
-          <a:lstStyle/>
-          <a:p>
-            <a:endParaRPr lang="pt-BR"/>
+          <a:bodyPr>
+            <a:normAutofit/>
+          </a:bodyPr>
+          <a:lstStyle/>
+          <a:p>
+            <a:r>
+              <a:rPr lang="pt-BR" dirty="0"/>
+              <a:t>Acrônimo </a:t>
+            </a:r>
+            <a:r>
+              <a:rPr lang="pt-BR" b="1" dirty="0"/>
+              <a:t>S.O.L.I.D</a:t>
+            </a:r>
+            <a:r>
+              <a:rPr lang="pt-BR" dirty="0"/>
+              <a:t> ( mas diz-se SOLID) </a:t>
+            </a:r>
           </a:p>
         </p:txBody>
       </p:sp>
@@ -7866,17 +7772,237 @@
         </p:nvSpPr>
         <p:spPr/>
         <p:txBody>
-          <a:bodyPr/>
-          <a:lstStyle/>
-          <a:p>
-            <a:endParaRPr lang="pt-BR"/>
-          </a:p>
-        </p:txBody>
-      </p:sp>
+          <a:bodyPr>
+            <a:normAutofit fontScale="92500" lnSpcReduction="10000"/>
+          </a:bodyPr>
+          <a:lstStyle/>
+          <a:p>
+            <a:pPr marL="0" indent="0">
+              <a:buNone/>
+            </a:pPr>
+            <a:endParaRPr lang="pt-BR" dirty="0"/>
+          </a:p>
+          <a:p>
+            <a:pPr>
+              <a:lnSpc>
+                <a:spcPct val="200000"/>
+              </a:lnSpc>
+            </a:pPr>
+            <a:r>
+              <a:rPr lang="pt-BR" b="1" dirty="0"/>
+              <a:t>SRP</a:t>
+            </a:r>
+            <a:r>
+              <a:rPr lang="pt-BR" dirty="0"/>
+              <a:t> - Single </a:t>
+            </a:r>
+            <a:r>
+              <a:rPr lang="pt-BR" dirty="0" err="1"/>
+              <a:t>Responsability</a:t>
+            </a:r>
+            <a:r>
+              <a:rPr lang="pt-BR" dirty="0"/>
+              <a:t> </a:t>
+            </a:r>
+            <a:r>
+              <a:rPr lang="pt-BR" dirty="0" err="1"/>
+              <a:t>Principle</a:t>
+            </a:r>
+            <a:r>
+              <a:rPr lang="pt-BR" dirty="0"/>
+              <a:t> (Principio da Responsabilidade única)</a:t>
+            </a:r>
+          </a:p>
+          <a:p>
+            <a:pPr>
+              <a:lnSpc>
+                <a:spcPct val="200000"/>
+              </a:lnSpc>
+            </a:pPr>
+            <a:r>
+              <a:rPr lang="pt-BR" b="1" dirty="0"/>
+              <a:t>OCP</a:t>
+            </a:r>
+            <a:r>
+              <a:rPr lang="pt-BR" dirty="0"/>
+              <a:t> – Open/</a:t>
+            </a:r>
+            <a:r>
+              <a:rPr lang="pt-BR" dirty="0" err="1"/>
+              <a:t>Closed</a:t>
+            </a:r>
+            <a:r>
+              <a:rPr lang="pt-BR" dirty="0"/>
+              <a:t> </a:t>
+            </a:r>
+            <a:r>
+              <a:rPr lang="pt-BR" dirty="0" err="1"/>
+              <a:t>Principle</a:t>
+            </a:r>
+            <a:r>
+              <a:rPr lang="pt-BR" dirty="0"/>
+              <a:t> (Principio do Aberto/Fechado)</a:t>
+            </a:r>
+          </a:p>
+          <a:p>
+            <a:pPr>
+              <a:lnSpc>
+                <a:spcPct val="200000"/>
+              </a:lnSpc>
+            </a:pPr>
+            <a:r>
+              <a:rPr lang="pt-BR" b="1" dirty="0"/>
+              <a:t>LSP</a:t>
+            </a:r>
+            <a:r>
+              <a:rPr lang="pt-BR" dirty="0"/>
+              <a:t> – </a:t>
+            </a:r>
+            <a:r>
+              <a:rPr lang="pt-BR" dirty="0" err="1"/>
+              <a:t>Liskov</a:t>
+            </a:r>
+            <a:r>
+              <a:rPr lang="pt-BR" dirty="0"/>
+              <a:t> </a:t>
+            </a:r>
+            <a:r>
+              <a:rPr lang="pt-BR" dirty="0" err="1"/>
+              <a:t>Subistitution</a:t>
+            </a:r>
+            <a:r>
+              <a:rPr lang="pt-BR" dirty="0"/>
+              <a:t> </a:t>
+            </a:r>
+            <a:r>
+              <a:rPr lang="pt-BR" dirty="0" err="1"/>
+              <a:t>Principle</a:t>
+            </a:r>
+            <a:r>
+              <a:rPr lang="pt-BR" dirty="0"/>
+              <a:t> (Principio de Substituição de </a:t>
+            </a:r>
+            <a:r>
+              <a:rPr lang="pt-BR" dirty="0" err="1"/>
+              <a:t>Liskov</a:t>
+            </a:r>
+            <a:r>
+              <a:rPr lang="pt-BR" dirty="0"/>
+              <a:t>)</a:t>
+            </a:r>
+          </a:p>
+          <a:p>
+            <a:pPr>
+              <a:lnSpc>
+                <a:spcPct val="200000"/>
+              </a:lnSpc>
+            </a:pPr>
+            <a:r>
+              <a:rPr lang="pt-BR" b="1" dirty="0"/>
+              <a:t>ISP</a:t>
+            </a:r>
+            <a:r>
+              <a:rPr lang="pt-BR" dirty="0"/>
+              <a:t> – Interface </a:t>
+            </a:r>
+            <a:r>
+              <a:rPr lang="pt-BR" dirty="0" err="1"/>
+              <a:t>Segregation</a:t>
+            </a:r>
+            <a:r>
+              <a:rPr lang="pt-BR" dirty="0"/>
+              <a:t> </a:t>
+            </a:r>
+            <a:r>
+              <a:rPr lang="pt-BR" dirty="0" err="1"/>
+              <a:t>Principle</a:t>
+            </a:r>
+            <a:r>
+              <a:rPr lang="pt-BR" dirty="0"/>
+              <a:t> ( Principio da Segregação de Interfaces)</a:t>
+            </a:r>
+          </a:p>
+          <a:p>
+            <a:pPr>
+              <a:lnSpc>
+                <a:spcPct val="200000"/>
+              </a:lnSpc>
+            </a:pPr>
+            <a:r>
+              <a:rPr lang="pt-BR" b="1" dirty="0"/>
+              <a:t>DIP</a:t>
+            </a:r>
+            <a:r>
+              <a:rPr lang="pt-BR" dirty="0"/>
+              <a:t> – </a:t>
+            </a:r>
+            <a:r>
+              <a:rPr lang="pt-BR" dirty="0" err="1"/>
+              <a:t>Dependency</a:t>
+            </a:r>
+            <a:r>
+              <a:rPr lang="pt-BR" dirty="0"/>
+              <a:t> </a:t>
+            </a:r>
+            <a:r>
+              <a:rPr lang="pt-BR" dirty="0" err="1"/>
+              <a:t>Inversion</a:t>
+            </a:r>
+            <a:r>
+              <a:rPr lang="pt-BR" dirty="0"/>
+              <a:t> </a:t>
+            </a:r>
+            <a:r>
+              <a:rPr lang="pt-BR" dirty="0" err="1"/>
+              <a:t>Principle</a:t>
+            </a:r>
+            <a:r>
+              <a:rPr lang="pt-BR" dirty="0"/>
+              <a:t> (Principio da Inversão de dependência)</a:t>
+            </a:r>
+          </a:p>
+          <a:p>
+            <a:pPr marL="0" indent="0">
+              <a:buNone/>
+            </a:pPr>
+            <a:endParaRPr lang="pt-BR" dirty="0"/>
+          </a:p>
+        </p:txBody>
+      </p:sp>
+      <p:pic>
+        <p:nvPicPr>
+          <p:cNvPr id="4" name="Imagem 3"/>
+          <p:cNvPicPr>
+            <a:picLocks noChangeAspect="1"/>
+          </p:cNvPicPr>
+          <p:nvPr/>
+        </p:nvPicPr>
+        <p:blipFill>
+          <a:blip r:embed="rId2" cstate="print">
+            <a:extLst>
+              <a:ext uri="{28A0092B-C50C-407E-A947-70E740481C1C}">
+                <a14:useLocalDpi xmlns:a14="http://schemas.microsoft.com/office/drawing/2010/main" val="0"/>
+              </a:ext>
+            </a:extLst>
+          </a:blip>
+          <a:stretch>
+            <a:fillRect/>
+          </a:stretch>
+        </p:blipFill>
+        <p:spPr>
+          <a:xfrm>
+            <a:off x="11015002" y="6402549"/>
+            <a:ext cx="1176998" cy="455451"/>
+          </a:xfrm>
+          <a:prstGeom prst="rect">
+            <a:avLst/>
+          </a:prstGeom>
+        </p:spPr>
+      </p:pic>
     </p:spTree>
     <p:extLst>
       <p:ext uri="{BB962C8B-B14F-4D97-AF65-F5344CB8AC3E}">
-        <p14:creationId xmlns:p14="http://schemas.microsoft.com/office/powerpoint/2010/main" val="2782905808"/>
+        <p14:creationId xmlns:p14="http://schemas.microsoft.com/office/powerpoint/2010/main" val="629700163"/>
       </p:ext>
     </p:extLst>
   </p:cSld>
@@ -7946,6 +8072,261 @@
           </a:p>
         </p:txBody>
       </p:sp>
+      <p:sp>
+        <p:nvSpPr>
+          <p:cNvPr id="4" name="Espaço Reservado para Conteúdo 2"/>
+          <p:cNvSpPr>
+            <a:spLocks noGrp="1"/>
+          </p:cNvSpPr>
+          <p:nvPr>
+            <p:ph idx="1"/>
+          </p:nvPr>
+        </p:nvSpPr>
+        <p:spPr/>
+        <p:txBody>
+          <a:bodyPr/>
+          <a:lstStyle/>
+          <a:p>
+            <a:pPr marL="0" indent="0">
+              <a:buNone/>
+            </a:pPr>
+            <a:r>
+              <a:rPr lang="pt-BR" dirty="0"/>
+              <a:t>Exemplo com LSP</a:t>
+            </a:r>
+          </a:p>
+        </p:txBody>
+      </p:sp>
+      <p:pic>
+        <p:nvPicPr>
+          <p:cNvPr id="5" name="Imagem 4"/>
+          <p:cNvPicPr>
+            <a:picLocks noChangeAspect="1"/>
+          </p:cNvPicPr>
+          <p:nvPr/>
+        </p:nvPicPr>
+        <p:blipFill>
+          <a:blip r:embed="rId2" cstate="print">
+            <a:extLst>
+              <a:ext uri="{28A0092B-C50C-407E-A947-70E740481C1C}">
+                <a14:useLocalDpi xmlns:a14="http://schemas.microsoft.com/office/drawing/2010/main" val="0"/>
+              </a:ext>
+            </a:extLst>
+          </a:blip>
+          <a:stretch>
+            <a:fillRect/>
+          </a:stretch>
+        </p:blipFill>
+        <p:spPr>
+          <a:xfrm>
+            <a:off x="11015002" y="6402549"/>
+            <a:ext cx="1176998" cy="455451"/>
+          </a:xfrm>
+          <a:prstGeom prst="rect">
+            <a:avLst/>
+          </a:prstGeom>
+        </p:spPr>
+      </p:pic>
+    </p:spTree>
+    <p:extLst>
+      <p:ext uri="{BB962C8B-B14F-4D97-AF65-F5344CB8AC3E}">
+        <p14:creationId xmlns:p14="http://schemas.microsoft.com/office/powerpoint/2010/main" val="1593712389"/>
+      </p:ext>
+    </p:extLst>
+  </p:cSld>
+  <p:clrMapOvr>
+    <a:masterClrMapping/>
+  </p:clrMapOvr>
+</p:sld>
+</file>
+
+<file path=ppt/slides/slide31.xml><?xml version="1.0" encoding="utf-8"?>
+<p:sld xmlns:a="http://schemas.openxmlformats.org/drawingml/2006/main" xmlns:r="http://schemas.openxmlformats.org/officeDocument/2006/relationships" xmlns:p="http://schemas.openxmlformats.org/presentationml/2006/main">
+  <p:cSld>
+    <p:spTree>
+      <p:nvGrpSpPr>
+        <p:cNvPr id="1" name=""/>
+        <p:cNvGrpSpPr/>
+        <p:nvPr/>
+      </p:nvGrpSpPr>
+      <p:grpSpPr>
+        <a:xfrm>
+          <a:off x="0" y="0"/>
+          <a:ext cx="0" cy="0"/>
+          <a:chOff x="0" y="0"/>
+          <a:chExt cx="0" cy="0"/>
+        </a:xfrm>
+      </p:grpSpPr>
+      <p:sp>
+        <p:nvSpPr>
+          <p:cNvPr id="2" name="Título 1"/>
+          <p:cNvSpPr>
+            <a:spLocks noGrp="1"/>
+          </p:cNvSpPr>
+          <p:nvPr>
+            <p:ph type="title"/>
+          </p:nvPr>
+        </p:nvSpPr>
+        <p:spPr/>
+        <p:txBody>
+          <a:bodyPr/>
+          <a:lstStyle/>
+          <a:p>
+            <a:r>
+              <a:rPr lang="pt-BR" dirty="0"/>
+              <a:t>LSP – </a:t>
+            </a:r>
+            <a:r>
+              <a:rPr lang="pt-BR" dirty="0" err="1"/>
+              <a:t>Liskov</a:t>
+            </a:r>
+            <a:r>
+              <a:rPr lang="pt-BR" dirty="0"/>
+              <a:t> </a:t>
+            </a:r>
+            <a:r>
+              <a:rPr lang="pt-BR" dirty="0" err="1"/>
+              <a:t>Substitution</a:t>
+            </a:r>
+            <a:r>
+              <a:rPr lang="pt-BR" dirty="0"/>
+              <a:t> </a:t>
+            </a:r>
+            <a:r>
+              <a:rPr lang="pt-BR" dirty="0" err="1"/>
+              <a:t>Principle</a:t>
+            </a:r>
+            <a:endParaRPr lang="pt-BR" dirty="0"/>
+          </a:p>
+        </p:txBody>
+      </p:sp>
+      <p:pic>
+        <p:nvPicPr>
+          <p:cNvPr id="4" name="Imagem 3"/>
+          <p:cNvPicPr>
+            <a:picLocks noChangeAspect="1"/>
+          </p:cNvPicPr>
+          <p:nvPr/>
+        </p:nvPicPr>
+        <p:blipFill>
+          <a:blip r:embed="rId2"/>
+          <a:stretch>
+            <a:fillRect/>
+          </a:stretch>
+        </p:blipFill>
+        <p:spPr>
+          <a:xfrm>
+            <a:off x="3288430" y="2395809"/>
+            <a:ext cx="5615140" cy="2829334"/>
+          </a:xfrm>
+          <a:prstGeom prst="rect">
+            <a:avLst/>
+          </a:prstGeom>
+        </p:spPr>
+      </p:pic>
+      <p:pic>
+        <p:nvPicPr>
+          <p:cNvPr id="5" name="Imagem 4"/>
+          <p:cNvPicPr>
+            <a:picLocks noChangeAspect="1"/>
+          </p:cNvPicPr>
+          <p:nvPr/>
+        </p:nvPicPr>
+        <p:blipFill>
+          <a:blip r:embed="rId3" cstate="print">
+            <a:extLst>
+              <a:ext uri="{28A0092B-C50C-407E-A947-70E740481C1C}">
+                <a14:useLocalDpi xmlns:a14="http://schemas.microsoft.com/office/drawing/2010/main" val="0"/>
+              </a:ext>
+            </a:extLst>
+          </a:blip>
+          <a:stretch>
+            <a:fillRect/>
+          </a:stretch>
+        </p:blipFill>
+        <p:spPr>
+          <a:xfrm>
+            <a:off x="11015002" y="6402549"/>
+            <a:ext cx="1176998" cy="455451"/>
+          </a:xfrm>
+          <a:prstGeom prst="rect">
+            <a:avLst/>
+          </a:prstGeom>
+        </p:spPr>
+      </p:pic>
+    </p:spTree>
+    <p:extLst>
+      <p:ext uri="{BB962C8B-B14F-4D97-AF65-F5344CB8AC3E}">
+        <p14:creationId xmlns:p14="http://schemas.microsoft.com/office/powerpoint/2010/main" val="2948152552"/>
+      </p:ext>
+    </p:extLst>
+  </p:cSld>
+  <p:clrMapOvr>
+    <a:masterClrMapping/>
+  </p:clrMapOvr>
+</p:sld>
+</file>
+
+<file path=ppt/slides/slide32.xml><?xml version="1.0" encoding="utf-8"?>
+<p:sld xmlns:a="http://schemas.openxmlformats.org/drawingml/2006/main" xmlns:r="http://schemas.openxmlformats.org/officeDocument/2006/relationships" xmlns:p="http://schemas.openxmlformats.org/presentationml/2006/main">
+  <p:cSld>
+    <p:spTree>
+      <p:nvGrpSpPr>
+        <p:cNvPr id="1" name=""/>
+        <p:cNvGrpSpPr/>
+        <p:nvPr/>
+      </p:nvGrpSpPr>
+      <p:grpSpPr>
+        <a:xfrm>
+          <a:off x="0" y="0"/>
+          <a:ext cx="0" cy="0"/>
+          <a:chOff x="0" y="0"/>
+          <a:chExt cx="0" cy="0"/>
+        </a:xfrm>
+      </p:grpSpPr>
+      <p:sp>
+        <p:nvSpPr>
+          <p:cNvPr id="2" name="Título 1"/>
+          <p:cNvSpPr>
+            <a:spLocks noGrp="1"/>
+          </p:cNvSpPr>
+          <p:nvPr>
+            <p:ph type="title"/>
+          </p:nvPr>
+        </p:nvSpPr>
+        <p:spPr/>
+        <p:txBody>
+          <a:bodyPr/>
+          <a:lstStyle/>
+          <a:p>
+            <a:r>
+              <a:rPr lang="pt-BR" dirty="0"/>
+              <a:t>LSP – </a:t>
+            </a:r>
+            <a:r>
+              <a:rPr lang="pt-BR" dirty="0" err="1"/>
+              <a:t>Liskov</a:t>
+            </a:r>
+            <a:r>
+              <a:rPr lang="pt-BR" dirty="0"/>
+              <a:t> </a:t>
+            </a:r>
+            <a:r>
+              <a:rPr lang="pt-BR" dirty="0" err="1"/>
+              <a:t>Substitution</a:t>
+            </a:r>
+            <a:r>
+              <a:rPr lang="pt-BR" dirty="0"/>
+              <a:t> </a:t>
+            </a:r>
+            <a:r>
+              <a:rPr lang="pt-BR" dirty="0" err="1"/>
+              <a:t>Principle</a:t>
+            </a:r>
+            <a:endParaRPr lang="pt-BR" dirty="0"/>
+          </a:p>
+        </p:txBody>
+      </p:sp>
       <p:pic>
         <p:nvPicPr>
           <p:cNvPr id="5" name="Imagem 4"/>
@@ -8010,17 +8391,10 @@
   <p:clrMapOvr>
     <a:masterClrMapping/>
   </p:clrMapOvr>
-  <p:timing>
-    <p:tnLst>
-      <p:par>
-        <p:cTn id="1" dur="indefinite" restart="never" nodeType="tmRoot"/>
-      </p:par>
-    </p:tnLst>
-  </p:timing>
 </p:sld>
 </file>
 
-<file path=ppt/slides/slide31.xml><?xml version="1.0" encoding="utf-8"?>
+<file path=ppt/slides/slide33.xml><?xml version="1.0" encoding="utf-8"?>
 <p:sld xmlns:a="http://schemas.openxmlformats.org/drawingml/2006/main" xmlns:r="http://schemas.openxmlformats.org/officeDocument/2006/relationships" xmlns:p="http://schemas.openxmlformats.org/presentationml/2006/main">
   <p:cSld>
     <p:spTree>
@@ -8163,17 +8537,10 @@
   <p:clrMapOvr>
     <a:masterClrMapping/>
   </p:clrMapOvr>
-  <p:timing>
-    <p:tnLst>
-      <p:par>
-        <p:cTn id="1" dur="indefinite" restart="never" nodeType="tmRoot"/>
-      </p:par>
-    </p:tnLst>
-  </p:timing>
 </p:sld>
 </file>
 
-<file path=ppt/slides/slide32.xml><?xml version="1.0" encoding="utf-8"?>
+<file path=ppt/slides/slide34.xml><?xml version="1.0" encoding="utf-8"?>
 <p:sld xmlns:a="http://schemas.openxmlformats.org/drawingml/2006/main" xmlns:r="http://schemas.openxmlformats.org/officeDocument/2006/relationships" xmlns:p="http://schemas.openxmlformats.org/presentationml/2006/main">
   <p:cSld>
     <p:spTree>
@@ -8254,17 +8621,10 @@
   <p:clrMapOvr>
     <a:masterClrMapping/>
   </p:clrMapOvr>
-  <p:timing>
-    <p:tnLst>
-      <p:par>
-        <p:cTn id="1" dur="indefinite" restart="never" nodeType="tmRoot"/>
-      </p:par>
-    </p:tnLst>
-  </p:timing>
 </p:sld>
 </file>
 
-<file path=ppt/slides/slide33.xml><?xml version="1.0" encoding="utf-8"?>
+<file path=ppt/slides/slide35.xml><?xml version="1.0" encoding="utf-8"?>
 <p:sld xmlns:a="http://schemas.openxmlformats.org/drawingml/2006/main" xmlns:r="http://schemas.openxmlformats.org/officeDocument/2006/relationships" xmlns:p="http://schemas.openxmlformats.org/presentationml/2006/main">
   <p:cSld>
     <p:spTree>
@@ -8297,19 +8657,19 @@
           <a:lstStyle/>
           <a:p>
             <a:r>
-              <a:rPr lang="pt-BR" dirty="0" smtClean="0"/>
+              <a:rPr lang="pt-BR" dirty="0"/>
               <a:t>ISP – Interface </a:t>
             </a:r>
             <a:r>
-              <a:rPr lang="pt-BR" dirty="0" err="1" smtClean="0"/>
+              <a:rPr lang="pt-BR" dirty="0" err="1"/>
               <a:t>Segregation</a:t>
             </a:r>
             <a:r>
-              <a:rPr lang="pt-BR" dirty="0" smtClean="0"/>
+              <a:rPr lang="pt-BR" dirty="0"/>
               <a:t> </a:t>
             </a:r>
             <a:r>
-              <a:rPr lang="pt-BR" dirty="0" err="1" smtClean="0"/>
+              <a:rPr lang="pt-BR" dirty="0" err="1"/>
               <a:t>Principle</a:t>
             </a:r>
             <a:endParaRPr lang="pt-BR" dirty="0"/>
@@ -8373,14 +8733,9 @@
               </a:spcBef>
             </a:pPr>
             <a:r>
-              <a:rPr lang="pt-BR" sz="2800" dirty="0" smtClean="0"/>
-              <a:t>“Classes </a:t>
-            </a:r>
-            <a:r>
               <a:rPr lang="pt-BR" sz="2800" dirty="0"/>
-              <a:t>clientes não devem ser obrigadas a implantar métodos </a:t>
-            </a:r>
-            <a:endParaRPr lang="pt-BR" sz="2800" dirty="0" smtClean="0"/>
+              <a:t>“Classes clientes não devem ser obrigadas a implantar métodos </a:t>
+            </a:r>
           </a:p>
           <a:p>
             <a:pPr>
@@ -8392,12 +8747,8 @@
               </a:spcBef>
             </a:pPr>
             <a:r>
-              <a:rPr lang="pt-BR" sz="2800" dirty="0" smtClean="0"/>
-              <a:t>que </a:t>
-            </a:r>
-            <a:r>
               <a:rPr lang="pt-BR" sz="2800" dirty="0"/>
-              <a:t>não usam”</a:t>
+              <a:t>que não usam”</a:t>
             </a:r>
           </a:p>
         </p:txBody>
@@ -8442,17 +8793,10 @@
   <p:clrMapOvr>
     <a:masterClrMapping/>
   </p:clrMapOvr>
-  <p:timing>
-    <p:tnLst>
-      <p:par>
-        <p:cTn id="1" dur="indefinite" restart="never" nodeType="tmRoot"/>
-      </p:par>
-    </p:tnLst>
-  </p:timing>
 </p:sld>
 </file>
 
-<file path=ppt/slides/slide34.xml><?xml version="1.0" encoding="utf-8"?>
+<file path=ppt/slides/slide36.xml><?xml version="1.0" encoding="utf-8"?>
 <p:sld xmlns:a="http://schemas.openxmlformats.org/drawingml/2006/main" xmlns:r="http://schemas.openxmlformats.org/officeDocument/2006/relationships" xmlns:p="http://schemas.openxmlformats.org/presentationml/2006/main">
   <p:cSld>
     <p:spTree>
@@ -8485,19 +8829,19 @@
           <a:lstStyle/>
           <a:p>
             <a:r>
-              <a:rPr lang="pt-BR" dirty="0" smtClean="0"/>
+              <a:rPr lang="pt-BR" dirty="0"/>
               <a:t>ISP – Interface </a:t>
             </a:r>
             <a:r>
-              <a:rPr lang="pt-BR" dirty="0" err="1" smtClean="0"/>
+              <a:rPr lang="pt-BR" dirty="0" err="1"/>
               <a:t>Segregation</a:t>
             </a:r>
             <a:r>
-              <a:rPr lang="pt-BR" dirty="0" smtClean="0"/>
+              <a:rPr lang="pt-BR" dirty="0"/>
               <a:t> </a:t>
             </a:r>
             <a:r>
-              <a:rPr lang="pt-BR" dirty="0" err="1" smtClean="0"/>
+              <a:rPr lang="pt-BR" dirty="0" err="1"/>
               <a:t>Principle</a:t>
             </a:r>
             <a:endParaRPr lang="pt-BR" dirty="0"/>
@@ -8594,17 +8938,10 @@
   <p:clrMapOvr>
     <a:masterClrMapping/>
   </p:clrMapOvr>
-  <p:timing>
-    <p:tnLst>
-      <p:par>
-        <p:cTn id="1" dur="indefinite" restart="never" nodeType="tmRoot"/>
-      </p:par>
-    </p:tnLst>
-  </p:timing>
 </p:sld>
 </file>
 
-<file path=ppt/slides/slide35.xml><?xml version="1.0" encoding="utf-8"?>
+<file path=ppt/slides/slide37.xml><?xml version="1.0" encoding="utf-8"?>
 <p:sld xmlns:a="http://schemas.openxmlformats.org/drawingml/2006/main" xmlns:r="http://schemas.openxmlformats.org/officeDocument/2006/relationships" xmlns:p="http://schemas.openxmlformats.org/presentationml/2006/main">
   <p:cSld>
     <p:spTree>
@@ -8637,19 +8974,19 @@
           <a:lstStyle/>
           <a:p>
             <a:r>
-              <a:rPr lang="pt-BR" dirty="0" smtClean="0"/>
+              <a:rPr lang="pt-BR" dirty="0"/>
               <a:t>ISP – Interface </a:t>
             </a:r>
             <a:r>
-              <a:rPr lang="pt-BR" dirty="0" err="1" smtClean="0"/>
+              <a:rPr lang="pt-BR" dirty="0" err="1"/>
               <a:t>Segregation</a:t>
             </a:r>
             <a:r>
-              <a:rPr lang="pt-BR" dirty="0" smtClean="0"/>
+              <a:rPr lang="pt-BR" dirty="0"/>
               <a:t> </a:t>
             </a:r>
             <a:r>
-              <a:rPr lang="pt-BR" dirty="0" err="1" smtClean="0"/>
+              <a:rPr lang="pt-BR" dirty="0" err="1"/>
               <a:t>Principle</a:t>
             </a:r>
             <a:endParaRPr lang="pt-BR" dirty="0"/>
@@ -8746,17 +9083,10 @@
   <p:clrMapOvr>
     <a:masterClrMapping/>
   </p:clrMapOvr>
-  <p:timing>
-    <p:tnLst>
-      <p:par>
-        <p:cTn id="1" dur="indefinite" restart="never" nodeType="tmRoot"/>
-      </p:par>
-    </p:tnLst>
-  </p:timing>
 </p:sld>
 </file>
 
-<file path=ppt/slides/slide36.xml><?xml version="1.0" encoding="utf-8"?>
+<file path=ppt/slides/slide38.xml><?xml version="1.0" encoding="utf-8"?>
 <p:sld xmlns:a="http://schemas.openxmlformats.org/drawingml/2006/main" xmlns:r="http://schemas.openxmlformats.org/officeDocument/2006/relationships" xmlns:p="http://schemas.openxmlformats.org/presentationml/2006/main">
   <p:cSld>
     <p:spTree>
@@ -8789,19 +9119,19 @@
           <a:lstStyle/>
           <a:p>
             <a:r>
-              <a:rPr lang="pt-BR" dirty="0" smtClean="0"/>
+              <a:rPr lang="pt-BR" dirty="0"/>
               <a:t>ISP – Interface </a:t>
             </a:r>
             <a:r>
-              <a:rPr lang="pt-BR" dirty="0" err="1" smtClean="0"/>
+              <a:rPr lang="pt-BR" dirty="0" err="1"/>
               <a:t>Segregation</a:t>
             </a:r>
             <a:r>
-              <a:rPr lang="pt-BR" dirty="0" smtClean="0"/>
+              <a:rPr lang="pt-BR" dirty="0"/>
               <a:t> </a:t>
             </a:r>
             <a:r>
-              <a:rPr lang="pt-BR" dirty="0" err="1" smtClean="0"/>
+              <a:rPr lang="pt-BR" dirty="0" err="1"/>
               <a:t>Principle</a:t>
             </a:r>
             <a:endParaRPr lang="pt-BR" dirty="0"/>
@@ -8898,17 +9228,10 @@
   <p:clrMapOvr>
     <a:masterClrMapping/>
   </p:clrMapOvr>
-  <p:timing>
-    <p:tnLst>
-      <p:par>
-        <p:cTn id="1" dur="indefinite" restart="never" nodeType="tmRoot"/>
-      </p:par>
-    </p:tnLst>
-  </p:timing>
 </p:sld>
 </file>
 
-<file path=ppt/slides/slide37.xml><?xml version="1.0" encoding="utf-8"?>
+<file path=ppt/slides/slide39.xml><?xml version="1.0" encoding="utf-8"?>
 <p:sld xmlns:a="http://schemas.openxmlformats.org/drawingml/2006/main" xmlns:r="http://schemas.openxmlformats.org/officeDocument/2006/relationships" xmlns:p="http://schemas.openxmlformats.org/presentationml/2006/main">
   <p:cSld>
     <p:spTree>
@@ -8941,19 +9264,19 @@
           <a:lstStyle/>
           <a:p>
             <a:r>
-              <a:rPr lang="pt-BR" dirty="0" smtClean="0"/>
+              <a:rPr lang="pt-BR" dirty="0"/>
               <a:t>ISP – Interface </a:t>
             </a:r>
             <a:r>
-              <a:rPr lang="pt-BR" dirty="0" err="1" smtClean="0"/>
+              <a:rPr lang="pt-BR" dirty="0" err="1"/>
               <a:t>Segregation</a:t>
             </a:r>
             <a:r>
-              <a:rPr lang="pt-BR" dirty="0" smtClean="0"/>
+              <a:rPr lang="pt-BR" dirty="0"/>
               <a:t> </a:t>
             </a:r>
             <a:r>
-              <a:rPr lang="pt-BR" dirty="0" err="1" smtClean="0"/>
+              <a:rPr lang="pt-BR" dirty="0" err="1"/>
               <a:t>Principle</a:t>
             </a:r>
             <a:endParaRPr lang="pt-BR" dirty="0"/>
@@ -8979,7 +9302,7 @@
               <a:buNone/>
             </a:pPr>
             <a:r>
-              <a:rPr lang="pt-BR" dirty="0" smtClean="0"/>
+              <a:rPr lang="pt-BR" dirty="0"/>
               <a:t>Problemas causados pela violação</a:t>
             </a:r>
           </a:p>
@@ -8994,7 +9317,7 @@
               <a:buNone/>
             </a:pPr>
             <a:r>
-              <a:rPr lang="pt-BR" dirty="0" smtClean="0"/>
+              <a:rPr lang="pt-BR" dirty="0"/>
               <a:t>1 – Código desnecessário. </a:t>
             </a:r>
           </a:p>
@@ -9072,17 +9395,10 @@
   <p:clrMapOvr>
     <a:masterClrMapping/>
   </p:clrMapOvr>
-  <p:timing>
-    <p:tnLst>
-      <p:par>
-        <p:cTn id="1" dur="indefinite" restart="never" nodeType="tmRoot"/>
-      </p:par>
-    </p:tnLst>
-  </p:timing>
 </p:sld>
 </file>
 
-<file path=ppt/slides/slide38.xml><?xml version="1.0" encoding="utf-8"?>
+<file path=ppt/slides/slide4.xml><?xml version="1.0" encoding="utf-8"?>
 <p:sld xmlns:a="http://schemas.openxmlformats.org/drawingml/2006/main" xmlns:r="http://schemas.openxmlformats.org/officeDocument/2006/relationships" xmlns:p="http://schemas.openxmlformats.org/presentationml/2006/main">
   <p:cSld>
     <p:spTree>
@@ -9099,6 +9415,251 @@
           <a:chExt cx="0" cy="0"/>
         </a:xfrm>
       </p:grpSpPr>
+      <p:pic>
+        <p:nvPicPr>
+          <p:cNvPr id="4" name="Espaço Reservado para Conteúdo 3"/>
+          <p:cNvPicPr>
+            <a:picLocks noGrp="1" noChangeAspect="1"/>
+          </p:cNvPicPr>
+          <p:nvPr>
+            <p:ph idx="1"/>
+          </p:nvPr>
+        </p:nvPicPr>
+        <p:blipFill>
+          <a:blip r:embed="rId2">
+            <a:extLst>
+              <a:ext uri="{28A0092B-C50C-407E-A947-70E740481C1C}">
+                <a14:useLocalDpi xmlns:a14="http://schemas.microsoft.com/office/drawing/2010/main" val="0"/>
+              </a:ext>
+            </a:extLst>
+          </a:blip>
+          <a:stretch>
+            <a:fillRect/>
+          </a:stretch>
+        </p:blipFill>
+        <p:spPr>
+          <a:xfrm>
+            <a:off x="5459604" y="2486513"/>
+            <a:ext cx="1990296" cy="2578103"/>
+          </a:xfrm>
+        </p:spPr>
+      </p:pic>
+      <p:pic>
+        <p:nvPicPr>
+          <p:cNvPr id="5" name="Imagem 4"/>
+          <p:cNvPicPr>
+            <a:picLocks noChangeAspect="1"/>
+          </p:cNvPicPr>
+          <p:nvPr/>
+        </p:nvPicPr>
+        <p:blipFill>
+          <a:blip r:embed="rId3">
+            <a:extLst>
+              <a:ext uri="{28A0092B-C50C-407E-A947-70E740481C1C}">
+                <a14:useLocalDpi xmlns:a14="http://schemas.microsoft.com/office/drawing/2010/main" val="0"/>
+              </a:ext>
+            </a:extLst>
+          </a:blip>
+          <a:stretch>
+            <a:fillRect/>
+          </a:stretch>
+        </p:blipFill>
+        <p:spPr>
+          <a:xfrm>
+            <a:off x="7602012" y="2437180"/>
+            <a:ext cx="1962101" cy="2617883"/>
+          </a:xfrm>
+          <a:prstGeom prst="rect">
+            <a:avLst/>
+          </a:prstGeom>
+        </p:spPr>
+      </p:pic>
+      <p:pic>
+        <p:nvPicPr>
+          <p:cNvPr id="6" name="Imagem 5"/>
+          <p:cNvPicPr>
+            <a:picLocks noChangeAspect="1"/>
+          </p:cNvPicPr>
+          <p:nvPr/>
+        </p:nvPicPr>
+        <p:blipFill>
+          <a:blip r:embed="rId4">
+            <a:extLst>
+              <a:ext uri="{28A0092B-C50C-407E-A947-70E740481C1C}">
+                <a14:useLocalDpi xmlns:a14="http://schemas.microsoft.com/office/drawing/2010/main" val="0"/>
+              </a:ext>
+            </a:extLst>
+          </a:blip>
+          <a:stretch>
+            <a:fillRect/>
+          </a:stretch>
+        </p:blipFill>
+        <p:spPr>
+          <a:xfrm>
+            <a:off x="3240692" y="2486513"/>
+            <a:ext cx="2040783" cy="2578103"/>
+          </a:xfrm>
+          <a:prstGeom prst="rect">
+            <a:avLst/>
+          </a:prstGeom>
+        </p:spPr>
+      </p:pic>
+      <p:pic>
+        <p:nvPicPr>
+          <p:cNvPr id="7" name="Imagem 6"/>
+          <p:cNvPicPr>
+            <a:picLocks noChangeAspect="1"/>
+          </p:cNvPicPr>
+          <p:nvPr/>
+        </p:nvPicPr>
+        <p:blipFill>
+          <a:blip r:embed="rId5">
+            <a:extLst>
+              <a:ext uri="{28A0092B-C50C-407E-A947-70E740481C1C}">
+                <a14:useLocalDpi xmlns:a14="http://schemas.microsoft.com/office/drawing/2010/main" val="0"/>
+              </a:ext>
+            </a:extLst>
+          </a:blip>
+          <a:stretch>
+            <a:fillRect/>
+          </a:stretch>
+        </p:blipFill>
+        <p:spPr>
+          <a:xfrm>
+            <a:off x="9716225" y="2437180"/>
+            <a:ext cx="1981917" cy="2578103"/>
+          </a:xfrm>
+          <a:prstGeom prst="rect">
+            <a:avLst/>
+          </a:prstGeom>
+        </p:spPr>
+      </p:pic>
+      <p:pic>
+        <p:nvPicPr>
+          <p:cNvPr id="8" name="Imagem 7"/>
+          <p:cNvPicPr>
+            <a:picLocks noChangeAspect="1"/>
+          </p:cNvPicPr>
+          <p:nvPr/>
+        </p:nvPicPr>
+        <p:blipFill>
+          <a:blip r:embed="rId6" cstate="print">
+            <a:extLst>
+              <a:ext uri="{28A0092B-C50C-407E-A947-70E740481C1C}">
+                <a14:useLocalDpi xmlns:a14="http://schemas.microsoft.com/office/drawing/2010/main" val="0"/>
+              </a:ext>
+            </a:extLst>
+          </a:blip>
+          <a:stretch>
+            <a:fillRect/>
+          </a:stretch>
+        </p:blipFill>
+        <p:spPr>
+          <a:xfrm>
+            <a:off x="235309" y="2046464"/>
+            <a:ext cx="2853271" cy="3652187"/>
+          </a:xfrm>
+          <a:prstGeom prst="rect">
+            <a:avLst/>
+          </a:prstGeom>
+        </p:spPr>
+      </p:pic>
+      <p:sp>
+        <p:nvSpPr>
+          <p:cNvPr id="9" name="CaixaDeTexto 8"/>
+          <p:cNvSpPr txBox="1"/>
+          <p:nvPr/>
+        </p:nvSpPr>
+        <p:spPr>
+          <a:xfrm>
+            <a:off x="3999187" y="413607"/>
+            <a:ext cx="5224122" cy="861774"/>
+          </a:xfrm>
+          <a:prstGeom prst="rect">
+            <a:avLst/>
+          </a:prstGeom>
+          <a:noFill/>
+        </p:spPr>
+        <p:txBody>
+          <a:bodyPr wrap="none" rtlCol="0">
+            <a:spAutoFit/>
+          </a:bodyPr>
+          <a:lstStyle/>
+          <a:p>
+            <a:r>
+              <a:rPr lang="pt-BR" sz="3200" dirty="0" err="1"/>
+              <a:t>Uncle</a:t>
+            </a:r>
+            <a:r>
+              <a:rPr lang="pt-BR" sz="3200" dirty="0"/>
+              <a:t> BOB  -  Robert C. Martin</a:t>
+            </a:r>
+          </a:p>
+          <a:p>
+            <a:endParaRPr lang="pt-BR" dirty="0"/>
+          </a:p>
+        </p:txBody>
+      </p:sp>
+      <p:pic>
+        <p:nvPicPr>
+          <p:cNvPr id="10" name="Imagem 9"/>
+          <p:cNvPicPr>
+            <a:picLocks noChangeAspect="1"/>
+          </p:cNvPicPr>
+          <p:nvPr/>
+        </p:nvPicPr>
+        <p:blipFill>
+          <a:blip r:embed="rId7" cstate="print">
+            <a:extLst>
+              <a:ext uri="{28A0092B-C50C-407E-A947-70E740481C1C}">
+                <a14:useLocalDpi xmlns:a14="http://schemas.microsoft.com/office/drawing/2010/main" val="0"/>
+              </a:ext>
+            </a:extLst>
+          </a:blip>
+          <a:stretch>
+            <a:fillRect/>
+          </a:stretch>
+        </p:blipFill>
+        <p:spPr>
+          <a:xfrm>
+            <a:off x="11015002" y="6402549"/>
+            <a:ext cx="1176998" cy="455451"/>
+          </a:xfrm>
+          <a:prstGeom prst="rect">
+            <a:avLst/>
+          </a:prstGeom>
+        </p:spPr>
+      </p:pic>
+    </p:spTree>
+    <p:extLst>
+      <p:ext uri="{BB962C8B-B14F-4D97-AF65-F5344CB8AC3E}">
+        <p14:creationId xmlns:p14="http://schemas.microsoft.com/office/powerpoint/2010/main" val="1288097584"/>
+      </p:ext>
+    </p:extLst>
+  </p:cSld>
+  <p:clrMapOvr>
+    <a:masterClrMapping/>
+  </p:clrMapOvr>
+</p:sld>
+</file>
+
+<file path=ppt/slides/slide40.xml><?xml version="1.0" encoding="utf-8"?>
+<p:sld xmlns:a="http://schemas.openxmlformats.org/drawingml/2006/main" xmlns:r="http://schemas.openxmlformats.org/officeDocument/2006/relationships" xmlns:p="http://schemas.openxmlformats.org/presentationml/2006/main">
+  <p:cSld>
+    <p:spTree>
+      <p:nvGrpSpPr>
+        <p:cNvPr id="1" name=""/>
+        <p:cNvGrpSpPr/>
+        <p:nvPr/>
+      </p:nvGrpSpPr>
+      <p:grpSpPr>
+        <a:xfrm>
+          <a:off x="0" y="0"/>
+          <a:ext cx="0" cy="0"/>
+          <a:chOff x="0" y="0"/>
+          <a:chExt cx="0" cy="0"/>
+        </a:xfrm>
+      </p:grpSpPr>
       <p:sp>
         <p:nvSpPr>
           <p:cNvPr id="4" name="Título 1"/>
@@ -9115,19 +9676,19 @@
           <a:lstStyle/>
           <a:p>
             <a:r>
-              <a:rPr lang="pt-BR" dirty="0" smtClean="0"/>
+              <a:rPr lang="pt-BR" dirty="0"/>
               <a:t>ISP – Interface </a:t>
             </a:r>
             <a:r>
-              <a:rPr lang="pt-BR" dirty="0" err="1" smtClean="0"/>
+              <a:rPr lang="pt-BR" dirty="0" err="1"/>
               <a:t>Segregation</a:t>
             </a:r>
             <a:r>
-              <a:rPr lang="pt-BR" dirty="0" smtClean="0"/>
+              <a:rPr lang="pt-BR" dirty="0"/>
               <a:t> </a:t>
             </a:r>
             <a:r>
-              <a:rPr lang="pt-BR" dirty="0" err="1" smtClean="0"/>
+              <a:rPr lang="pt-BR" dirty="0" err="1"/>
               <a:t>Principle</a:t>
             </a:r>
             <a:endParaRPr lang="pt-BR" dirty="0"/>
@@ -9248,17 +9809,10 @@
   <p:clrMapOvr>
     <a:masterClrMapping/>
   </p:clrMapOvr>
-  <p:timing>
-    <p:tnLst>
-      <p:par>
-        <p:cTn id="1" dur="indefinite" restart="never" nodeType="tmRoot"/>
-      </p:par>
-    </p:tnLst>
-  </p:timing>
 </p:sld>
 </file>
 
-<file path=ppt/slides/slide39.xml><?xml version="1.0" encoding="utf-8"?>
+<file path=ppt/slides/slide41.xml><?xml version="1.0" encoding="utf-8"?>
 <p:sld xmlns:a="http://schemas.openxmlformats.org/drawingml/2006/main" xmlns:r="http://schemas.openxmlformats.org/officeDocument/2006/relationships" xmlns:p="http://schemas.openxmlformats.org/presentationml/2006/main">
   <p:cSld>
     <p:spTree>
@@ -9291,19 +9845,19 @@
           <a:lstStyle/>
           <a:p>
             <a:r>
-              <a:rPr lang="pt-BR" dirty="0" smtClean="0"/>
+              <a:rPr lang="pt-BR" dirty="0"/>
               <a:t>ISP – Interface </a:t>
             </a:r>
             <a:r>
-              <a:rPr lang="pt-BR" dirty="0" err="1" smtClean="0"/>
+              <a:rPr lang="pt-BR" dirty="0" err="1"/>
               <a:t>Segregation</a:t>
             </a:r>
             <a:r>
-              <a:rPr lang="pt-BR" dirty="0" smtClean="0"/>
+              <a:rPr lang="pt-BR" dirty="0"/>
               <a:t> </a:t>
             </a:r>
             <a:r>
-              <a:rPr lang="pt-BR" dirty="0" err="1" smtClean="0"/>
+              <a:rPr lang="pt-BR" dirty="0" err="1"/>
               <a:t>Principle</a:t>
             </a:r>
             <a:endParaRPr lang="pt-BR" dirty="0"/>
@@ -9424,17 +9978,10 @@
   <p:clrMapOvr>
     <a:masterClrMapping/>
   </p:clrMapOvr>
-  <p:timing>
-    <p:tnLst>
-      <p:par>
-        <p:cTn id="1" dur="indefinite" restart="never" nodeType="tmRoot"/>
-      </p:par>
-    </p:tnLst>
-  </p:timing>
 </p:sld>
 </file>
 
-<file path=ppt/slides/slide4.xml><?xml version="1.0" encoding="utf-8"?>
+<file path=ppt/slides/slide42.xml><?xml version="1.0" encoding="utf-8"?>
 <p:sld xmlns:a="http://schemas.openxmlformats.org/drawingml/2006/main" xmlns:r="http://schemas.openxmlformats.org/officeDocument/2006/relationships" xmlns:p="http://schemas.openxmlformats.org/presentationml/2006/main">
   <p:cSld>
     <p:spTree>
@@ -9463,23 +10010,34 @@
         </p:nvSpPr>
         <p:spPr/>
         <p:txBody>
-          <a:bodyPr>
-            <a:normAutofit/>
-          </a:bodyPr>
-          <a:lstStyle/>
-          <a:p>
-            <a:r>
-              <a:rPr lang="pt-BR" dirty="0"/>
-              <a:t>Acrônimo </a:t>
-            </a:r>
-            <a:r>
-              <a:rPr lang="pt-BR" b="1" dirty="0"/>
-              <a:t>S.O.L.I.D</a:t>
-            </a:r>
-            <a:r>
-              <a:rPr lang="pt-BR" dirty="0"/>
-              <a:t> ( mas diz-se SOLID) </a:t>
-            </a:r>
+          <a:bodyPr/>
+          <a:lstStyle/>
+          <a:p>
+            <a:r>
+              <a:rPr lang="pt-BR" dirty="0"/>
+              <a:t>DIP – </a:t>
+            </a:r>
+            <a:r>
+              <a:rPr lang="pt-BR" dirty="0" err="1"/>
+              <a:t>Dependency</a:t>
+            </a:r>
+            <a:r>
+              <a:rPr lang="pt-BR" dirty="0"/>
+              <a:t> </a:t>
+            </a:r>
+            <a:r>
+              <a:rPr lang="pt-BR" dirty="0" err="1"/>
+              <a:t>Inversion</a:t>
+            </a:r>
+            <a:r>
+              <a:rPr lang="pt-BR" dirty="0"/>
+              <a:t> </a:t>
+            </a:r>
+            <a:r>
+              <a:rPr lang="pt-BR" dirty="0" err="1"/>
+              <a:t>Principle</a:t>
+            </a:r>
+            <a:endParaRPr lang="pt-BR" dirty="0"/>
           </a:p>
         </p:txBody>
       </p:sp>
@@ -9495,10 +10053,17 @@
         </p:nvSpPr>
         <p:spPr/>
         <p:txBody>
-          <a:bodyPr>
-            <a:normAutofit fontScale="92500" lnSpcReduction="10000"/>
-          </a:bodyPr>
-          <a:lstStyle/>
+          <a:bodyPr/>
+          <a:lstStyle/>
+          <a:p>
+            <a:pPr marL="0" indent="0">
+              <a:buNone/>
+            </a:pPr>
+            <a:r>
+              <a:rPr lang="pt-BR" dirty="0"/>
+              <a:t>“ Módulos de alto nível não devem depender de módulos de baixo nível. Mas ambos devem depender de abstrações”.</a:t>
+            </a:r>
+          </a:p>
           <a:p>
             <a:pPr marL="0" indent="0">
               <a:buNone/>
@@ -9506,193 +10071,28 @@
             <a:endParaRPr lang="pt-BR" dirty="0"/>
           </a:p>
           <a:p>
-            <a:pPr>
-              <a:lnSpc>
-                <a:spcPct val="200000"/>
-              </a:lnSpc>
+            <a:pPr marL="0" indent="0">
+              <a:buNone/>
             </a:pPr>
             <a:r>
-              <a:rPr lang="pt-BR" b="1" dirty="0" smtClean="0"/>
-              <a:t>SRP</a:t>
-            </a:r>
-            <a:r>
-              <a:rPr lang="pt-BR" dirty="0" smtClean="0"/>
-              <a:t> - Single </a:t>
-            </a:r>
-            <a:r>
-              <a:rPr lang="pt-BR" dirty="0" err="1" smtClean="0"/>
-              <a:t>Responsability</a:t>
-            </a:r>
-            <a:r>
-              <a:rPr lang="pt-BR" dirty="0" smtClean="0"/>
-              <a:t> </a:t>
-            </a:r>
-            <a:r>
-              <a:rPr lang="pt-BR" dirty="0" err="1" smtClean="0"/>
-              <a:t>Principle</a:t>
-            </a:r>
-            <a:r>
-              <a:rPr lang="pt-BR" dirty="0" smtClean="0"/>
-              <a:t> (Principio da Responsabilidade única)</a:t>
-            </a:r>
-            <a:endParaRPr lang="pt-BR" dirty="0"/>
-          </a:p>
-          <a:p>
-            <a:pPr>
-              <a:lnSpc>
-                <a:spcPct val="200000"/>
-              </a:lnSpc>
-            </a:pPr>
-            <a:r>
-              <a:rPr lang="pt-BR" b="1" dirty="0" smtClean="0"/>
-              <a:t>OCP</a:t>
-            </a:r>
-            <a:r>
-              <a:rPr lang="pt-BR" dirty="0" smtClean="0"/>
-              <a:t> – Open/</a:t>
-            </a:r>
-            <a:r>
-              <a:rPr lang="pt-BR" dirty="0" err="1" smtClean="0"/>
-              <a:t>Closed</a:t>
-            </a:r>
-            <a:r>
-              <a:rPr lang="pt-BR" dirty="0" smtClean="0"/>
-              <a:t> </a:t>
-            </a:r>
-            <a:r>
-              <a:rPr lang="pt-BR" dirty="0" err="1" smtClean="0"/>
-              <a:t>Principle</a:t>
-            </a:r>
-            <a:r>
-              <a:rPr lang="pt-BR" dirty="0" smtClean="0"/>
-              <a:t> (Principio do Aberto/Fechado)</a:t>
-            </a:r>
-            <a:endParaRPr lang="pt-BR" dirty="0"/>
-          </a:p>
-          <a:p>
-            <a:pPr>
-              <a:lnSpc>
-                <a:spcPct val="200000"/>
-              </a:lnSpc>
-            </a:pPr>
-            <a:r>
-              <a:rPr lang="pt-BR" b="1" dirty="0" smtClean="0"/>
-              <a:t>LSP</a:t>
-            </a:r>
-            <a:r>
-              <a:rPr lang="pt-BR" dirty="0" smtClean="0"/>
-              <a:t> – </a:t>
-            </a:r>
-            <a:r>
-              <a:rPr lang="pt-BR" dirty="0" err="1" smtClean="0"/>
-              <a:t>Liskov</a:t>
-            </a:r>
-            <a:r>
-              <a:rPr lang="pt-BR" dirty="0" smtClean="0"/>
-              <a:t> </a:t>
-            </a:r>
-            <a:r>
-              <a:rPr lang="pt-BR" dirty="0" err="1" smtClean="0"/>
-              <a:t>Subistitution</a:t>
-            </a:r>
-            <a:r>
-              <a:rPr lang="pt-BR" dirty="0" smtClean="0"/>
-              <a:t> </a:t>
-            </a:r>
-            <a:r>
-              <a:rPr lang="pt-BR" dirty="0" err="1" smtClean="0"/>
-              <a:t>Principle</a:t>
-            </a:r>
-            <a:r>
-              <a:rPr lang="pt-BR" dirty="0" smtClean="0"/>
-              <a:t> (Principio de Substituição de </a:t>
-            </a:r>
-            <a:r>
-              <a:rPr lang="pt-BR" dirty="0" err="1" smtClean="0"/>
-              <a:t>Liskov</a:t>
-            </a:r>
-            <a:r>
-              <a:rPr lang="pt-BR" dirty="0" smtClean="0"/>
-              <a:t>)</a:t>
-            </a:r>
-          </a:p>
-          <a:p>
-            <a:pPr>
-              <a:lnSpc>
-                <a:spcPct val="200000"/>
-              </a:lnSpc>
-            </a:pPr>
-            <a:r>
-              <a:rPr lang="pt-BR" b="1" dirty="0" smtClean="0"/>
-              <a:t>ISP</a:t>
-            </a:r>
-            <a:r>
-              <a:rPr lang="pt-BR" dirty="0" smtClean="0"/>
-              <a:t> – Interface </a:t>
-            </a:r>
-            <a:r>
-              <a:rPr lang="pt-BR" dirty="0" err="1" smtClean="0"/>
-              <a:t>Segregation</a:t>
-            </a:r>
-            <a:r>
-              <a:rPr lang="pt-BR" dirty="0" smtClean="0"/>
-              <a:t> </a:t>
-            </a:r>
-            <a:r>
-              <a:rPr lang="pt-BR" dirty="0" err="1" smtClean="0"/>
-              <a:t>Principle</a:t>
-            </a:r>
-            <a:r>
-              <a:rPr lang="pt-BR" dirty="0" smtClean="0"/>
-              <a:t> ( Principio da Segregação de Interfaces)</a:t>
-            </a:r>
-            <a:endParaRPr lang="pt-BR" dirty="0"/>
-          </a:p>
-          <a:p>
-            <a:pPr>
-              <a:lnSpc>
-                <a:spcPct val="200000"/>
-              </a:lnSpc>
-            </a:pPr>
-            <a:r>
-              <a:rPr lang="pt-BR" b="1" dirty="0" smtClean="0"/>
-              <a:t>DIP</a:t>
-            </a:r>
-            <a:r>
-              <a:rPr lang="pt-BR" dirty="0" smtClean="0"/>
-              <a:t> – </a:t>
-            </a:r>
-            <a:r>
-              <a:rPr lang="pt-BR" dirty="0" err="1" smtClean="0"/>
-              <a:t>Dependency</a:t>
-            </a:r>
-            <a:r>
-              <a:rPr lang="pt-BR" dirty="0" smtClean="0"/>
-              <a:t> </a:t>
-            </a:r>
-            <a:r>
-              <a:rPr lang="pt-BR" dirty="0" err="1" smtClean="0"/>
-              <a:t>Inversion</a:t>
-            </a:r>
-            <a:r>
-              <a:rPr lang="pt-BR" dirty="0" smtClean="0"/>
-              <a:t> </a:t>
-            </a:r>
-            <a:r>
-              <a:rPr lang="pt-BR" dirty="0" err="1" smtClean="0"/>
-              <a:t>Principle</a:t>
-            </a:r>
-            <a:r>
-              <a:rPr lang="pt-BR" dirty="0" smtClean="0"/>
-              <a:t> (Principio da Inversão de dependência)</a:t>
-            </a:r>
-            <a:endParaRPr lang="pt-BR" dirty="0"/>
+              <a:rPr lang="pt-BR" dirty="0"/>
+              <a:t>“Abstrações não devem depender de detalhes, detalhes devem depender de abstrações”.</a:t>
+            </a:r>
           </a:p>
           <a:p>
             <a:pPr marL="0" indent="0">
               <a:buNone/>
             </a:pPr>
             <a:endParaRPr lang="pt-BR" dirty="0"/>
+          </a:p>
+          <a:p>
+            <a:pPr marL="0" indent="0">
+              <a:buNone/>
+            </a:pPr>
+            <a:r>
+              <a:rPr lang="pt-BR" dirty="0"/>
+              <a:t>“Dependa de uma abstração e não de uma implementação”.</a:t>
+            </a:r>
           </a:p>
         </p:txBody>
       </p:sp>
@@ -9729,24 +10129,17 @@
     </p:spTree>
     <p:extLst>
       <p:ext uri="{BB962C8B-B14F-4D97-AF65-F5344CB8AC3E}">
-        <p14:creationId xmlns:p14="http://schemas.microsoft.com/office/powerpoint/2010/main" val="629700163"/>
+        <p14:creationId xmlns:p14="http://schemas.microsoft.com/office/powerpoint/2010/main" val="3765886142"/>
       </p:ext>
     </p:extLst>
   </p:cSld>
   <p:clrMapOvr>
     <a:masterClrMapping/>
   </p:clrMapOvr>
-  <p:timing>
-    <p:tnLst>
-      <p:par>
-        <p:cTn id="1" dur="indefinite" restart="never" nodeType="tmRoot"/>
-      </p:par>
-    </p:tnLst>
-  </p:timing>
 </p:sld>
 </file>
 
-<file path=ppt/slides/slide40.xml><?xml version="1.0" encoding="utf-8"?>
+<file path=ppt/slides/slide43.xml><?xml version="1.0" encoding="utf-8"?>
 <p:sld xmlns:a="http://schemas.openxmlformats.org/drawingml/2006/main" xmlns:r="http://schemas.openxmlformats.org/officeDocument/2006/relationships" xmlns:p="http://schemas.openxmlformats.org/presentationml/2006/main">
   <p:cSld>
     <p:spTree>
@@ -9779,193 +10172,27 @@
           <a:lstStyle/>
           <a:p>
             <a:r>
-              <a:rPr lang="pt-BR" dirty="0" smtClean="0"/>
+              <a:rPr lang="pt-BR" dirty="0"/>
               <a:t>DIP – </a:t>
             </a:r>
             <a:r>
-              <a:rPr lang="pt-BR" dirty="0" err="1" smtClean="0"/>
+              <a:rPr lang="pt-BR" dirty="0" err="1"/>
               <a:t>Dependency</a:t>
             </a:r>
             <a:r>
-              <a:rPr lang="pt-BR" dirty="0" smtClean="0"/>
+              <a:rPr lang="pt-BR" dirty="0"/>
               <a:t> </a:t>
             </a:r>
             <a:r>
-              <a:rPr lang="pt-BR" dirty="0" err="1" smtClean="0"/>
+              <a:rPr lang="pt-BR" dirty="0" err="1"/>
               <a:t>Inversion</a:t>
             </a:r>
             <a:r>
-              <a:rPr lang="pt-BR" dirty="0" smtClean="0"/>
+              <a:rPr lang="pt-BR" dirty="0"/>
               <a:t> </a:t>
             </a:r>
             <a:r>
-              <a:rPr lang="pt-BR" dirty="0" err="1" smtClean="0"/>
-              <a:t>Principle</a:t>
-            </a:r>
-            <a:endParaRPr lang="pt-BR" dirty="0"/>
-          </a:p>
-        </p:txBody>
-      </p:sp>
-      <p:sp>
-        <p:nvSpPr>
-          <p:cNvPr id="3" name="Espaço Reservado para Conteúdo 2"/>
-          <p:cNvSpPr>
-            <a:spLocks noGrp="1"/>
-          </p:cNvSpPr>
-          <p:nvPr>
-            <p:ph idx="1"/>
-          </p:nvPr>
-        </p:nvSpPr>
-        <p:spPr/>
-        <p:txBody>
-          <a:bodyPr/>
-          <a:lstStyle/>
-          <a:p>
-            <a:pPr marL="0" indent="0">
-              <a:buNone/>
-            </a:pPr>
-            <a:r>
-              <a:rPr lang="pt-BR" dirty="0" smtClean="0"/>
-              <a:t>“ Módulos de alto nível não devem depender de módulos de baixo nível. Mas ambos devem depender de abstrações”.</a:t>
-            </a:r>
-          </a:p>
-          <a:p>
-            <a:pPr marL="0" indent="0">
-              <a:buNone/>
-            </a:pPr>
-            <a:endParaRPr lang="pt-BR" dirty="0" smtClean="0"/>
-          </a:p>
-          <a:p>
-            <a:pPr marL="0" indent="0">
-              <a:buNone/>
-            </a:pPr>
-            <a:r>
-              <a:rPr lang="pt-BR" dirty="0" smtClean="0"/>
-              <a:t>“Abstrações não devem depender de detalhes, detalhes devem depender de abstrações”.</a:t>
-            </a:r>
-          </a:p>
-          <a:p>
-            <a:pPr marL="0" indent="0">
-              <a:buNone/>
-            </a:pPr>
-            <a:endParaRPr lang="pt-BR" dirty="0" smtClean="0"/>
-          </a:p>
-          <a:p>
-            <a:pPr marL="0" indent="0">
-              <a:buNone/>
-            </a:pPr>
-            <a:r>
-              <a:rPr lang="pt-BR" dirty="0" smtClean="0"/>
-              <a:t>“Dependa de uma abstração e não de uma implementação”.</a:t>
-            </a:r>
-            <a:endParaRPr lang="pt-BR" dirty="0"/>
-          </a:p>
-        </p:txBody>
-      </p:sp>
-      <p:pic>
-        <p:nvPicPr>
-          <p:cNvPr id="4" name="Imagem 3"/>
-          <p:cNvPicPr>
-            <a:picLocks noChangeAspect="1"/>
-          </p:cNvPicPr>
-          <p:nvPr/>
-        </p:nvPicPr>
-        <p:blipFill>
-          <a:blip r:embed="rId2" cstate="print">
-            <a:extLst>
-              <a:ext uri="{28A0092B-C50C-407E-A947-70E740481C1C}">
-                <a14:useLocalDpi xmlns:a14="http://schemas.microsoft.com/office/drawing/2010/main" val="0"/>
-              </a:ext>
-            </a:extLst>
-          </a:blip>
-          <a:stretch>
-            <a:fillRect/>
-          </a:stretch>
-        </p:blipFill>
-        <p:spPr>
-          <a:xfrm>
-            <a:off x="11015002" y="6402549"/>
-            <a:ext cx="1176998" cy="455451"/>
-          </a:xfrm>
-          <a:prstGeom prst="rect">
-            <a:avLst/>
-          </a:prstGeom>
-        </p:spPr>
-      </p:pic>
-    </p:spTree>
-    <p:extLst>
-      <p:ext uri="{BB962C8B-B14F-4D97-AF65-F5344CB8AC3E}">
-        <p14:creationId xmlns:p14="http://schemas.microsoft.com/office/powerpoint/2010/main" val="3765886142"/>
-      </p:ext>
-    </p:extLst>
-  </p:cSld>
-  <p:clrMapOvr>
-    <a:masterClrMapping/>
-  </p:clrMapOvr>
-  <p:timing>
-    <p:tnLst>
-      <p:par>
-        <p:cTn id="1" dur="indefinite" restart="never" nodeType="tmRoot"/>
-      </p:par>
-    </p:tnLst>
-  </p:timing>
-</p:sld>
-</file>
-
-<file path=ppt/slides/slide41.xml><?xml version="1.0" encoding="utf-8"?>
-<p:sld xmlns:a="http://schemas.openxmlformats.org/drawingml/2006/main" xmlns:r="http://schemas.openxmlformats.org/officeDocument/2006/relationships" xmlns:p="http://schemas.openxmlformats.org/presentationml/2006/main">
-  <p:cSld>
-    <p:spTree>
-      <p:nvGrpSpPr>
-        <p:cNvPr id="1" name=""/>
-        <p:cNvGrpSpPr/>
-        <p:nvPr/>
-      </p:nvGrpSpPr>
-      <p:grpSpPr>
-        <a:xfrm>
-          <a:off x="0" y="0"/>
-          <a:ext cx="0" cy="0"/>
-          <a:chOff x="0" y="0"/>
-          <a:chExt cx="0" cy="0"/>
-        </a:xfrm>
-      </p:grpSpPr>
-      <p:sp>
-        <p:nvSpPr>
-          <p:cNvPr id="2" name="Título 1"/>
-          <p:cNvSpPr>
-            <a:spLocks noGrp="1"/>
-          </p:cNvSpPr>
-          <p:nvPr>
-            <p:ph type="title"/>
-          </p:nvPr>
-        </p:nvSpPr>
-        <p:spPr/>
-        <p:txBody>
-          <a:bodyPr/>
-          <a:lstStyle/>
-          <a:p>
-            <a:r>
-              <a:rPr lang="pt-BR" dirty="0" smtClean="0"/>
-              <a:t>DIP – </a:t>
-            </a:r>
-            <a:r>
-              <a:rPr lang="pt-BR" dirty="0" err="1" smtClean="0"/>
-              <a:t>Dependency</a:t>
-            </a:r>
-            <a:r>
-              <a:rPr lang="pt-BR" dirty="0" smtClean="0"/>
-              <a:t> </a:t>
-            </a:r>
-            <a:r>
-              <a:rPr lang="pt-BR" dirty="0" err="1" smtClean="0"/>
-              <a:t>Inversion</a:t>
-            </a:r>
-            <a:r>
-              <a:rPr lang="pt-BR" dirty="0" smtClean="0"/>
-              <a:t> </a:t>
-            </a:r>
-            <a:r>
-              <a:rPr lang="pt-BR" dirty="0" err="1" smtClean="0"/>
+              <a:rPr lang="pt-BR" dirty="0" err="1"/>
               <a:t>Principle</a:t>
             </a:r>
             <a:endParaRPr lang="pt-BR" dirty="0"/>
@@ -10036,17 +10263,10 @@
   <p:clrMapOvr>
     <a:masterClrMapping/>
   </p:clrMapOvr>
-  <p:timing>
-    <p:tnLst>
-      <p:par>
-        <p:cTn id="1" dur="indefinite" restart="never" nodeType="tmRoot"/>
-      </p:par>
-    </p:tnLst>
-  </p:timing>
 </p:sld>
 </file>
 
-<file path=ppt/slides/slide42.xml><?xml version="1.0" encoding="utf-8"?>
+<file path=ppt/slides/slide44.xml><?xml version="1.0" encoding="utf-8"?>
 <p:sld xmlns:a="http://schemas.openxmlformats.org/drawingml/2006/main" xmlns:r="http://schemas.openxmlformats.org/officeDocument/2006/relationships" xmlns:p="http://schemas.openxmlformats.org/presentationml/2006/main">
   <p:cSld>
     <p:spTree>
@@ -10125,7 +10345,7 @@
               <a:buNone/>
             </a:pPr>
             <a:r>
-              <a:rPr lang="pt-BR" dirty="0" smtClean="0"/>
+              <a:rPr lang="pt-BR" dirty="0"/>
               <a:t>Problemas ao não usar DIP</a:t>
             </a:r>
           </a:p>
@@ -10140,7 +10360,7 @@
               <a:buNone/>
             </a:pPr>
             <a:r>
-              <a:rPr lang="pt-BR" dirty="0" smtClean="0"/>
+              <a:rPr lang="pt-BR" dirty="0"/>
               <a:t>1 – Camadas superiores devem conhecer as implementações de camadas inferiores</a:t>
             </a:r>
           </a:p>
@@ -10149,7 +10369,7 @@
               <a:buNone/>
             </a:pPr>
             <a:r>
-              <a:rPr lang="pt-BR" dirty="0" smtClean="0"/>
+              <a:rPr lang="pt-BR" dirty="0"/>
               <a:t>2 – Acoplamento</a:t>
             </a:r>
           </a:p>
@@ -10158,7 +10378,7 @@
               <a:buNone/>
             </a:pPr>
             <a:r>
-              <a:rPr lang="pt-BR" dirty="0" smtClean="0"/>
+              <a:rPr lang="pt-BR" dirty="0"/>
               <a:t>3 – Custo elevado de manutenção</a:t>
             </a:r>
           </a:p>
@@ -10167,10 +10387,9 @@
               <a:buNone/>
             </a:pPr>
             <a:r>
-              <a:rPr lang="pt-BR" dirty="0" smtClean="0"/>
+              <a:rPr lang="pt-BR" dirty="0"/>
               <a:t>4 – Falta de flexibilidade </a:t>
             </a:r>
-            <a:endParaRPr lang="pt-BR" dirty="0"/>
           </a:p>
         </p:txBody>
       </p:sp>
@@ -10214,17 +10433,10 @@
   <p:clrMapOvr>
     <a:masterClrMapping/>
   </p:clrMapOvr>
-  <p:timing>
-    <p:tnLst>
-      <p:par>
-        <p:cTn id="1" dur="indefinite" restart="never" nodeType="tmRoot"/>
-      </p:par>
-    </p:tnLst>
-  </p:timing>
 </p:sld>
 </file>
 
-<file path=ppt/slides/slide43.xml><?xml version="1.0" encoding="utf-8"?>
+<file path=ppt/slides/slide45.xml><?xml version="1.0" encoding="utf-8"?>
 <p:sld xmlns:a="http://schemas.openxmlformats.org/drawingml/2006/main" xmlns:r="http://schemas.openxmlformats.org/officeDocument/2006/relationships" xmlns:p="http://schemas.openxmlformats.org/presentationml/2006/main">
   <p:cSld>
     <p:spTree>
@@ -10257,27 +10469,27 @@
           <a:lstStyle/>
           <a:p>
             <a:r>
-              <a:rPr lang="pt-BR" dirty="0" smtClean="0"/>
+              <a:rPr lang="pt-BR" dirty="0"/>
               <a:t>DIP – </a:t>
             </a:r>
             <a:r>
-              <a:rPr lang="pt-BR" dirty="0" err="1" smtClean="0"/>
+              <a:rPr lang="pt-BR" dirty="0" err="1"/>
               <a:t>Dependency</a:t>
             </a:r>
             <a:r>
-              <a:rPr lang="pt-BR" dirty="0" smtClean="0"/>
+              <a:rPr lang="pt-BR" dirty="0"/>
               <a:t> </a:t>
             </a:r>
             <a:r>
-              <a:rPr lang="pt-BR" dirty="0" err="1" smtClean="0"/>
+              <a:rPr lang="pt-BR" dirty="0" err="1"/>
               <a:t>Inversion</a:t>
             </a:r>
             <a:r>
-              <a:rPr lang="pt-BR" dirty="0" smtClean="0"/>
+              <a:rPr lang="pt-BR" dirty="0"/>
               <a:t> </a:t>
             </a:r>
             <a:r>
-              <a:rPr lang="pt-BR" dirty="0" err="1" smtClean="0"/>
+              <a:rPr lang="pt-BR" dirty="0" err="1"/>
               <a:t>Principle</a:t>
             </a:r>
             <a:endParaRPr lang="pt-BR" dirty="0"/>
@@ -10325,7 +10537,7 @@
           <a:p>
             <a:pPr algn="ctr"/>
             <a:r>
-              <a:rPr lang="pt-BR" dirty="0" smtClean="0"/>
+              <a:rPr lang="pt-BR" dirty="0"/>
               <a:t>Aplicação</a:t>
             </a:r>
           </a:p>
@@ -10372,10 +10584,10 @@
           <a:p>
             <a:pPr algn="ctr"/>
             <a:r>
-              <a:rPr lang="pt-BR" dirty="0" err="1" smtClean="0"/>
+              <a:rPr lang="pt-BR" dirty="0" err="1"/>
               <a:t>InterfaceBD</a:t>
             </a:r>
-            <a:endParaRPr lang="pt-BR" dirty="0" smtClean="0"/>
+            <a:endParaRPr lang="pt-BR" dirty="0"/>
           </a:p>
         </p:txBody>
       </p:sp>
@@ -10420,10 +10632,10 @@
           <a:p>
             <a:pPr algn="ctr"/>
             <a:r>
-              <a:rPr lang="pt-BR" dirty="0" err="1" smtClean="0"/>
+              <a:rPr lang="pt-BR" dirty="0" err="1"/>
               <a:t>MongoDB</a:t>
             </a:r>
-            <a:endParaRPr lang="pt-BR" dirty="0" smtClean="0"/>
+            <a:endParaRPr lang="pt-BR" dirty="0"/>
           </a:p>
         </p:txBody>
       </p:sp>
@@ -10468,7 +10680,7 @@
           <a:p>
             <a:pPr algn="ctr"/>
             <a:r>
-              <a:rPr lang="pt-BR" dirty="0" smtClean="0"/>
+              <a:rPr lang="pt-BR" dirty="0"/>
               <a:t>Oracle</a:t>
             </a:r>
           </a:p>
@@ -10515,10 +10727,9 @@
           <a:p>
             <a:pPr algn="ctr"/>
             <a:r>
-              <a:rPr lang="pt-BR" dirty="0" smtClean="0"/>
+              <a:rPr lang="pt-BR" dirty="0"/>
               <a:t>implementa</a:t>
             </a:r>
-            <a:endParaRPr lang="pt-BR" dirty="0"/>
           </a:p>
         </p:txBody>
       </p:sp>
@@ -10563,10 +10774,9 @@
           <a:p>
             <a:pPr algn="ctr"/>
             <a:r>
-              <a:rPr lang="pt-BR" dirty="0" smtClean="0"/>
+              <a:rPr lang="pt-BR" dirty="0"/>
               <a:t>implementa</a:t>
             </a:r>
-            <a:endParaRPr lang="pt-BR" dirty="0"/>
           </a:p>
         </p:txBody>
       </p:sp>
@@ -10611,10 +10821,9 @@
           <a:p>
             <a:pPr algn="ctr"/>
             <a:r>
-              <a:rPr lang="pt-BR" dirty="0" smtClean="0"/>
+              <a:rPr lang="pt-BR" dirty="0"/>
               <a:t>implementa</a:t>
             </a:r>
-            <a:endParaRPr lang="pt-BR" dirty="0"/>
           </a:p>
         </p:txBody>
       </p:sp>
@@ -10659,10 +10868,9 @@
           <a:p>
             <a:pPr algn="ctr"/>
             <a:r>
-              <a:rPr lang="pt-BR" dirty="0" smtClean="0"/>
+              <a:rPr lang="pt-BR" dirty="0"/>
               <a:t>SLQ Server</a:t>
             </a:r>
-            <a:endParaRPr lang="pt-BR" dirty="0"/>
           </a:p>
         </p:txBody>
       </p:sp>
@@ -11211,7 +11419,7 @@
 </p:sld>
 </file>
 
-<file path=ppt/slides/slide44.xml><?xml version="1.0" encoding="utf-8"?>
+<file path=ppt/slides/slide46.xml><?xml version="1.0" encoding="utf-8"?>
 <p:sld xmlns:a="http://schemas.openxmlformats.org/drawingml/2006/main" xmlns:r="http://schemas.openxmlformats.org/officeDocument/2006/relationships" xmlns:p="http://schemas.openxmlformats.org/presentationml/2006/main">
   <p:cSld>
     <p:spTree>
@@ -11292,7 +11500,7 @@
               <a:buNone/>
             </a:pPr>
             <a:r>
-              <a:rPr lang="pt-BR" dirty="0" smtClean="0"/>
+              <a:rPr lang="pt-BR" dirty="0"/>
               <a:t>IOC containers</a:t>
             </a:r>
           </a:p>
@@ -11305,15 +11513,15 @@
               <a:buChar char="•"/>
             </a:pPr>
             <a:r>
-              <a:rPr lang="pt-BR" dirty="0" smtClean="0"/>
+              <a:rPr lang="pt-BR" dirty="0"/>
               <a:t>  </a:t>
             </a:r>
             <a:r>
-              <a:rPr lang="pt-BR" dirty="0" err="1" smtClean="0"/>
+              <a:rPr lang="pt-BR" dirty="0" err="1"/>
               <a:t>Castle</a:t>
             </a:r>
             <a:r>
-              <a:rPr lang="pt-BR" dirty="0" smtClean="0"/>
+              <a:rPr lang="pt-BR" dirty="0"/>
               <a:t> Windsor</a:t>
             </a:r>
           </a:p>
@@ -11323,15 +11531,15 @@
               <a:buChar char="•"/>
             </a:pPr>
             <a:r>
-              <a:rPr lang="pt-BR" dirty="0" smtClean="0"/>
+              <a:rPr lang="pt-BR" dirty="0"/>
               <a:t>  </a:t>
             </a:r>
             <a:r>
-              <a:rPr lang="pt-BR" dirty="0" err="1" smtClean="0"/>
+              <a:rPr lang="pt-BR" dirty="0" err="1"/>
               <a:t>Ninject</a:t>
             </a:r>
             <a:r>
-              <a:rPr lang="pt-BR" dirty="0" smtClean="0"/>
+              <a:rPr lang="pt-BR" dirty="0"/>
               <a:t> </a:t>
             </a:r>
           </a:p>
@@ -11341,22 +11549,22 @@
               <a:buChar char="•"/>
             </a:pPr>
             <a:r>
-              <a:rPr lang="pt-BR" dirty="0" smtClean="0"/>
+              <a:rPr lang="pt-BR" dirty="0"/>
               <a:t>  </a:t>
             </a:r>
             <a:r>
-              <a:rPr lang="pt-BR" dirty="0" err="1" smtClean="0"/>
+              <a:rPr lang="pt-BR" dirty="0" err="1"/>
               <a:t>Simple</a:t>
             </a:r>
             <a:r>
-              <a:rPr lang="pt-BR" dirty="0" smtClean="0"/>
+              <a:rPr lang="pt-BR" dirty="0"/>
               <a:t> </a:t>
             </a:r>
             <a:r>
-              <a:rPr lang="pt-BR" dirty="0" err="1" smtClean="0"/>
+              <a:rPr lang="pt-BR" dirty="0" err="1"/>
               <a:t>Injector</a:t>
             </a:r>
-            <a:endParaRPr lang="pt-BR" dirty="0" smtClean="0"/>
+            <a:endParaRPr lang="pt-BR" dirty="0"/>
           </a:p>
           <a:p>
             <a:pPr>
@@ -11364,14 +11572,14 @@
               <a:buChar char="•"/>
             </a:pPr>
             <a:r>
-              <a:rPr lang="pt-BR" dirty="0" smtClean="0"/>
+              <a:rPr lang="pt-BR" dirty="0"/>
               <a:t>  </a:t>
             </a:r>
             <a:r>
-              <a:rPr lang="pt-BR" dirty="0" err="1" smtClean="0"/>
+              <a:rPr lang="pt-BR" dirty="0" err="1"/>
               <a:t>DryIoc</a:t>
             </a:r>
-            <a:endParaRPr lang="pt-BR" dirty="0" smtClean="0"/>
+            <a:endParaRPr lang="pt-BR" dirty="0"/>
           </a:p>
           <a:p>
             <a:pPr>
@@ -11380,20 +11588,16 @@
             </a:pPr>
             <a:r>
               <a:rPr lang="pt-BR" dirty="0"/>
-              <a:t> </a:t>
-            </a:r>
-            <a:r>
-              <a:rPr lang="pt-BR" dirty="0" smtClean="0"/>
-              <a:t> </a:t>
-            </a:r>
-            <a:r>
-              <a:rPr lang="pt-BR" dirty="0" err="1" smtClean="0"/>
+              <a:t>  </a:t>
+            </a:r>
+            <a:r>
+              <a:rPr lang="pt-BR" dirty="0" err="1"/>
               <a:t>LightInject</a:t>
             </a:r>
-            <a:endParaRPr lang="pt-BR" dirty="0" smtClean="0"/>
-          </a:p>
-          <a:p>
-            <a:endParaRPr lang="pt-BR" dirty="0" smtClean="0"/>
+            <a:endParaRPr lang="pt-BR" dirty="0"/>
+          </a:p>
+          <a:p>
+            <a:endParaRPr lang="pt-BR" dirty="0"/>
           </a:p>
         </p:txBody>
       </p:sp>
@@ -11437,17 +11641,10 @@
   <p:clrMapOvr>
     <a:masterClrMapping/>
   </p:clrMapOvr>
-  <p:timing>
-    <p:tnLst>
-      <p:par>
-        <p:cTn id="1" dur="indefinite" restart="never" nodeType="tmRoot"/>
-      </p:par>
-    </p:tnLst>
-  </p:timing>
 </p:sld>
 </file>
 
-<file path=ppt/slides/slide45.xml><?xml version="1.0" encoding="utf-8"?>
+<file path=ppt/slides/slide47.xml><?xml version="1.0" encoding="utf-8"?>
 <p:sld xmlns:a="http://schemas.openxmlformats.org/drawingml/2006/main" xmlns:r="http://schemas.openxmlformats.org/officeDocument/2006/relationships" xmlns:p="http://schemas.openxmlformats.org/presentationml/2006/main">
   <p:cSld>
     <p:spTree>
@@ -11480,10 +11677,9 @@
           <a:lstStyle/>
           <a:p>
             <a:r>
-              <a:rPr lang="pt-BR" dirty="0" smtClean="0"/>
+              <a:rPr lang="pt-BR" dirty="0"/>
               <a:t>Finalizando sobre S.O.L.I.D</a:t>
             </a:r>
-            <a:endParaRPr lang="pt-BR" dirty="0"/>
           </a:p>
         </p:txBody>
       </p:sp>
@@ -11527,17 +11723,10 @@
   <p:clrMapOvr>
     <a:masterClrMapping/>
   </p:clrMapOvr>
-  <p:timing>
-    <p:tnLst>
-      <p:par>
-        <p:cTn id="1" dur="indefinite" restart="never" nodeType="tmRoot"/>
-      </p:par>
-    </p:tnLst>
-  </p:timing>
 </p:sld>
 </file>
 
-<file path=ppt/slides/slide46.xml><?xml version="1.0" encoding="utf-8"?>
+<file path=ppt/slides/slide48.xml><?xml version="1.0" encoding="utf-8"?>
 <p:sld xmlns:a="http://schemas.openxmlformats.org/drawingml/2006/main" xmlns:r="http://schemas.openxmlformats.org/officeDocument/2006/relationships" xmlns:p="http://schemas.openxmlformats.org/presentationml/2006/main">
   <p:cSld>
     <p:spTree>
@@ -11570,10 +11759,9 @@
           <a:lstStyle/>
           <a:p>
             <a:r>
-              <a:rPr lang="pt-BR" dirty="0" smtClean="0"/>
+              <a:rPr lang="pt-BR" dirty="0"/>
               <a:t>Benefícios</a:t>
             </a:r>
-            <a:endParaRPr lang="pt-BR" dirty="0"/>
           </a:p>
         </p:txBody>
       </p:sp>
@@ -11593,57 +11781,56 @@
           <a:lstStyle/>
           <a:p>
             <a:r>
-              <a:rPr lang="pt-BR" dirty="0" smtClean="0"/>
+              <a:rPr lang="pt-BR" dirty="0"/>
               <a:t>Você realmente irá programar O.O.</a:t>
             </a:r>
+          </a:p>
+          <a:p>
+            <a:r>
+              <a:rPr lang="pt-BR" dirty="0"/>
+              <a:t>Redução da complexidade </a:t>
+            </a:r>
+            <a:r>
+              <a:rPr lang="pt-BR" dirty="0" err="1"/>
+              <a:t>ciclomática</a:t>
+            </a:r>
+            <a:r>
+              <a:rPr lang="pt-BR" dirty="0"/>
+              <a:t> </a:t>
+            </a:r>
+          </a:p>
+          <a:p>
+            <a:r>
+              <a:rPr lang="pt-BR" dirty="0"/>
+              <a:t>Manutenção em ponto específico do projeto</a:t>
+            </a:r>
+          </a:p>
+          <a:p>
+            <a:r>
+              <a:rPr lang="pt-BR" dirty="0"/>
+              <a:t>Facilidade para implementação de TDD</a:t>
+            </a:r>
+          </a:p>
+          <a:p>
+            <a:r>
+              <a:rPr lang="pt-BR" dirty="0"/>
+              <a:t>Maior coesão </a:t>
+            </a:r>
+          </a:p>
+          <a:p>
+            <a:r>
+              <a:rPr lang="pt-BR" dirty="0"/>
+              <a:t>Menor acoplamento</a:t>
+            </a:r>
+          </a:p>
+          <a:p>
             <a:endParaRPr lang="pt-BR" dirty="0"/>
           </a:p>
           <a:p>
-            <a:r>
-              <a:rPr lang="pt-BR" dirty="0" smtClean="0"/>
-              <a:t>Redução da complexidade </a:t>
-            </a:r>
-            <a:r>
-              <a:rPr lang="pt-BR" dirty="0" err="1" smtClean="0"/>
-              <a:t>ciclomática</a:t>
-            </a:r>
-            <a:r>
-              <a:rPr lang="pt-BR" dirty="0" smtClean="0"/>
-              <a:t> </a:t>
-            </a:r>
-          </a:p>
-          <a:p>
-            <a:r>
-              <a:rPr lang="pt-BR" dirty="0" smtClean="0"/>
-              <a:t>Manutenção em ponto específico do projeto</a:t>
-            </a:r>
-          </a:p>
-          <a:p>
-            <a:r>
-              <a:rPr lang="pt-BR" dirty="0" smtClean="0"/>
-              <a:t>Facilidade para implementação de TDD</a:t>
-            </a:r>
-          </a:p>
-          <a:p>
-            <a:r>
-              <a:rPr lang="pt-BR" dirty="0" smtClean="0"/>
-              <a:t>Maior coesão </a:t>
-            </a:r>
-          </a:p>
-          <a:p>
-            <a:r>
-              <a:rPr lang="pt-BR" dirty="0" smtClean="0"/>
-              <a:t>Menor acoplamento</a:t>
-            </a:r>
-          </a:p>
-          <a:p>
             <a:endParaRPr lang="pt-BR" dirty="0"/>
           </a:p>
           <a:p>
-            <a:endParaRPr lang="pt-BR" dirty="0" smtClean="0"/>
-          </a:p>
-          <a:p>
-            <a:endParaRPr lang="pt-BR" dirty="0" smtClean="0"/>
+            <a:endParaRPr lang="pt-BR" dirty="0"/>
           </a:p>
           <a:p>
             <a:endParaRPr lang="pt-BR" dirty="0"/>
@@ -11690,17 +11877,10 @@
   <p:clrMapOvr>
     <a:masterClrMapping/>
   </p:clrMapOvr>
-  <p:timing>
-    <p:tnLst>
-      <p:par>
-        <p:cTn id="1" dur="indefinite" restart="never" nodeType="tmRoot"/>
-      </p:par>
-    </p:tnLst>
-  </p:timing>
 </p:sld>
 </file>
 
-<file path=ppt/slides/slide47.xml><?xml version="1.0" encoding="utf-8"?>
+<file path=ppt/slides/slide49.xml><?xml version="1.0" encoding="utf-8"?>
 <p:sld xmlns:a="http://schemas.openxmlformats.org/drawingml/2006/main" xmlns:r="http://schemas.openxmlformats.org/officeDocument/2006/relationships" xmlns:p="http://schemas.openxmlformats.org/presentationml/2006/main">
   <p:cSld>
     <p:spTree>
@@ -11733,10 +11913,9 @@
           <a:lstStyle/>
           <a:p>
             <a:r>
-              <a:rPr lang="pt-BR" dirty="0" smtClean="0"/>
+              <a:rPr lang="pt-BR" dirty="0"/>
               <a:t>Referências</a:t>
             </a:r>
-            <a:endParaRPr lang="pt-BR" dirty="0"/>
           </a:p>
         </p:txBody>
       </p:sp>
@@ -11761,7 +11940,7 @@
               <a:buNone/>
             </a:pPr>
             <a:r>
-              <a:rPr lang="pt-BR" dirty="0" smtClean="0"/>
+              <a:rPr lang="pt-BR" dirty="0"/>
               <a:t>   SOLID</a:t>
             </a:r>
           </a:p>
@@ -11771,15 +11950,9 @@
               <a:rPr lang="pt-BR" dirty="0">
                 <a:hlinkClick r:id="rId2"/>
               </a:rPr>
-              <a:t>http://</a:t>
-            </a:r>
-            <a:r>
-              <a:rPr lang="pt-BR" dirty="0" smtClean="0">
-                <a:hlinkClick r:id="rId2"/>
-              </a:rPr>
-              <a:t>butunclebob.com/ArticleS.UncleBob.PrinciplesOfOod</a:t>
-            </a:r>
-            <a:endParaRPr lang="pt-BR" dirty="0" smtClean="0"/>
+              <a:t>http://butunclebob.com/ArticleS.UncleBob.PrinciplesOfOod</a:t>
+            </a:r>
+            <a:endParaRPr lang="pt-BR" dirty="0"/>
           </a:p>
           <a:p>
             <a:pPr lvl="1"/>
@@ -11787,39 +11960,32 @@
               <a:rPr lang="pt-BR" dirty="0">
                 <a:hlinkClick r:id="rId3"/>
               </a:rPr>
-              <a:t>https://robsoncastilho.com.br/series</a:t>
-            </a:r>
-            <a:r>
-              <a:rPr lang="pt-BR" dirty="0" smtClean="0">
-                <a:hlinkClick r:id="rId3"/>
-              </a:rPr>
-              <a:t>/</a:t>
-            </a:r>
-            <a:r>
-              <a:rPr lang="pt-BR" dirty="0" smtClean="0"/>
+              <a:t>https://robsoncastilho.com.br/series/</a:t>
+            </a:r>
+            <a:r>
+              <a:rPr lang="pt-BR" dirty="0"/>
               <a:t> </a:t>
             </a:r>
           </a:p>
           <a:p>
             <a:pPr lvl="1"/>
             <a:r>
-              <a:rPr lang="pt-BR" dirty="0" smtClean="0">
+              <a:rPr lang="pt-BR" dirty="0">
                 <a:hlinkClick r:id="rId4"/>
               </a:rPr>
               <a:t>www.github.com/j-ew-s/SOLID</a:t>
             </a:r>
             <a:r>
-              <a:rPr lang="pt-BR" dirty="0" smtClean="0"/>
+              <a:rPr lang="pt-BR" dirty="0"/>
               <a:t> </a:t>
             </a:r>
-            <a:endParaRPr lang="pt-BR" dirty="0"/>
           </a:p>
           <a:p>
             <a:pPr marL="0" indent="0">
               <a:buNone/>
             </a:pPr>
             <a:r>
-              <a:rPr lang="pt-BR" dirty="0" smtClean="0"/>
+              <a:rPr lang="pt-BR" dirty="0"/>
               <a:t>   IOC </a:t>
             </a:r>
           </a:p>
@@ -11829,16 +11995,10 @@
               <a:rPr lang="pt-BR" dirty="0">
                 <a:hlinkClick r:id="rId5"/>
               </a:rPr>
-              <a:t>http://</a:t>
-            </a:r>
-            <a:r>
-              <a:rPr lang="pt-BR" dirty="0" smtClean="0">
-                <a:hlinkClick r:id="rId5"/>
-              </a:rPr>
-              <a:t>www.palmmedia.de/blog/2011/8/30/ioc-container-benchmark-performance-comparison</a:t>
-            </a:r>
-            <a:r>
-              <a:rPr lang="pt-BR" dirty="0" smtClean="0"/>
+              <a:t>http://www.palmmedia.de/blog/2011/8/30/ioc-container-benchmark-performance-comparison</a:t>
+            </a:r>
+            <a:r>
+              <a:rPr lang="pt-BR" dirty="0"/>
               <a:t> </a:t>
             </a:r>
             <a:endParaRPr lang="pt-BR" sz="2000" dirty="0"/>
@@ -11848,33 +12008,20 @@
               <a:buNone/>
             </a:pPr>
             <a:r>
-              <a:rPr lang="pt-BR" sz="2000" dirty="0" smtClean="0"/>
+              <a:rPr lang="pt-BR" sz="2000" dirty="0"/>
               <a:t>Outros</a:t>
             </a:r>
-            <a:endParaRPr lang="pt-BR" sz="2000" dirty="0"/>
           </a:p>
           <a:p>
             <a:pPr lvl="1"/>
-            <a:r>
-              <a:rPr lang="pt-BR" dirty="0" smtClean="0">
-                <a:hlinkClick r:id="rId6"/>
-              </a:rPr>
-              <a:t>http</a:t>
-            </a:r>
             <a:r>
               <a:rPr lang="pt-BR" dirty="0">
                 <a:hlinkClick r:id="rId6"/>
               </a:rPr>
-              <a:t>://blog.caelum.com.br/como-medir-a-coesao-lcom</a:t>
-            </a:r>
-            <a:r>
-              <a:rPr lang="pt-BR" dirty="0" smtClean="0">
-                <a:hlinkClick r:id="rId6"/>
-              </a:rPr>
-              <a:t>/</a:t>
-            </a:r>
-            <a:r>
-              <a:rPr lang="pt-BR" dirty="0" smtClean="0"/>
+              <a:t>http://blog.caelum.com.br/como-medir-a-coesao-lcom/</a:t>
+            </a:r>
+            <a:r>
+              <a:rPr lang="pt-BR" dirty="0"/>
               <a:t> </a:t>
             </a:r>
           </a:p>
@@ -11884,16 +12031,10 @@
               <a:rPr lang="pt-BR" dirty="0">
                 <a:hlinkClick r:id="rId7"/>
               </a:rPr>
-              <a:t>http://blog.caelum.com.br/medindo-a-complexidade-do-seu-codigo</a:t>
-            </a:r>
-            <a:r>
-              <a:rPr lang="pt-BR" dirty="0" smtClean="0">
-                <a:hlinkClick r:id="rId7"/>
-              </a:rPr>
-              <a:t>/</a:t>
-            </a:r>
-            <a:r>
-              <a:rPr lang="pt-BR" dirty="0" smtClean="0"/>
+              <a:t>http://blog.caelum.com.br/medindo-a-complexidade-do-seu-codigo/</a:t>
+            </a:r>
+            <a:r>
+              <a:rPr lang="pt-BR" dirty="0"/>
               <a:t> </a:t>
             </a:r>
           </a:p>
@@ -11903,16 +12044,10 @@
               <a:rPr lang="pt-BR" dirty="0">
                 <a:hlinkClick r:id="rId8"/>
               </a:rPr>
-              <a:t>http://blog.caelum.com.br/orientacao-a-objetos-uma-outra-perspectiva-sobre-o-acoplamento</a:t>
-            </a:r>
-            <a:r>
-              <a:rPr lang="pt-BR" dirty="0" smtClean="0">
-                <a:hlinkClick r:id="rId8"/>
-              </a:rPr>
-              <a:t>/</a:t>
-            </a:r>
-            <a:r>
-              <a:rPr lang="pt-BR" dirty="0" smtClean="0"/>
+              <a:t>http://blog.caelum.com.br/orientacao-a-objetos-uma-outra-perspectiva-sobre-o-acoplamento/</a:t>
+            </a:r>
+            <a:r>
+              <a:rPr lang="pt-BR" dirty="0"/>
               <a:t> </a:t>
             </a:r>
           </a:p>
@@ -11922,23 +12057,16 @@
               <a:rPr lang="pt-BR" dirty="0">
                 <a:hlinkClick r:id="rId9"/>
               </a:rPr>
-              <a:t>https://robsoncastilho.com.br/2012/10/21/livro-agile-principles-patterns-and-practices-in-c</a:t>
-            </a:r>
-            <a:r>
-              <a:rPr lang="pt-BR" dirty="0" smtClean="0">
-                <a:hlinkClick r:id="rId9"/>
-              </a:rPr>
-              <a:t>/</a:t>
-            </a:r>
-            <a:r>
-              <a:rPr lang="pt-BR" dirty="0" smtClean="0"/>
+              <a:t>https://robsoncastilho.com.br/2012/10/21/livro-agile-principles-patterns-and-practices-in-c/</a:t>
+            </a:r>
+            <a:r>
+              <a:rPr lang="pt-BR" dirty="0"/>
               <a:t> </a:t>
             </a:r>
+          </a:p>
+          <a:p>
+            <a:pPr lvl="1"/>
             <a:endParaRPr lang="pt-BR" dirty="0"/>
-          </a:p>
-          <a:p>
-            <a:pPr lvl="1"/>
-            <a:endParaRPr lang="pt-BR" dirty="0" smtClean="0"/>
           </a:p>
           <a:p>
             <a:pPr lvl="1"/>
@@ -11986,269 +12114,10 @@
   <p:clrMapOvr>
     <a:masterClrMapping/>
   </p:clrMapOvr>
-  <p:timing>
-    <p:tnLst>
-      <p:par>
-        <p:cTn id="1" dur="indefinite" restart="never" nodeType="tmRoot"/>
-      </p:par>
-    </p:tnLst>
-  </p:timing>
 </p:sld>
 </file>
 
 <file path=ppt/slides/slide5.xml><?xml version="1.0" encoding="utf-8"?>
-<p:sld xmlns:a="http://schemas.openxmlformats.org/drawingml/2006/main" xmlns:r="http://schemas.openxmlformats.org/officeDocument/2006/relationships" xmlns:p="http://schemas.openxmlformats.org/presentationml/2006/main">
-  <p:cSld>
-    <p:spTree>
-      <p:nvGrpSpPr>
-        <p:cNvPr id="1" name=""/>
-        <p:cNvGrpSpPr/>
-        <p:nvPr/>
-      </p:nvGrpSpPr>
-      <p:grpSpPr>
-        <a:xfrm>
-          <a:off x="0" y="0"/>
-          <a:ext cx="0" cy="0"/>
-          <a:chOff x="0" y="0"/>
-          <a:chExt cx="0" cy="0"/>
-        </a:xfrm>
-      </p:grpSpPr>
-      <p:pic>
-        <p:nvPicPr>
-          <p:cNvPr id="4" name="Espaço Reservado para Conteúdo 3"/>
-          <p:cNvPicPr>
-            <a:picLocks noGrp="1" noChangeAspect="1"/>
-          </p:cNvPicPr>
-          <p:nvPr>
-            <p:ph idx="1"/>
-          </p:nvPr>
-        </p:nvPicPr>
-        <p:blipFill>
-          <a:blip r:embed="rId2">
-            <a:extLst>
-              <a:ext uri="{28A0092B-C50C-407E-A947-70E740481C1C}">
-                <a14:useLocalDpi xmlns:a14="http://schemas.microsoft.com/office/drawing/2010/main" val="0"/>
-              </a:ext>
-            </a:extLst>
-          </a:blip>
-          <a:stretch>
-            <a:fillRect/>
-          </a:stretch>
-        </p:blipFill>
-        <p:spPr>
-          <a:xfrm>
-            <a:off x="5459604" y="2486513"/>
-            <a:ext cx="1990296" cy="2578103"/>
-          </a:xfrm>
-        </p:spPr>
-      </p:pic>
-      <p:pic>
-        <p:nvPicPr>
-          <p:cNvPr id="5" name="Imagem 4"/>
-          <p:cNvPicPr>
-            <a:picLocks noChangeAspect="1"/>
-          </p:cNvPicPr>
-          <p:nvPr/>
-        </p:nvPicPr>
-        <p:blipFill>
-          <a:blip r:embed="rId3">
-            <a:extLst>
-              <a:ext uri="{28A0092B-C50C-407E-A947-70E740481C1C}">
-                <a14:useLocalDpi xmlns:a14="http://schemas.microsoft.com/office/drawing/2010/main" val="0"/>
-              </a:ext>
-            </a:extLst>
-          </a:blip>
-          <a:stretch>
-            <a:fillRect/>
-          </a:stretch>
-        </p:blipFill>
-        <p:spPr>
-          <a:xfrm>
-            <a:off x="7602012" y="2437180"/>
-            <a:ext cx="1962101" cy="2617883"/>
-          </a:xfrm>
-          <a:prstGeom prst="rect">
-            <a:avLst/>
-          </a:prstGeom>
-        </p:spPr>
-      </p:pic>
-      <p:pic>
-        <p:nvPicPr>
-          <p:cNvPr id="6" name="Imagem 5"/>
-          <p:cNvPicPr>
-            <a:picLocks noChangeAspect="1"/>
-          </p:cNvPicPr>
-          <p:nvPr/>
-        </p:nvPicPr>
-        <p:blipFill>
-          <a:blip r:embed="rId4">
-            <a:extLst>
-              <a:ext uri="{28A0092B-C50C-407E-A947-70E740481C1C}">
-                <a14:useLocalDpi xmlns:a14="http://schemas.microsoft.com/office/drawing/2010/main" val="0"/>
-              </a:ext>
-            </a:extLst>
-          </a:blip>
-          <a:stretch>
-            <a:fillRect/>
-          </a:stretch>
-        </p:blipFill>
-        <p:spPr>
-          <a:xfrm>
-            <a:off x="3240692" y="2486513"/>
-            <a:ext cx="2040783" cy="2578103"/>
-          </a:xfrm>
-          <a:prstGeom prst="rect">
-            <a:avLst/>
-          </a:prstGeom>
-        </p:spPr>
-      </p:pic>
-      <p:pic>
-        <p:nvPicPr>
-          <p:cNvPr id="7" name="Imagem 6"/>
-          <p:cNvPicPr>
-            <a:picLocks noChangeAspect="1"/>
-          </p:cNvPicPr>
-          <p:nvPr/>
-        </p:nvPicPr>
-        <p:blipFill>
-          <a:blip r:embed="rId5">
-            <a:extLst>
-              <a:ext uri="{28A0092B-C50C-407E-A947-70E740481C1C}">
-                <a14:useLocalDpi xmlns:a14="http://schemas.microsoft.com/office/drawing/2010/main" val="0"/>
-              </a:ext>
-            </a:extLst>
-          </a:blip>
-          <a:stretch>
-            <a:fillRect/>
-          </a:stretch>
-        </p:blipFill>
-        <p:spPr>
-          <a:xfrm>
-            <a:off x="9716225" y="2437180"/>
-            <a:ext cx="1981917" cy="2578103"/>
-          </a:xfrm>
-          <a:prstGeom prst="rect">
-            <a:avLst/>
-          </a:prstGeom>
-        </p:spPr>
-      </p:pic>
-      <p:pic>
-        <p:nvPicPr>
-          <p:cNvPr id="8" name="Imagem 7"/>
-          <p:cNvPicPr>
-            <a:picLocks noChangeAspect="1"/>
-          </p:cNvPicPr>
-          <p:nvPr/>
-        </p:nvPicPr>
-        <p:blipFill>
-          <a:blip r:embed="rId6" cstate="print">
-            <a:extLst>
-              <a:ext uri="{28A0092B-C50C-407E-A947-70E740481C1C}">
-                <a14:useLocalDpi xmlns:a14="http://schemas.microsoft.com/office/drawing/2010/main" val="0"/>
-              </a:ext>
-            </a:extLst>
-          </a:blip>
-          <a:stretch>
-            <a:fillRect/>
-          </a:stretch>
-        </p:blipFill>
-        <p:spPr>
-          <a:xfrm>
-            <a:off x="235309" y="2046464"/>
-            <a:ext cx="2853271" cy="3652187"/>
-          </a:xfrm>
-          <a:prstGeom prst="rect">
-            <a:avLst/>
-          </a:prstGeom>
-        </p:spPr>
-      </p:pic>
-      <p:sp>
-        <p:nvSpPr>
-          <p:cNvPr id="9" name="CaixaDeTexto 8"/>
-          <p:cNvSpPr txBox="1"/>
-          <p:nvPr/>
-        </p:nvSpPr>
-        <p:spPr>
-          <a:xfrm>
-            <a:off x="3999187" y="413607"/>
-            <a:ext cx="5224122" cy="861774"/>
-          </a:xfrm>
-          <a:prstGeom prst="rect">
-            <a:avLst/>
-          </a:prstGeom>
-          <a:noFill/>
-        </p:spPr>
-        <p:txBody>
-          <a:bodyPr wrap="none" rtlCol="0">
-            <a:spAutoFit/>
-          </a:bodyPr>
-          <a:lstStyle/>
-          <a:p>
-            <a:r>
-              <a:rPr lang="pt-BR" sz="3200" dirty="0" err="1" smtClean="0"/>
-              <a:t>Uncle</a:t>
-            </a:r>
-            <a:r>
-              <a:rPr lang="pt-BR" sz="3200" dirty="0" smtClean="0"/>
-              <a:t> BOB  -  Robert C. Martin</a:t>
-            </a:r>
-          </a:p>
-          <a:p>
-            <a:endParaRPr lang="pt-BR" dirty="0"/>
-          </a:p>
-        </p:txBody>
-      </p:sp>
-      <p:pic>
-        <p:nvPicPr>
-          <p:cNvPr id="10" name="Imagem 9"/>
-          <p:cNvPicPr>
-            <a:picLocks noChangeAspect="1"/>
-          </p:cNvPicPr>
-          <p:nvPr/>
-        </p:nvPicPr>
-        <p:blipFill>
-          <a:blip r:embed="rId7" cstate="print">
-            <a:extLst>
-              <a:ext uri="{28A0092B-C50C-407E-A947-70E740481C1C}">
-                <a14:useLocalDpi xmlns:a14="http://schemas.microsoft.com/office/drawing/2010/main" val="0"/>
-              </a:ext>
-            </a:extLst>
-          </a:blip>
-          <a:stretch>
-            <a:fillRect/>
-          </a:stretch>
-        </p:blipFill>
-        <p:spPr>
-          <a:xfrm>
-            <a:off x="11015002" y="6402549"/>
-            <a:ext cx="1176998" cy="455451"/>
-          </a:xfrm>
-          <a:prstGeom prst="rect">
-            <a:avLst/>
-          </a:prstGeom>
-        </p:spPr>
-      </p:pic>
-    </p:spTree>
-    <p:extLst>
-      <p:ext uri="{BB962C8B-B14F-4D97-AF65-F5344CB8AC3E}">
-        <p14:creationId xmlns:p14="http://schemas.microsoft.com/office/powerpoint/2010/main" val="1288097584"/>
-      </p:ext>
-    </p:extLst>
-  </p:cSld>
-  <p:clrMapOvr>
-    <a:masterClrMapping/>
-  </p:clrMapOvr>
-  <p:timing>
-    <p:tnLst>
-      <p:par>
-        <p:cTn id="1" dur="indefinite" restart="never" nodeType="tmRoot"/>
-      </p:par>
-    </p:tnLst>
-  </p:timing>
-</p:sld>
-</file>
-
-<file path=ppt/slides/slide6.xml><?xml version="1.0" encoding="utf-8"?>
 <p:sld xmlns:a="http://schemas.openxmlformats.org/drawingml/2006/main" xmlns:r="http://schemas.openxmlformats.org/officeDocument/2006/relationships" xmlns:p="http://schemas.openxmlformats.org/presentationml/2006/main">
   <p:cSld>
     <p:spTree>
@@ -12347,14 +12216,14 @@
           <a:lstStyle/>
           <a:p>
             <a:r>
-              <a:rPr lang="pt-BR" sz="3200" dirty="0" smtClean="0"/>
+              <a:rPr lang="pt-BR" sz="3200" dirty="0"/>
               <a:t>Michael C. </a:t>
             </a:r>
             <a:r>
-              <a:rPr lang="pt-BR" sz="3200" dirty="0" err="1" smtClean="0"/>
+              <a:rPr lang="pt-BR" sz="3200" dirty="0" err="1"/>
               <a:t>Feathers</a:t>
             </a:r>
-            <a:endParaRPr lang="pt-BR" sz="3200" dirty="0" smtClean="0"/>
+            <a:endParaRPr lang="pt-BR" sz="3200" dirty="0"/>
           </a:p>
           <a:p>
             <a:endParaRPr lang="pt-BR" dirty="0"/>
@@ -12401,13 +12270,88 @@
   <p:clrMapOvr>
     <a:masterClrMapping/>
   </p:clrMapOvr>
-  <p:timing>
-    <p:tnLst>
-      <p:par>
-        <p:cTn id="1" dur="indefinite" restart="never" nodeType="tmRoot"/>
-      </p:par>
-    </p:tnLst>
-  </p:timing>
+</p:sld>
+</file>
+
+<file path=ppt/slides/slide6.xml><?xml version="1.0" encoding="utf-8"?>
+<p:sld xmlns:a="http://schemas.openxmlformats.org/drawingml/2006/main" xmlns:r="http://schemas.openxmlformats.org/officeDocument/2006/relationships" xmlns:p="http://schemas.openxmlformats.org/presentationml/2006/main">
+  <p:cSld>
+    <p:spTree>
+      <p:nvGrpSpPr>
+        <p:cNvPr id="1" name=""/>
+        <p:cNvGrpSpPr/>
+        <p:nvPr/>
+      </p:nvGrpSpPr>
+      <p:grpSpPr>
+        <a:xfrm>
+          <a:off x="0" y="0"/>
+          <a:ext cx="0" cy="0"/>
+          <a:chOff x="0" y="0"/>
+          <a:chExt cx="0" cy="0"/>
+        </a:xfrm>
+      </p:grpSpPr>
+      <p:sp>
+        <p:nvSpPr>
+          <p:cNvPr id="2" name="Título 1"/>
+          <p:cNvSpPr>
+            <a:spLocks noGrp="1"/>
+          </p:cNvSpPr>
+          <p:nvPr>
+            <p:ph type="ctrTitle"/>
+          </p:nvPr>
+        </p:nvSpPr>
+        <p:spPr/>
+        <p:txBody>
+          <a:bodyPr/>
+          <a:lstStyle/>
+          <a:p>
+            <a:r>
+              <a:rPr lang="pt-BR" dirty="0"/>
+              <a:t>S.O.L.I.D</a:t>
+            </a:r>
+          </a:p>
+        </p:txBody>
+      </p:sp>
+      <p:pic>
+        <p:nvPicPr>
+          <p:cNvPr id="4" name="Imagem 3"/>
+          <p:cNvPicPr>
+            <a:picLocks noChangeAspect="1"/>
+          </p:cNvPicPr>
+          <p:nvPr/>
+        </p:nvPicPr>
+        <p:blipFill>
+          <a:blip r:embed="rId2" cstate="print">
+            <a:extLst>
+              <a:ext uri="{28A0092B-C50C-407E-A947-70E740481C1C}">
+                <a14:useLocalDpi xmlns:a14="http://schemas.microsoft.com/office/drawing/2010/main" val="0"/>
+              </a:ext>
+            </a:extLst>
+          </a:blip>
+          <a:stretch>
+            <a:fillRect/>
+          </a:stretch>
+        </p:blipFill>
+        <p:spPr>
+          <a:xfrm>
+            <a:off x="11015002" y="6402549"/>
+            <a:ext cx="1176998" cy="455451"/>
+          </a:xfrm>
+          <a:prstGeom prst="rect">
+            <a:avLst/>
+          </a:prstGeom>
+        </p:spPr>
+      </p:pic>
+    </p:spTree>
+    <p:extLst>
+      <p:ext uri="{BB962C8B-B14F-4D97-AF65-F5344CB8AC3E}">
+        <p14:creationId xmlns:p14="http://schemas.microsoft.com/office/powerpoint/2010/main" val="1188953730"/>
+      </p:ext>
+    </p:extLst>
+  </p:cSld>
+  <p:clrMapOvr>
+    <a:masterClrMapping/>
+  </p:clrMapOvr>
 </p:sld>
 </file>
 
@@ -12435,7 +12379,7 @@
             <a:spLocks noGrp="1"/>
           </p:cNvSpPr>
           <p:nvPr>
-            <p:ph type="ctrTitle"/>
+            <p:ph type="title"/>
           </p:nvPr>
         </p:nvSpPr>
         <p:spPr/>
@@ -12444,9 +12388,75 @@
           <a:lstStyle/>
           <a:p>
             <a:r>
-              <a:rPr lang="pt-BR" dirty="0" smtClean="0"/>
-              <a:t>S.O.L.I.D</a:t>
-            </a:r>
+              <a:rPr lang="pt-BR" dirty="0"/>
+              <a:t>SRP – Single </a:t>
+            </a:r>
+            <a:r>
+              <a:rPr lang="pt-BR" dirty="0" err="1"/>
+              <a:t>Responsability</a:t>
+            </a:r>
+            <a:r>
+              <a:rPr lang="pt-BR" dirty="0"/>
+              <a:t> </a:t>
+            </a:r>
+            <a:r>
+              <a:rPr lang="pt-BR" dirty="0" err="1"/>
+              <a:t>Principle</a:t>
+            </a:r>
+            <a:endParaRPr lang="pt-BR" dirty="0"/>
+          </a:p>
+        </p:txBody>
+      </p:sp>
+      <p:sp>
+        <p:nvSpPr>
+          <p:cNvPr id="3" name="Espaço Reservado para Conteúdo 2"/>
+          <p:cNvSpPr>
+            <a:spLocks noGrp="1"/>
+          </p:cNvSpPr>
+          <p:nvPr>
+            <p:ph idx="1"/>
+          </p:nvPr>
+        </p:nvSpPr>
+        <p:spPr>
+          <a:xfrm>
+            <a:off x="420189" y="1789611"/>
+            <a:ext cx="10515600" cy="1358537"/>
+          </a:xfrm>
+        </p:spPr>
+        <p:txBody>
+          <a:bodyPr/>
+          <a:lstStyle/>
+          <a:p>
+            <a:pPr marL="0" indent="0">
+              <a:buNone/>
+            </a:pPr>
+            <a:endParaRPr lang="pt-BR" dirty="0"/>
+          </a:p>
+          <a:p>
+            <a:pPr marL="0" indent="0">
+              <a:buNone/>
+            </a:pPr>
+            <a:r>
+              <a:rPr lang="pt-BR" sz="3200" dirty="0"/>
+              <a:t>            “Uma classe deve ter apenas um motivo para mudar”.</a:t>
+            </a:r>
+          </a:p>
+          <a:p>
+            <a:pPr marL="0" indent="0">
+              <a:buNone/>
+            </a:pPr>
+            <a:endParaRPr lang="pt-BR" dirty="0"/>
+          </a:p>
+          <a:p>
+            <a:pPr marL="0" indent="0">
+              <a:buNone/>
+            </a:pPr>
+            <a:endParaRPr lang="pt-BR" dirty="0"/>
+          </a:p>
+          <a:p>
+            <a:pPr marL="0" indent="0">
+              <a:buNone/>
+            </a:pPr>
             <a:endParaRPr lang="pt-BR" dirty="0"/>
           </a:p>
         </p:txBody>
@@ -12484,162 +12494,6 @@
     </p:spTree>
     <p:extLst>
       <p:ext uri="{BB962C8B-B14F-4D97-AF65-F5344CB8AC3E}">
-        <p14:creationId xmlns:p14="http://schemas.microsoft.com/office/powerpoint/2010/main" val="1188953730"/>
-      </p:ext>
-    </p:extLst>
-  </p:cSld>
-  <p:clrMapOvr>
-    <a:masterClrMapping/>
-  </p:clrMapOvr>
-  <p:timing>
-    <p:tnLst>
-      <p:par>
-        <p:cTn id="1" dur="indefinite" restart="never" nodeType="tmRoot"/>
-      </p:par>
-    </p:tnLst>
-  </p:timing>
-</p:sld>
-</file>
-
-<file path=ppt/slides/slide8.xml><?xml version="1.0" encoding="utf-8"?>
-<p:sld xmlns:a="http://schemas.openxmlformats.org/drawingml/2006/main" xmlns:r="http://schemas.openxmlformats.org/officeDocument/2006/relationships" xmlns:p="http://schemas.openxmlformats.org/presentationml/2006/main">
-  <p:cSld>
-    <p:spTree>
-      <p:nvGrpSpPr>
-        <p:cNvPr id="1" name=""/>
-        <p:cNvGrpSpPr/>
-        <p:nvPr/>
-      </p:nvGrpSpPr>
-      <p:grpSpPr>
-        <a:xfrm>
-          <a:off x="0" y="0"/>
-          <a:ext cx="0" cy="0"/>
-          <a:chOff x="0" y="0"/>
-          <a:chExt cx="0" cy="0"/>
-        </a:xfrm>
-      </p:grpSpPr>
-      <p:sp>
-        <p:nvSpPr>
-          <p:cNvPr id="2" name="Título 1"/>
-          <p:cNvSpPr>
-            <a:spLocks noGrp="1"/>
-          </p:cNvSpPr>
-          <p:nvPr>
-            <p:ph type="title"/>
-          </p:nvPr>
-        </p:nvSpPr>
-        <p:spPr/>
-        <p:txBody>
-          <a:bodyPr/>
-          <a:lstStyle/>
-          <a:p>
-            <a:r>
-              <a:rPr lang="pt-BR" dirty="0" smtClean="0"/>
-              <a:t>SRP – Single </a:t>
-            </a:r>
-            <a:r>
-              <a:rPr lang="pt-BR" dirty="0" err="1" smtClean="0"/>
-              <a:t>Responsability</a:t>
-            </a:r>
-            <a:r>
-              <a:rPr lang="pt-BR" dirty="0" smtClean="0"/>
-              <a:t> </a:t>
-            </a:r>
-            <a:r>
-              <a:rPr lang="pt-BR" dirty="0" err="1" smtClean="0"/>
-              <a:t>Principle</a:t>
-            </a:r>
-            <a:endParaRPr lang="pt-BR" dirty="0"/>
-          </a:p>
-        </p:txBody>
-      </p:sp>
-      <p:sp>
-        <p:nvSpPr>
-          <p:cNvPr id="3" name="Espaço Reservado para Conteúdo 2"/>
-          <p:cNvSpPr>
-            <a:spLocks noGrp="1"/>
-          </p:cNvSpPr>
-          <p:nvPr>
-            <p:ph idx="1"/>
-          </p:nvPr>
-        </p:nvSpPr>
-        <p:spPr>
-          <a:xfrm>
-            <a:off x="420189" y="1789611"/>
-            <a:ext cx="10515600" cy="1358537"/>
-          </a:xfrm>
-        </p:spPr>
-        <p:txBody>
-          <a:bodyPr/>
-          <a:lstStyle/>
-          <a:p>
-            <a:pPr marL="0" indent="0">
-              <a:buNone/>
-            </a:pPr>
-            <a:endParaRPr lang="pt-BR" dirty="0" smtClean="0"/>
-          </a:p>
-          <a:p>
-            <a:pPr marL="0" indent="0">
-              <a:buNone/>
-            </a:pPr>
-            <a:r>
-              <a:rPr lang="pt-BR" sz="3200" dirty="0" smtClean="0"/>
-              <a:t>            “Uma classe deve ter apenas um motivo para mudar”.</a:t>
-            </a:r>
-          </a:p>
-          <a:p>
-            <a:pPr marL="0" indent="0">
-              <a:buNone/>
-            </a:pPr>
-            <a:endParaRPr lang="pt-BR" dirty="0"/>
-          </a:p>
-          <a:p>
-            <a:pPr marL="0" indent="0">
-              <a:buNone/>
-            </a:pPr>
-            <a:endParaRPr lang="pt-BR" dirty="0" smtClean="0"/>
-          </a:p>
-          <a:p>
-            <a:pPr marL="0" indent="0">
-              <a:buNone/>
-            </a:pPr>
-            <a:endParaRPr lang="pt-BR" dirty="0"/>
-          </a:p>
-        </p:txBody>
-      </p:sp>
-      <p:pic>
-        <p:nvPicPr>
-          <p:cNvPr id="4" name="Imagem 3"/>
-          <p:cNvPicPr>
-            <a:picLocks noChangeAspect="1"/>
-          </p:cNvPicPr>
-          <p:nvPr/>
-        </p:nvPicPr>
-        <p:blipFill>
-          <a:blip r:embed="rId2" cstate="print">
-            <a:extLst>
-              <a:ext uri="{28A0092B-C50C-407E-A947-70E740481C1C}">
-                <a14:useLocalDpi xmlns:a14="http://schemas.microsoft.com/office/drawing/2010/main" val="0"/>
-              </a:ext>
-            </a:extLst>
-          </a:blip>
-          <a:stretch>
-            <a:fillRect/>
-          </a:stretch>
-        </p:blipFill>
-        <p:spPr>
-          <a:xfrm>
-            <a:off x="11015002" y="6402549"/>
-            <a:ext cx="1176998" cy="455451"/>
-          </a:xfrm>
-          <a:prstGeom prst="rect">
-            <a:avLst/>
-          </a:prstGeom>
-        </p:spPr>
-      </p:pic>
-    </p:spTree>
-    <p:extLst>
-      <p:ext uri="{BB962C8B-B14F-4D97-AF65-F5344CB8AC3E}">
         <p14:creationId xmlns:p14="http://schemas.microsoft.com/office/powerpoint/2010/main" val="2437670194"/>
       </p:ext>
     </p:extLst>
@@ -12647,17 +12501,10 @@
   <p:clrMapOvr>
     <a:masterClrMapping/>
   </p:clrMapOvr>
-  <p:timing>
-    <p:tnLst>
-      <p:par>
-        <p:cTn id="1" dur="indefinite" restart="never" nodeType="tmRoot"/>
-      </p:par>
-    </p:tnLst>
-  </p:timing>
 </p:sld>
 </file>
 
-<file path=ppt/slides/slide9.xml><?xml version="1.0" encoding="utf-8"?>
+<file path=ppt/slides/slide8.xml><?xml version="1.0" encoding="utf-8"?>
 <p:sld xmlns:a="http://schemas.openxmlformats.org/drawingml/2006/main" xmlns:r="http://schemas.openxmlformats.org/officeDocument/2006/relationships" xmlns:p="http://schemas.openxmlformats.org/presentationml/2006/main">
   <p:cSld>
     <p:spTree>
@@ -12738,13 +12585,89 @@
   <p:clrMapOvr>
     <a:masterClrMapping/>
   </p:clrMapOvr>
-  <p:timing>
-    <p:tnLst>
-      <p:par>
-        <p:cTn id="1" dur="indefinite" restart="never" nodeType="tmRoot"/>
-      </p:par>
-    </p:tnLst>
-  </p:timing>
+</p:sld>
+</file>
+
+<file path=ppt/slides/slide9.xml><?xml version="1.0" encoding="utf-8"?>
+<p:sld xmlns:a="http://schemas.openxmlformats.org/drawingml/2006/main" xmlns:r="http://schemas.openxmlformats.org/officeDocument/2006/relationships" xmlns:p="http://schemas.openxmlformats.org/presentationml/2006/main">
+  <p:cSld>
+    <p:spTree>
+      <p:nvGrpSpPr>
+        <p:cNvPr id="1" name=""/>
+        <p:cNvGrpSpPr/>
+        <p:nvPr/>
+      </p:nvGrpSpPr>
+      <p:grpSpPr>
+        <a:xfrm>
+          <a:off x="0" y="0"/>
+          <a:ext cx="0" cy="0"/>
+          <a:chOff x="0" y="0"/>
+          <a:chExt cx="0" cy="0"/>
+        </a:xfrm>
+      </p:grpSpPr>
+      <p:sp>
+        <p:nvSpPr>
+          <p:cNvPr id="4" name="Título 3"/>
+          <p:cNvSpPr>
+            <a:spLocks noGrp="1"/>
+          </p:cNvSpPr>
+          <p:nvPr>
+            <p:ph type="ctrTitle"/>
+          </p:nvPr>
+        </p:nvSpPr>
+        <p:spPr/>
+        <p:txBody>
+          <a:bodyPr/>
+          <a:lstStyle/>
+          <a:p>
+            <a:pPr algn="ctr"/>
+            <a:r>
+              <a:rPr lang="pt-BR" dirty="0"/>
+              <a:t>Melhor!</a:t>
+            </a:r>
+          </a:p>
+        </p:txBody>
+      </p:sp>
+      <p:pic>
+        <p:nvPicPr>
+          <p:cNvPr id="6" name="Imagem 5"/>
+          <p:cNvPicPr>
+            <a:picLocks noChangeAspect="1"/>
+          </p:cNvPicPr>
+          <p:nvPr/>
+        </p:nvPicPr>
+        <p:blipFill>
+          <a:blip r:embed="rId2" cstate="print">
+            <a:extLst>
+              <a:ext uri="{28A0092B-C50C-407E-A947-70E740481C1C}">
+                <a14:useLocalDpi xmlns:a14="http://schemas.microsoft.com/office/drawing/2010/main" val="0"/>
+              </a:ext>
+            </a:extLst>
+          </a:blip>
+          <a:stretch>
+            <a:fillRect/>
+          </a:stretch>
+        </p:blipFill>
+        <p:spPr>
+          <a:xfrm>
+            <a:off x="11015002" y="6402549"/>
+            <a:ext cx="1176998" cy="455451"/>
+          </a:xfrm>
+          <a:prstGeom prst="rect">
+            <a:avLst/>
+          </a:prstGeom>
+        </p:spPr>
+      </p:pic>
+    </p:spTree>
+    <p:extLst>
+      <p:ext uri="{BB962C8B-B14F-4D97-AF65-F5344CB8AC3E}">
+        <p14:creationId xmlns:p14="http://schemas.microsoft.com/office/powerpoint/2010/main" val="3544859515"/>
+      </p:ext>
+    </p:extLst>
+  </p:cSld>
+  <p:clrMapOvr>
+    <a:masterClrMapping/>
+  </p:clrMapOvr>
 </p:sld>
 </file>
 

--- a/SOLID.pptx
+++ b/SOLID.pptx
@@ -7,18 +7,18 @@
   <p:sldIdLst>
     <p:sldId id="256" r:id="rId2"/>
     <p:sldId id="285" r:id="rId3"/>
-    <p:sldId id="257" r:id="rId4"/>
-    <p:sldId id="258" r:id="rId5"/>
-    <p:sldId id="259" r:id="rId6"/>
-    <p:sldId id="290" r:id="rId7"/>
-    <p:sldId id="260" r:id="rId8"/>
-    <p:sldId id="264" r:id="rId9"/>
-    <p:sldId id="309" r:id="rId10"/>
-    <p:sldId id="310" r:id="rId11"/>
-    <p:sldId id="311" r:id="rId12"/>
-    <p:sldId id="291" r:id="rId13"/>
-    <p:sldId id="292" r:id="rId14"/>
-    <p:sldId id="293" r:id="rId15"/>
+    <p:sldId id="312" r:id="rId4"/>
+    <p:sldId id="257" r:id="rId5"/>
+    <p:sldId id="258" r:id="rId6"/>
+    <p:sldId id="259" r:id="rId7"/>
+    <p:sldId id="290" r:id="rId8"/>
+    <p:sldId id="260" r:id="rId9"/>
+    <p:sldId id="264" r:id="rId10"/>
+    <p:sldId id="309" r:id="rId11"/>
+    <p:sldId id="310" r:id="rId12"/>
+    <p:sldId id="311" r:id="rId13"/>
+    <p:sldId id="291" r:id="rId14"/>
+    <p:sldId id="292" r:id="rId15"/>
     <p:sldId id="266" r:id="rId16"/>
     <p:sldId id="267" r:id="rId17"/>
     <p:sldId id="294" r:id="rId18"/>
@@ -53,7 +53,8 @@
     <p:sldId id="288" r:id="rId47"/>
     <p:sldId id="306" r:id="rId48"/>
     <p:sldId id="262" r:id="rId49"/>
-    <p:sldId id="263" r:id="rId50"/>
+    <p:sldId id="313" r:id="rId50"/>
+    <p:sldId id="263" r:id="rId51"/>
   </p:sldIdLst>
   <p:sldSz cx="12192000" cy="6858000"/>
   <p:notesSz cx="6858000" cy="9144000"/>
@@ -4143,6 +4144,96 @@
       </p:grpSpPr>
       <p:sp>
         <p:nvSpPr>
+          <p:cNvPr id="4" name="Título 3"/>
+          <p:cNvSpPr>
+            <a:spLocks noGrp="1"/>
+          </p:cNvSpPr>
+          <p:nvPr>
+            <p:ph type="ctrTitle"/>
+          </p:nvPr>
+        </p:nvSpPr>
+        <p:spPr/>
+        <p:txBody>
+          <a:bodyPr/>
+          <a:lstStyle/>
+          <a:p>
+            <a:pPr algn="ctr"/>
+            <a:r>
+              <a:rPr lang="pt-BR" dirty="0"/>
+              <a:t>Melhor!</a:t>
+            </a:r>
+          </a:p>
+        </p:txBody>
+      </p:sp>
+      <p:pic>
+        <p:nvPicPr>
+          <p:cNvPr id="6" name="Imagem 5"/>
+          <p:cNvPicPr>
+            <a:picLocks noChangeAspect="1"/>
+          </p:cNvPicPr>
+          <p:nvPr/>
+        </p:nvPicPr>
+        <p:blipFill>
+          <a:blip r:embed="rId2" cstate="print">
+            <a:extLst>
+              <a:ext uri="{28A0092B-C50C-407E-A947-70E740481C1C}">
+                <a14:useLocalDpi xmlns:a14="http://schemas.microsoft.com/office/drawing/2010/main" val="0"/>
+              </a:ext>
+            </a:extLst>
+          </a:blip>
+          <a:stretch>
+            <a:fillRect/>
+          </a:stretch>
+        </p:blipFill>
+        <p:spPr>
+          <a:xfrm>
+            <a:off x="11015002" y="6402549"/>
+            <a:ext cx="1176998" cy="455451"/>
+          </a:xfrm>
+          <a:prstGeom prst="rect">
+            <a:avLst/>
+          </a:prstGeom>
+        </p:spPr>
+      </p:pic>
+    </p:spTree>
+    <p:extLst>
+      <p:ext uri="{BB962C8B-B14F-4D97-AF65-F5344CB8AC3E}">
+        <p14:creationId xmlns:p14="http://schemas.microsoft.com/office/powerpoint/2010/main" val="3544859515"/>
+      </p:ext>
+    </p:extLst>
+  </p:cSld>
+  <p:clrMapOvr>
+    <a:masterClrMapping/>
+  </p:clrMapOvr>
+  <p:timing>
+    <p:tnLst>
+      <p:par>
+        <p:cTn id="1" dur="indefinite" restart="never" nodeType="tmRoot"/>
+      </p:par>
+    </p:tnLst>
+  </p:timing>
+</p:sld>
+</file>
+
+<file path=ppt/slides/slide11.xml><?xml version="1.0" encoding="utf-8"?>
+<p:sld xmlns:a="http://schemas.openxmlformats.org/drawingml/2006/main" xmlns:r="http://schemas.openxmlformats.org/officeDocument/2006/relationships" xmlns:p="http://schemas.openxmlformats.org/presentationml/2006/main">
+  <p:cSld>
+    <p:spTree>
+      <p:nvGrpSpPr>
+        <p:cNvPr id="1" name=""/>
+        <p:cNvGrpSpPr/>
+        <p:nvPr/>
+      </p:nvGrpSpPr>
+      <p:grpSpPr>
+        <a:xfrm>
+          <a:off x="0" y="0"/>
+          <a:ext cx="0" cy="0"/>
+          <a:chOff x="0" y="0"/>
+          <a:chExt cx="0" cy="0"/>
+        </a:xfrm>
+      </p:grpSpPr>
+      <p:sp>
+        <p:nvSpPr>
           <p:cNvPr id="2" name="Título 1"/>
           <p:cNvSpPr>
             <a:spLocks noGrp="1"/>
@@ -4188,9 +4279,10 @@
               <a:buNone/>
             </a:pPr>
             <a:r>
-              <a:rPr lang="pt-BR" dirty="0"/>
-              <a:t>1 Classe contém: </a:t>
-            </a:r>
+              <a:rPr lang="pt-BR" dirty="0" smtClean="0"/>
+              <a:t>1 Arquivo contém : </a:t>
+            </a:r>
+            <a:endParaRPr lang="pt-BR" dirty="0"/>
           </a:p>
           <a:p>
             <a:r>
@@ -4206,14 +4298,22 @@
           </a:p>
           <a:p>
             <a:r>
-              <a:rPr lang="pt-BR" dirty="0"/>
-              <a:t>14 CLASSES</a:t>
-            </a:r>
-          </a:p>
-          <a:p>
-            <a:r>
-              <a:rPr lang="pt-BR" dirty="0"/>
-              <a:t>E um  dos seus método (Executar) possui exatas 1312 linhas.</a:t>
+              <a:rPr lang="pt-BR" dirty="0" smtClean="0"/>
+              <a:t>15 </a:t>
+            </a:r>
+            <a:r>
+              <a:rPr lang="pt-BR" dirty="0"/>
+              <a:t>CLASSES</a:t>
+            </a:r>
+          </a:p>
+          <a:p>
+            <a:r>
+              <a:rPr lang="pt-BR" dirty="0" smtClean="0"/>
+              <a:t>Existe ainda um método (Executar) neste bolo que </a:t>
+            </a:r>
+            <a:r>
+              <a:rPr lang="pt-BR" dirty="0"/>
+              <a:t>possui exatas 1312 linhas.</a:t>
             </a:r>
           </a:p>
           <a:p>
@@ -4254,6 +4354,36 @@
           </a:prstGeom>
         </p:spPr>
       </p:pic>
+      <p:pic>
+        <p:nvPicPr>
+          <p:cNvPr id="5" name="Imagem 4"/>
+          <p:cNvPicPr>
+            <a:picLocks noChangeAspect="1"/>
+          </p:cNvPicPr>
+          <p:nvPr/>
+        </p:nvPicPr>
+        <p:blipFill>
+          <a:blip r:embed="rId3">
+            <a:extLst>
+              <a:ext uri="{28A0092B-C50C-407E-A947-70E740481C1C}">
+                <a14:useLocalDpi xmlns:a14="http://schemas.microsoft.com/office/drawing/2010/main" val="0"/>
+              </a:ext>
+            </a:extLst>
+          </a:blip>
+          <a:stretch>
+            <a:fillRect/>
+          </a:stretch>
+        </p:blipFill>
+        <p:spPr>
+          <a:xfrm>
+            <a:off x="0" y="0"/>
+            <a:ext cx="12192000" cy="6858000"/>
+          </a:xfrm>
+          <a:prstGeom prst="rect">
+            <a:avLst/>
+          </a:prstGeom>
+        </p:spPr>
+      </p:pic>
     </p:spTree>
     <p:extLst>
       <p:ext uri="{BB962C8B-B14F-4D97-AF65-F5344CB8AC3E}">
@@ -4264,10 +4394,85 @@
   <p:clrMapOvr>
     <a:masterClrMapping/>
   </p:clrMapOvr>
+  <p:timing>
+    <p:tnLst>
+      <p:par>
+        <p:cTn id="1" dur="indefinite" restart="never" nodeType="tmRoot">
+          <p:childTnLst>
+            <p:seq concurrent="1" nextAc="seek">
+              <p:cTn id="2" dur="indefinite" nodeType="mainSeq">
+                <p:childTnLst>
+                  <p:par>
+                    <p:cTn id="3" fill="hold">
+                      <p:stCondLst>
+                        <p:cond delay="indefinite"/>
+                      </p:stCondLst>
+                      <p:childTnLst>
+                        <p:par>
+                          <p:cTn id="4" fill="hold">
+                            <p:stCondLst>
+                              <p:cond delay="0"/>
+                            </p:stCondLst>
+                            <p:childTnLst>
+                              <p:par>
+                                <p:cTn id="5" presetID="1" presetClass="entr" presetSubtype="0" fill="hold" nodeType="clickEffect">
+                                  <p:stCondLst>
+                                    <p:cond delay="0"/>
+                                  </p:stCondLst>
+                                  <p:childTnLst>
+                                    <p:set>
+                                      <p:cBhvr>
+                                        <p:cTn id="6" dur="1" fill="hold">
+                                          <p:stCondLst>
+                                            <p:cond delay="0"/>
+                                          </p:stCondLst>
+                                        </p:cTn>
+                                        <p:tgtEl>
+                                          <p:spTgt spid="5"/>
+                                        </p:tgtEl>
+                                        <p:attrNameLst>
+                                          <p:attrName>style.visibility</p:attrName>
+                                        </p:attrNameLst>
+                                      </p:cBhvr>
+                                      <p:to>
+                                        <p:strVal val="visible"/>
+                                      </p:to>
+                                    </p:set>
+                                  </p:childTnLst>
+                                </p:cTn>
+                              </p:par>
+                            </p:childTnLst>
+                          </p:cTn>
+                        </p:par>
+                      </p:childTnLst>
+                    </p:cTn>
+                  </p:par>
+                </p:childTnLst>
+              </p:cTn>
+              <p:prevCondLst>
+                <p:cond evt="onPrev" delay="0">
+                  <p:tgtEl>
+                    <p:sldTgt/>
+                  </p:tgtEl>
+                </p:cond>
+              </p:prevCondLst>
+              <p:nextCondLst>
+                <p:cond evt="onNext" delay="0">
+                  <p:tgtEl>
+                    <p:sldTgt/>
+                  </p:tgtEl>
+                </p:cond>
+              </p:nextCondLst>
+            </p:seq>
+          </p:childTnLst>
+        </p:cTn>
+      </p:par>
+    </p:tnLst>
+  </p:timing>
 </p:sld>
 </file>
 
-<file path=ppt/slides/slide11.xml><?xml version="1.0" encoding="utf-8"?>
+<file path=ppt/slides/slide12.xml><?xml version="1.0" encoding="utf-8"?>
 <p:sld xmlns:a="http://schemas.openxmlformats.org/drawingml/2006/main" xmlns:r="http://schemas.openxmlformats.org/officeDocument/2006/relationships" xmlns:p="http://schemas.openxmlformats.org/presentationml/2006/main">
   <p:cSld>
     <p:spTree>
@@ -4307,8 +4512,8 @@
         </p:blipFill>
         <p:spPr>
           <a:xfrm>
-            <a:off x="1797936" y="613604"/>
-            <a:ext cx="8105917" cy="4950069"/>
+            <a:off x="0" y="-1"/>
+            <a:ext cx="12192000" cy="6962503"/>
           </a:xfrm>
         </p:spPr>
       </p:pic>
@@ -4322,10 +4527,17 @@
   <p:clrMapOvr>
     <a:masterClrMapping/>
   </p:clrMapOvr>
+  <p:timing>
+    <p:tnLst>
+      <p:par>
+        <p:cTn id="1" dur="indefinite" restart="never" nodeType="tmRoot"/>
+      </p:par>
+    </p:tnLst>
+  </p:timing>
 </p:sld>
 </file>
 
-<file path=ppt/slides/slide12.xml><?xml version="1.0" encoding="utf-8"?>
+<file path=ppt/slides/slide13.xml><?xml version="1.0" encoding="utf-8"?>
 <p:sld xmlns:a="http://schemas.openxmlformats.org/drawingml/2006/main" xmlns:r="http://schemas.openxmlformats.org/officeDocument/2006/relationships" xmlns:p="http://schemas.openxmlformats.org/presentationml/2006/main">
   <p:cSld>
     <p:spTree>
@@ -4652,7 +4864,7 @@
 </p:sld>
 </file>
 
-<file path=ppt/slides/slide13.xml><?xml version="1.0" encoding="utf-8"?>
+<file path=ppt/slides/slide14.xml><?xml version="1.0" encoding="utf-8"?>
 <p:sld xmlns:a="http://schemas.openxmlformats.org/drawingml/2006/main" xmlns:r="http://schemas.openxmlformats.org/officeDocument/2006/relationships" xmlns:p="http://schemas.openxmlformats.org/presentationml/2006/main">
   <p:cSld>
     <p:spTree>
@@ -4776,165 +4988,13 @@
   <p:clrMapOvr>
     <a:masterClrMapping/>
   </p:clrMapOvr>
-</p:sld>
-</file>
-
-<file path=ppt/slides/slide14.xml><?xml version="1.0" encoding="utf-8"?>
-<p:sld xmlns:a="http://schemas.openxmlformats.org/drawingml/2006/main" xmlns:r="http://schemas.openxmlformats.org/officeDocument/2006/relationships" xmlns:p="http://schemas.openxmlformats.org/presentationml/2006/main">
-  <p:cSld>
-    <p:spTree>
-      <p:nvGrpSpPr>
-        <p:cNvPr id="1" name=""/>
-        <p:cNvGrpSpPr/>
-        <p:nvPr/>
-      </p:nvGrpSpPr>
-      <p:grpSpPr>
-        <a:xfrm>
-          <a:off x="0" y="0"/>
-          <a:ext cx="0" cy="0"/>
-          <a:chOff x="0" y="0"/>
-          <a:chExt cx="0" cy="0"/>
-        </a:xfrm>
-      </p:grpSpPr>
-      <p:sp>
-        <p:nvSpPr>
-          <p:cNvPr id="5" name="Título 1"/>
-          <p:cNvSpPr>
-            <a:spLocks noGrp="1"/>
-          </p:cNvSpPr>
-          <p:nvPr>
-            <p:ph type="title"/>
-          </p:nvPr>
-        </p:nvSpPr>
-        <p:spPr/>
-        <p:txBody>
-          <a:bodyPr/>
-          <a:lstStyle/>
-          <a:p>
-            <a:r>
-              <a:rPr lang="pt-BR" dirty="0"/>
-              <a:t>SRP – Single </a:t>
-            </a:r>
-            <a:r>
-              <a:rPr lang="pt-BR" dirty="0" err="1"/>
-              <a:t>Responsability</a:t>
-            </a:r>
-            <a:r>
-              <a:rPr lang="pt-BR" dirty="0"/>
-              <a:t> </a:t>
-            </a:r>
-            <a:r>
-              <a:rPr lang="pt-BR" dirty="0" err="1"/>
-              <a:t>Principle</a:t>
-            </a:r>
-            <a:endParaRPr lang="pt-BR" dirty="0"/>
-          </a:p>
-        </p:txBody>
-      </p:sp>
-      <p:sp>
-        <p:nvSpPr>
-          <p:cNvPr id="3" name="Espaço Reservado para Conteúdo 2"/>
-          <p:cNvSpPr>
-            <a:spLocks noGrp="1"/>
-          </p:cNvSpPr>
-          <p:nvPr>
-            <p:ph idx="1"/>
-          </p:nvPr>
-        </p:nvSpPr>
-        <p:spPr/>
-        <p:txBody>
-          <a:bodyPr/>
-          <a:lstStyle/>
-          <a:p>
-            <a:pPr marL="0" indent="0">
-              <a:buNone/>
-            </a:pPr>
-            <a:r>
-              <a:rPr lang="pt-BR" dirty="0"/>
-              <a:t>O que ganhamos com isto ?</a:t>
-            </a:r>
-          </a:p>
-          <a:p>
-            <a:pPr marL="0" indent="0">
-              <a:buNone/>
-            </a:pPr>
-            <a:endParaRPr lang="pt-BR" dirty="0"/>
-          </a:p>
-          <a:p>
-            <a:pPr marL="0" indent="0">
-              <a:buNone/>
-            </a:pPr>
-            <a:r>
-              <a:rPr lang="pt-BR" dirty="0"/>
-              <a:t>1 – COESÃO.</a:t>
-            </a:r>
-          </a:p>
-          <a:p>
-            <a:pPr marL="0" indent="0">
-              <a:buNone/>
-            </a:pPr>
-            <a:r>
-              <a:rPr lang="pt-BR" dirty="0"/>
-              <a:t>2 – Melhoria na manutenção.</a:t>
-            </a:r>
-          </a:p>
-          <a:p>
-            <a:pPr marL="0" indent="0">
-              <a:buNone/>
-            </a:pPr>
-            <a:r>
-              <a:rPr lang="pt-BR" dirty="0"/>
-              <a:t>3 – Melhora para implementação de teste de unidade.</a:t>
-            </a:r>
-          </a:p>
-          <a:p>
-            <a:pPr marL="0" indent="0">
-              <a:buNone/>
-            </a:pPr>
-            <a:endParaRPr lang="pt-BR" dirty="0"/>
-          </a:p>
-        </p:txBody>
-      </p:sp>
-      <p:pic>
-        <p:nvPicPr>
-          <p:cNvPr id="6" name="Imagem 5"/>
-          <p:cNvPicPr>
-            <a:picLocks noChangeAspect="1"/>
-          </p:cNvPicPr>
-          <p:nvPr/>
-        </p:nvPicPr>
-        <p:blipFill>
-          <a:blip r:embed="rId2" cstate="print">
-            <a:extLst>
-              <a:ext uri="{28A0092B-C50C-407E-A947-70E740481C1C}">
-                <a14:useLocalDpi xmlns:a14="http://schemas.microsoft.com/office/drawing/2010/main" val="0"/>
-              </a:ext>
-            </a:extLst>
-          </a:blip>
-          <a:stretch>
-            <a:fillRect/>
-          </a:stretch>
-        </p:blipFill>
-        <p:spPr>
-          <a:xfrm>
-            <a:off x="11015002" y="6402549"/>
-            <a:ext cx="1176998" cy="455451"/>
-          </a:xfrm>
-          <a:prstGeom prst="rect">
-            <a:avLst/>
-          </a:prstGeom>
-        </p:spPr>
-      </p:pic>
-    </p:spTree>
-    <p:extLst>
-      <p:ext uri="{BB962C8B-B14F-4D97-AF65-F5344CB8AC3E}">
-        <p14:creationId xmlns:p14="http://schemas.microsoft.com/office/powerpoint/2010/main" val="723822709"/>
-      </p:ext>
-    </p:extLst>
-  </p:cSld>
-  <p:clrMapOvr>
-    <a:masterClrMapping/>
-  </p:clrMapOvr>
+  <p:timing>
+    <p:tnLst>
+      <p:par>
+        <p:cTn id="1" dur="indefinite" restart="never" nodeType="tmRoot"/>
+      </p:par>
+    </p:tnLst>
+  </p:timing>
 </p:sld>
 </file>
 
@@ -5557,6 +5617,13 @@
   <p:clrMapOvr>
     <a:masterClrMapping/>
   </p:clrMapOvr>
+  <p:timing>
+    <p:tnLst>
+      <p:par>
+        <p:cTn id="1" dur="indefinite" restart="never" nodeType="tmRoot"/>
+      </p:par>
+    </p:tnLst>
+  </p:timing>
 </p:sld>
 </file>
 
@@ -5674,6 +5741,13 @@
   <p:clrMapOvr>
     <a:masterClrMapping/>
   </p:clrMapOvr>
+  <p:timing>
+    <p:tnLst>
+      <p:par>
+        <p:cTn id="1" dur="indefinite" restart="never" nodeType="tmRoot"/>
+      </p:par>
+    </p:tnLst>
+  </p:timing>
 </p:sld>
 </file>
 
@@ -5850,6 +5924,13 @@
   <p:clrMapOvr>
     <a:masterClrMapping/>
   </p:clrMapOvr>
+  <p:timing>
+    <p:tnLst>
+      <p:par>
+        <p:cTn id="1" dur="indefinite" restart="never" nodeType="tmRoot"/>
+      </p:par>
+    </p:tnLst>
+  </p:timing>
 </p:sld>
 </file>
 
@@ -5970,6 +6051,13 @@
   <p:clrMapOvr>
     <a:masterClrMapping/>
   </p:clrMapOvr>
+  <p:timing>
+    <p:tnLst>
+      <p:par>
+        <p:cTn id="1" dur="indefinite" restart="never" nodeType="tmRoot"/>
+      </p:par>
+    </p:tnLst>
+  </p:timing>
 </p:sld>
 </file>
 
@@ -6064,7 +6152,15 @@
             </a:r>
             <a:r>
               <a:rPr lang="pt-BR" dirty="0"/>
-              <a:t>: Em uma classe base, quando um método é Abstract, ele não deve ter uma implementação, esta ficará por conta da classe filho.</a:t>
+              <a:t>: Em uma classe base, quando um método é Abstract, ele não </a:t>
+            </a:r>
+            <a:r>
+              <a:rPr lang="pt-BR" dirty="0" smtClean="0"/>
+              <a:t>terá </a:t>
+            </a:r>
+            <a:r>
+              <a:rPr lang="pt-BR" dirty="0"/>
+              <a:t>uma implementação, esta ficará por conta da classe filho.</a:t>
             </a:r>
           </a:p>
           <a:p>
@@ -6136,6 +6232,13 @@
   <p:clrMapOvr>
     <a:masterClrMapping/>
   </p:clrMapOvr>
+  <p:timing>
+    <p:tnLst>
+      <p:par>
+        <p:cTn id="1" dur="indefinite" restart="never" nodeType="tmRoot"/>
+      </p:par>
+    </p:tnLst>
+  </p:timing>
 </p:sld>
 </file>
 
@@ -6173,8 +6276,13 @@
           <a:p>
             <a:r>
               <a:rPr lang="pt-BR" dirty="0"/>
-              <a:t>Programação orientada a objetos</a:t>
-            </a:r>
+              <a:t>Programação orientada a </a:t>
+            </a:r>
+            <a:r>
+              <a:rPr lang="pt-BR" dirty="0" smtClean="0"/>
+              <a:t>objetos (P.O.O)</a:t>
+            </a:r>
+            <a:endParaRPr lang="pt-BR" dirty="0"/>
           </a:p>
         </p:txBody>
       </p:sp>
@@ -6383,30 +6491,6 @@
       </p:sp>
       <p:pic>
         <p:nvPicPr>
-          <p:cNvPr id="2" name="Imagem 1"/>
-          <p:cNvPicPr>
-            <a:picLocks noChangeAspect="1"/>
-          </p:cNvPicPr>
-          <p:nvPr/>
-        </p:nvPicPr>
-        <p:blipFill>
-          <a:blip r:embed="rId2"/>
-          <a:stretch>
-            <a:fillRect/>
-          </a:stretch>
-        </p:blipFill>
-        <p:spPr>
-          <a:xfrm>
-            <a:off x="2316004" y="1978949"/>
-            <a:ext cx="7620952" cy="4088822"/>
-          </a:xfrm>
-          <a:prstGeom prst="rect">
-            <a:avLst/>
-          </a:prstGeom>
-        </p:spPr>
-      </p:pic>
-      <p:pic>
-        <p:nvPicPr>
           <p:cNvPr id="7" name="Imagem 6"/>
           <p:cNvPicPr>
             <a:picLocks noChangeAspect="1"/>
@@ -6414,7 +6498,7 @@
           <p:nvPr/>
         </p:nvPicPr>
         <p:blipFill>
-          <a:blip r:embed="rId3" cstate="print">
+          <a:blip r:embed="rId2" cstate="print">
             <a:extLst>
               <a:ext uri="{28A0092B-C50C-407E-A947-70E740481C1C}">
                 <a14:useLocalDpi xmlns:a14="http://schemas.microsoft.com/office/drawing/2010/main" val="0"/>
@@ -6429,6 +6513,30 @@
           <a:xfrm>
             <a:off x="11015002" y="6402549"/>
             <a:ext cx="1176998" cy="455451"/>
+          </a:xfrm>
+          <a:prstGeom prst="rect">
+            <a:avLst/>
+          </a:prstGeom>
+        </p:spPr>
+      </p:pic>
+      <p:pic>
+        <p:nvPicPr>
+          <p:cNvPr id="5" name="Imagem 4"/>
+          <p:cNvPicPr>
+            <a:picLocks noChangeAspect="1"/>
+          </p:cNvPicPr>
+          <p:nvPr/>
+        </p:nvPicPr>
+        <p:blipFill>
+          <a:blip r:embed="rId3"/>
+          <a:stretch>
+            <a:fillRect/>
+          </a:stretch>
+        </p:blipFill>
+        <p:spPr>
+          <a:xfrm>
+            <a:off x="2586990" y="2051140"/>
+            <a:ext cx="7078980" cy="3639664"/>
           </a:xfrm>
           <a:prstGeom prst="rect">
             <a:avLst/>
@@ -6445,6 +6553,13 @@
   <p:clrMapOvr>
     <a:masterClrMapping/>
   </p:clrMapOvr>
+  <p:timing>
+    <p:tnLst>
+      <p:par>
+        <p:cTn id="1" dur="indefinite" restart="never" nodeType="tmRoot"/>
+      </p:par>
+    </p:tnLst>
+  </p:timing>
 </p:sld>
 </file>
 
@@ -6535,30 +6650,6 @@
       </p:sp>
       <p:pic>
         <p:nvPicPr>
-          <p:cNvPr id="2" name="Imagem 1"/>
-          <p:cNvPicPr>
-            <a:picLocks noChangeAspect="1"/>
-          </p:cNvPicPr>
-          <p:nvPr/>
-        </p:nvPicPr>
-        <p:blipFill>
-          <a:blip r:embed="rId2"/>
-          <a:stretch>
-            <a:fillRect/>
-          </a:stretch>
-        </p:blipFill>
-        <p:spPr>
-          <a:xfrm>
-            <a:off x="2178608" y="2403565"/>
-            <a:ext cx="7895744" cy="2966357"/>
-          </a:xfrm>
-          <a:prstGeom prst="rect">
-            <a:avLst/>
-          </a:prstGeom>
-        </p:spPr>
-      </p:pic>
-      <p:pic>
-        <p:nvPicPr>
           <p:cNvPr id="9" name="Imagem 8"/>
           <p:cNvPicPr>
             <a:picLocks noChangeAspect="1"/>
@@ -6566,7 +6657,7 @@
           <p:nvPr/>
         </p:nvPicPr>
         <p:blipFill>
-          <a:blip r:embed="rId3" cstate="print">
+          <a:blip r:embed="rId2" cstate="print">
             <a:extLst>
               <a:ext uri="{28A0092B-C50C-407E-A947-70E740481C1C}">
                 <a14:useLocalDpi xmlns:a14="http://schemas.microsoft.com/office/drawing/2010/main" val="0"/>
@@ -6581,6 +6672,30 @@
           <a:xfrm>
             <a:off x="11015002" y="6402549"/>
             <a:ext cx="1176998" cy="455451"/>
+          </a:xfrm>
+          <a:prstGeom prst="rect">
+            <a:avLst/>
+          </a:prstGeom>
+        </p:spPr>
+      </p:pic>
+      <p:pic>
+        <p:nvPicPr>
+          <p:cNvPr id="3" name="Imagem 2"/>
+          <p:cNvPicPr>
+            <a:picLocks noChangeAspect="1"/>
+          </p:cNvPicPr>
+          <p:nvPr/>
+        </p:nvPicPr>
+        <p:blipFill>
+          <a:blip r:embed="rId3"/>
+          <a:stretch>
+            <a:fillRect/>
+          </a:stretch>
+        </p:blipFill>
+        <p:spPr>
+          <a:xfrm>
+            <a:off x="2280420" y="2441664"/>
+            <a:ext cx="7214371" cy="2535283"/>
           </a:xfrm>
           <a:prstGeom prst="rect">
             <a:avLst/>
@@ -6597,6 +6712,13 @@
   <p:clrMapOvr>
     <a:masterClrMapping/>
   </p:clrMapOvr>
+  <p:timing>
+    <p:tnLst>
+      <p:par>
+        <p:cTn id="1" dur="indefinite" restart="never" nodeType="tmRoot"/>
+      </p:par>
+    </p:tnLst>
+  </p:timing>
 </p:sld>
 </file>
 
@@ -6687,30 +6809,6 @@
       </p:sp>
       <p:pic>
         <p:nvPicPr>
-          <p:cNvPr id="2" name="Imagem 1"/>
-          <p:cNvPicPr>
-            <a:picLocks noChangeAspect="1"/>
-          </p:cNvPicPr>
-          <p:nvPr/>
-        </p:nvPicPr>
-        <p:blipFill>
-          <a:blip r:embed="rId2"/>
-          <a:stretch>
-            <a:fillRect/>
-          </a:stretch>
-        </p:blipFill>
-        <p:spPr>
-          <a:xfrm>
-            <a:off x="2082428" y="2119970"/>
-            <a:ext cx="8088103" cy="3239476"/>
-          </a:xfrm>
-          <a:prstGeom prst="rect">
-            <a:avLst/>
-          </a:prstGeom>
-        </p:spPr>
-      </p:pic>
-      <p:pic>
-        <p:nvPicPr>
           <p:cNvPr id="8" name="Imagem 7"/>
           <p:cNvPicPr>
             <a:picLocks noChangeAspect="1"/>
@@ -6718,7 +6816,7 @@
           <p:nvPr/>
         </p:nvPicPr>
         <p:blipFill>
-          <a:blip r:embed="rId3" cstate="print">
+          <a:blip r:embed="rId2" cstate="print">
             <a:extLst>
               <a:ext uri="{28A0092B-C50C-407E-A947-70E740481C1C}">
                 <a14:useLocalDpi xmlns:a14="http://schemas.microsoft.com/office/drawing/2010/main" val="0"/>
@@ -6733,6 +6831,30 @@
           <a:xfrm>
             <a:off x="11015002" y="6402549"/>
             <a:ext cx="1176998" cy="455451"/>
+          </a:xfrm>
+          <a:prstGeom prst="rect">
+            <a:avLst/>
+          </a:prstGeom>
+        </p:spPr>
+      </p:pic>
+      <p:pic>
+        <p:nvPicPr>
+          <p:cNvPr id="3" name="Imagem 2"/>
+          <p:cNvPicPr>
+            <a:picLocks noChangeAspect="1"/>
+          </p:cNvPicPr>
+          <p:nvPr/>
+        </p:nvPicPr>
+        <p:blipFill>
+          <a:blip r:embed="rId3"/>
+          <a:stretch>
+            <a:fillRect/>
+          </a:stretch>
+        </p:blipFill>
+        <p:spPr>
+          <a:xfrm>
+            <a:off x="2221885" y="2808980"/>
+            <a:ext cx="7809190" cy="2521948"/>
           </a:xfrm>
           <a:prstGeom prst="rect">
             <a:avLst/>
@@ -6749,6 +6871,13 @@
   <p:clrMapOvr>
     <a:masterClrMapping/>
   </p:clrMapOvr>
+  <p:timing>
+    <p:tnLst>
+      <p:par>
+        <p:cTn id="1" dur="indefinite" restart="never" nodeType="tmRoot"/>
+      </p:par>
+    </p:tnLst>
+  </p:timing>
 </p:sld>
 </file>
 
@@ -6839,30 +6968,6 @@
       </p:sp>
       <p:pic>
         <p:nvPicPr>
-          <p:cNvPr id="3" name="Imagem 2"/>
-          <p:cNvPicPr>
-            <a:picLocks noChangeAspect="1"/>
-          </p:cNvPicPr>
-          <p:nvPr/>
-        </p:nvPicPr>
-        <p:blipFill>
-          <a:blip r:embed="rId2"/>
-          <a:stretch>
-            <a:fillRect/>
-          </a:stretch>
-        </p:blipFill>
-        <p:spPr>
-          <a:xfrm>
-            <a:off x="2299063" y="1945501"/>
-            <a:ext cx="7654834" cy="3920768"/>
-          </a:xfrm>
-          <a:prstGeom prst="rect">
-            <a:avLst/>
-          </a:prstGeom>
-        </p:spPr>
-      </p:pic>
-      <p:pic>
-        <p:nvPicPr>
           <p:cNvPr id="8" name="Imagem 7"/>
           <p:cNvPicPr>
             <a:picLocks noChangeAspect="1"/>
@@ -6870,7 +6975,7 @@
           <p:nvPr/>
         </p:nvPicPr>
         <p:blipFill>
-          <a:blip r:embed="rId3" cstate="print">
+          <a:blip r:embed="rId2" cstate="print">
             <a:extLst>
               <a:ext uri="{28A0092B-C50C-407E-A947-70E740481C1C}">
                 <a14:useLocalDpi xmlns:a14="http://schemas.microsoft.com/office/drawing/2010/main" val="0"/>
@@ -6885,6 +6990,30 @@
           <a:xfrm>
             <a:off x="11015002" y="6402549"/>
             <a:ext cx="1176998" cy="455451"/>
+          </a:xfrm>
+          <a:prstGeom prst="rect">
+            <a:avLst/>
+          </a:prstGeom>
+        </p:spPr>
+      </p:pic>
+      <p:pic>
+        <p:nvPicPr>
+          <p:cNvPr id="2" name="Imagem 1"/>
+          <p:cNvPicPr>
+            <a:picLocks noChangeAspect="1"/>
+          </p:cNvPicPr>
+          <p:nvPr/>
+        </p:nvPicPr>
+        <p:blipFill>
+          <a:blip r:embed="rId3"/>
+          <a:stretch>
+            <a:fillRect/>
+          </a:stretch>
+        </p:blipFill>
+        <p:spPr>
+          <a:xfrm>
+            <a:off x="2395140" y="2153194"/>
+            <a:ext cx="7462680" cy="3740331"/>
           </a:xfrm>
           <a:prstGeom prst="rect">
             <a:avLst/>
@@ -6901,6 +7030,13 @@
   <p:clrMapOvr>
     <a:masterClrMapping/>
   </p:clrMapOvr>
+  <p:timing>
+    <p:tnLst>
+      <p:par>
+        <p:cTn id="1" dur="indefinite" restart="never" nodeType="tmRoot"/>
+      </p:par>
+    </p:tnLst>
+  </p:timing>
 </p:sld>
 </file>
 
@@ -7014,8 +7150,28 @@
             </a:pPr>
             <a:r>
               <a:rPr lang="pt-BR" dirty="0"/>
-              <a:t>Muito ligado ao OCP</a:t>
-            </a:r>
+              <a:t>Muito ligado ao </a:t>
+            </a:r>
+            <a:r>
+              <a:rPr lang="pt-BR" dirty="0" smtClean="0"/>
+              <a:t>OCP</a:t>
+            </a:r>
+          </a:p>
+          <a:p>
+            <a:pPr marL="0" indent="0">
+              <a:buNone/>
+            </a:pPr>
+            <a:endParaRPr lang="pt-BR" dirty="0"/>
+          </a:p>
+          <a:p>
+            <a:pPr marL="0" indent="0">
+              <a:buNone/>
+            </a:pPr>
+            <a:r>
+              <a:rPr lang="pt-BR" dirty="0" smtClean="0"/>
+              <a:t>Considerações ao utiliza-lo</a:t>
+            </a:r>
+            <a:endParaRPr lang="pt-BR" dirty="0"/>
           </a:p>
         </p:txBody>
       </p:sp>
@@ -7059,6 +7215,13 @@
   <p:clrMapOvr>
     <a:masterClrMapping/>
   </p:clrMapOvr>
+  <p:timing>
+    <p:tnLst>
+      <p:par>
+        <p:cTn id="1" dur="indefinite" restart="never" nodeType="tmRoot"/>
+      </p:par>
+    </p:tnLst>
+  </p:timing>
 </p:sld>
 </file>
 
@@ -7186,6 +7349,13 @@
   <p:clrMapOvr>
     <a:masterClrMapping/>
   </p:clrMapOvr>
+  <p:timing>
+    <p:tnLst>
+      <p:par>
+        <p:cTn id="1" dur="indefinite" restart="never" nodeType="tmRoot"/>
+      </p:par>
+    </p:tnLst>
+  </p:timing>
 </p:sld>
 </file>
 
@@ -7251,30 +7421,6 @@
       </p:sp>
       <p:pic>
         <p:nvPicPr>
-          <p:cNvPr id="2" name="Imagem 1"/>
-          <p:cNvPicPr>
-            <a:picLocks noChangeAspect="1"/>
-          </p:cNvPicPr>
-          <p:nvPr/>
-        </p:nvPicPr>
-        <p:blipFill>
-          <a:blip r:embed="rId2"/>
-          <a:stretch>
-            <a:fillRect/>
-          </a:stretch>
-        </p:blipFill>
-        <p:spPr>
-          <a:xfrm>
-            <a:off x="2851295" y="2194560"/>
-            <a:ext cx="6489409" cy="2967718"/>
-          </a:xfrm>
-          <a:prstGeom prst="rect">
-            <a:avLst/>
-          </a:prstGeom>
-        </p:spPr>
-      </p:pic>
-      <p:pic>
-        <p:nvPicPr>
           <p:cNvPr id="5" name="Imagem 4"/>
           <p:cNvPicPr>
             <a:picLocks noChangeAspect="1"/>
@@ -7282,7 +7428,7 @@
           <p:nvPr/>
         </p:nvPicPr>
         <p:blipFill>
-          <a:blip r:embed="rId3" cstate="print">
+          <a:blip r:embed="rId2" cstate="print">
             <a:extLst>
               <a:ext uri="{28A0092B-C50C-407E-A947-70E740481C1C}">
                 <a14:useLocalDpi xmlns:a14="http://schemas.microsoft.com/office/drawing/2010/main" val="0"/>
@@ -7297,6 +7443,30 @@
           <a:xfrm>
             <a:off x="11015002" y="6402549"/>
             <a:ext cx="1176998" cy="455451"/>
+          </a:xfrm>
+          <a:prstGeom prst="rect">
+            <a:avLst/>
+          </a:prstGeom>
+        </p:spPr>
+      </p:pic>
+      <p:pic>
+        <p:nvPicPr>
+          <p:cNvPr id="3" name="Imagem 2"/>
+          <p:cNvPicPr>
+            <a:picLocks noChangeAspect="1"/>
+          </p:cNvPicPr>
+          <p:nvPr/>
+        </p:nvPicPr>
+        <p:blipFill>
+          <a:blip r:embed="rId3"/>
+          <a:stretch>
+            <a:fillRect/>
+          </a:stretch>
+        </p:blipFill>
+        <p:spPr>
+          <a:xfrm>
+            <a:off x="2959417" y="2524805"/>
+            <a:ext cx="6079065" cy="2621961"/>
           </a:xfrm>
           <a:prstGeom prst="rect">
             <a:avLst/>
@@ -7313,6 +7483,13 @@
   <p:clrMapOvr>
     <a:masterClrMapping/>
   </p:clrMapOvr>
+  <p:timing>
+    <p:tnLst>
+      <p:par>
+        <p:cTn id="1" dur="indefinite" restart="never" nodeType="tmRoot"/>
+      </p:par>
+    </p:tnLst>
+  </p:timing>
 </p:sld>
 </file>
 
@@ -7378,30 +7555,6 @@
       </p:sp>
       <p:pic>
         <p:nvPicPr>
-          <p:cNvPr id="2" name="Imagem 1"/>
-          <p:cNvPicPr>
-            <a:picLocks noChangeAspect="1"/>
-          </p:cNvPicPr>
-          <p:nvPr/>
-        </p:nvPicPr>
-        <p:blipFill>
-          <a:blip r:embed="rId2"/>
-          <a:stretch>
-            <a:fillRect/>
-          </a:stretch>
-        </p:blipFill>
-        <p:spPr>
-          <a:xfrm>
-            <a:off x="2860493" y="2762193"/>
-            <a:ext cx="6471013" cy="1998401"/>
-          </a:xfrm>
-          <a:prstGeom prst="rect">
-            <a:avLst/>
-          </a:prstGeom>
-        </p:spPr>
-      </p:pic>
-      <p:pic>
-        <p:nvPicPr>
           <p:cNvPr id="5" name="Imagem 4"/>
           <p:cNvPicPr>
             <a:picLocks noChangeAspect="1"/>
@@ -7409,7 +7562,7 @@
           <p:nvPr/>
         </p:nvPicPr>
         <p:blipFill>
-          <a:blip r:embed="rId3" cstate="print">
+          <a:blip r:embed="rId2" cstate="print">
             <a:extLst>
               <a:ext uri="{28A0092B-C50C-407E-A947-70E740481C1C}">
                 <a14:useLocalDpi xmlns:a14="http://schemas.microsoft.com/office/drawing/2010/main" val="0"/>
@@ -7424,6 +7577,30 @@
           <a:xfrm>
             <a:off x="11015002" y="6402549"/>
             <a:ext cx="1176998" cy="455451"/>
+          </a:xfrm>
+          <a:prstGeom prst="rect">
+            <a:avLst/>
+          </a:prstGeom>
+        </p:spPr>
+      </p:pic>
+      <p:pic>
+        <p:nvPicPr>
+          <p:cNvPr id="3" name="Imagem 2"/>
+          <p:cNvPicPr>
+            <a:picLocks noChangeAspect="1"/>
+          </p:cNvPicPr>
+          <p:nvPr/>
+        </p:nvPicPr>
+        <p:blipFill>
+          <a:blip r:embed="rId3"/>
+          <a:stretch>
+            <a:fillRect/>
+          </a:stretch>
+        </p:blipFill>
+        <p:spPr>
+          <a:xfrm>
+            <a:off x="2484052" y="2656794"/>
+            <a:ext cx="7284855" cy="2176463"/>
           </a:xfrm>
           <a:prstGeom prst="rect">
             <a:avLst/>
@@ -7440,6 +7617,13 @@
   <p:clrMapOvr>
     <a:masterClrMapping/>
   </p:clrMapOvr>
+  <p:timing>
+    <p:tnLst>
+      <p:par>
+        <p:cTn id="1" dur="indefinite" restart="never" nodeType="tmRoot"/>
+      </p:par>
+    </p:tnLst>
+  </p:timing>
 </p:sld>
 </file>
 
@@ -7462,30 +7646,6 @@
       </p:grpSpPr>
       <p:pic>
         <p:nvPicPr>
-          <p:cNvPr id="2" name="Imagem 1"/>
-          <p:cNvPicPr>
-            <a:picLocks noChangeAspect="1"/>
-          </p:cNvPicPr>
-          <p:nvPr/>
-        </p:nvPicPr>
-        <p:blipFill>
-          <a:blip r:embed="rId2"/>
-          <a:stretch>
-            <a:fillRect/>
-          </a:stretch>
-        </p:blipFill>
-        <p:spPr>
-          <a:xfrm>
-            <a:off x="2641213" y="0"/>
-            <a:ext cx="7446771" cy="6322423"/>
-          </a:xfrm>
-          <a:prstGeom prst="rect">
-            <a:avLst/>
-          </a:prstGeom>
-        </p:spPr>
-      </p:pic>
-      <p:pic>
-        <p:nvPicPr>
           <p:cNvPr id="6" name="Imagem 5"/>
           <p:cNvPicPr>
             <a:picLocks noChangeAspect="1"/>
@@ -7493,7 +7653,7 @@
           <p:nvPr/>
         </p:nvPicPr>
         <p:blipFill>
-          <a:blip r:embed="rId3" cstate="print">
+          <a:blip r:embed="rId2" cstate="print">
             <a:extLst>
               <a:ext uri="{28A0092B-C50C-407E-A947-70E740481C1C}">
                 <a14:useLocalDpi xmlns:a14="http://schemas.microsoft.com/office/drawing/2010/main" val="0"/>
@@ -7508,6 +7668,30 @@
           <a:xfrm>
             <a:off x="11015002" y="6402549"/>
             <a:ext cx="1176998" cy="455451"/>
+          </a:xfrm>
+          <a:prstGeom prst="rect">
+            <a:avLst/>
+          </a:prstGeom>
+        </p:spPr>
+      </p:pic>
+      <p:pic>
+        <p:nvPicPr>
+          <p:cNvPr id="3" name="Imagem 2"/>
+          <p:cNvPicPr>
+            <a:picLocks noChangeAspect="1"/>
+          </p:cNvPicPr>
+          <p:nvPr/>
+        </p:nvPicPr>
+        <p:blipFill>
+          <a:blip r:embed="rId3"/>
+          <a:stretch>
+            <a:fillRect/>
+          </a:stretch>
+        </p:blipFill>
+        <p:spPr>
+          <a:xfrm>
+            <a:off x="2820624" y="25061"/>
+            <a:ext cx="6989582" cy="6832939"/>
           </a:xfrm>
           <a:prstGeom prst="rect">
             <a:avLst/>
@@ -7524,6 +7708,13 @@
   <p:clrMapOvr>
     <a:masterClrMapping/>
   </p:clrMapOvr>
+  <p:timing>
+    <p:tnLst>
+      <p:par>
+        <p:cTn id="1" dur="indefinite" restart="never" nodeType="tmRoot"/>
+      </p:par>
+    </p:tnLst>
+  </p:timing>
 </p:sld>
 </file>
 
@@ -7708,6 +7899,13 @@
   <p:clrMapOvr>
     <a:masterClrMapping/>
   </p:clrMapOvr>
+  <p:timing>
+    <p:tnLst>
+      <p:par>
+        <p:cTn id="1" dur="indefinite" restart="never" nodeType="tmRoot"/>
+      </p:par>
+    </p:tnLst>
+  </p:timing>
 </p:sld>
 </file>
 
@@ -7740,23 +7938,14 @@
         </p:nvSpPr>
         <p:spPr/>
         <p:txBody>
-          <a:bodyPr>
-            <a:normAutofit/>
-          </a:bodyPr>
+          <a:bodyPr/>
           <a:lstStyle/>
           <a:p>
             <a:r>
-              <a:rPr lang="pt-BR" dirty="0"/>
-              <a:t>Acrônimo </a:t>
-            </a:r>
-            <a:r>
-              <a:rPr lang="pt-BR" b="1" dirty="0"/>
-              <a:t>S.O.L.I.D</a:t>
-            </a:r>
-            <a:r>
-              <a:rPr lang="pt-BR" dirty="0"/>
-              <a:t> ( mas diz-se SOLID) </a:t>
-            </a:r>
+              <a:rPr lang="pt-BR" dirty="0" smtClean="0"/>
+              <a:t>P.O.O.</a:t>
+            </a:r>
+            <a:endParaRPr lang="pt-BR" dirty="0"/>
           </a:p>
         </p:txBody>
       </p:sp>
@@ -7772,237 +7961,50 @@
         </p:nvSpPr>
         <p:spPr/>
         <p:txBody>
-          <a:bodyPr>
-            <a:normAutofit fontScale="92500" lnSpcReduction="10000"/>
-          </a:bodyPr>
+          <a:bodyPr/>
           <a:lstStyle/>
           <a:p>
-            <a:pPr marL="0" indent="0">
-              <a:buNone/>
-            </a:pPr>
+            <a:r>
+              <a:rPr lang="pt-BR" dirty="0"/>
+              <a:t>4 PILARES</a:t>
+            </a:r>
+          </a:p>
+          <a:p>
             <a:endParaRPr lang="pt-BR" dirty="0"/>
           </a:p>
           <a:p>
-            <a:pPr>
-              <a:lnSpc>
-                <a:spcPct val="200000"/>
-              </a:lnSpc>
-            </a:pPr>
-            <a:r>
-              <a:rPr lang="pt-BR" b="1" dirty="0"/>
-              <a:t>SRP</a:t>
-            </a:r>
-            <a:r>
-              <a:rPr lang="pt-BR" dirty="0"/>
-              <a:t> - Single </a:t>
-            </a:r>
-            <a:r>
-              <a:rPr lang="pt-BR" dirty="0" err="1"/>
-              <a:t>Responsability</a:t>
-            </a:r>
-            <a:r>
-              <a:rPr lang="pt-BR" dirty="0"/>
-              <a:t> </a:t>
-            </a:r>
-            <a:r>
-              <a:rPr lang="pt-BR" dirty="0" err="1"/>
-              <a:t>Principle</a:t>
-            </a:r>
-            <a:r>
-              <a:rPr lang="pt-BR" dirty="0"/>
-              <a:t> (Principio da Responsabilidade única)</a:t>
-            </a:r>
-          </a:p>
-          <a:p>
-            <a:pPr>
-              <a:lnSpc>
-                <a:spcPct val="200000"/>
-              </a:lnSpc>
-            </a:pPr>
-            <a:r>
-              <a:rPr lang="pt-BR" b="1" dirty="0"/>
-              <a:t>OCP</a:t>
-            </a:r>
-            <a:r>
-              <a:rPr lang="pt-BR" dirty="0"/>
-              <a:t> – Open/</a:t>
-            </a:r>
-            <a:r>
-              <a:rPr lang="pt-BR" dirty="0" err="1"/>
-              <a:t>Closed</a:t>
-            </a:r>
-            <a:r>
-              <a:rPr lang="pt-BR" dirty="0"/>
-              <a:t> </a:t>
-            </a:r>
-            <a:r>
-              <a:rPr lang="pt-BR" dirty="0" err="1"/>
-              <a:t>Principle</a:t>
-            </a:r>
-            <a:r>
-              <a:rPr lang="pt-BR" dirty="0"/>
-              <a:t> (Principio do Aberto/Fechado)</a:t>
-            </a:r>
-          </a:p>
-          <a:p>
-            <a:pPr>
-              <a:lnSpc>
-                <a:spcPct val="200000"/>
-              </a:lnSpc>
-            </a:pPr>
-            <a:r>
-              <a:rPr lang="pt-BR" b="1" dirty="0"/>
-              <a:t>LSP</a:t>
-            </a:r>
-            <a:r>
-              <a:rPr lang="pt-BR" dirty="0"/>
-              <a:t> – </a:t>
-            </a:r>
-            <a:r>
-              <a:rPr lang="pt-BR" dirty="0" err="1"/>
-              <a:t>Liskov</a:t>
-            </a:r>
-            <a:r>
-              <a:rPr lang="pt-BR" dirty="0"/>
-              <a:t> </a:t>
-            </a:r>
-            <a:r>
-              <a:rPr lang="pt-BR" dirty="0" err="1"/>
-              <a:t>Subistitution</a:t>
-            </a:r>
-            <a:r>
-              <a:rPr lang="pt-BR" dirty="0"/>
-              <a:t> </a:t>
-            </a:r>
-            <a:r>
-              <a:rPr lang="pt-BR" dirty="0" err="1"/>
-              <a:t>Principle</a:t>
-            </a:r>
-            <a:r>
-              <a:rPr lang="pt-BR" dirty="0"/>
-              <a:t> (Principio de Substituição de </a:t>
-            </a:r>
-            <a:r>
-              <a:rPr lang="pt-BR" dirty="0" err="1"/>
-              <a:t>Liskov</a:t>
-            </a:r>
-            <a:r>
-              <a:rPr lang="pt-BR" dirty="0"/>
-              <a:t>)</a:t>
-            </a:r>
-          </a:p>
-          <a:p>
-            <a:pPr>
-              <a:lnSpc>
-                <a:spcPct val="200000"/>
-              </a:lnSpc>
-            </a:pPr>
-            <a:r>
-              <a:rPr lang="pt-BR" b="1" dirty="0"/>
-              <a:t>ISP</a:t>
-            </a:r>
-            <a:r>
-              <a:rPr lang="pt-BR" dirty="0"/>
-              <a:t> – Interface </a:t>
-            </a:r>
-            <a:r>
-              <a:rPr lang="pt-BR" dirty="0" err="1"/>
-              <a:t>Segregation</a:t>
-            </a:r>
-            <a:r>
-              <a:rPr lang="pt-BR" dirty="0"/>
-              <a:t> </a:t>
-            </a:r>
-            <a:r>
-              <a:rPr lang="pt-BR" dirty="0" err="1"/>
-              <a:t>Principle</a:t>
-            </a:r>
-            <a:r>
-              <a:rPr lang="pt-BR" dirty="0"/>
-              <a:t> ( Principio da Segregação de Interfaces)</a:t>
-            </a:r>
-          </a:p>
-          <a:p>
-            <a:pPr>
-              <a:lnSpc>
-                <a:spcPct val="200000"/>
-              </a:lnSpc>
-            </a:pPr>
-            <a:r>
-              <a:rPr lang="pt-BR" b="1" dirty="0"/>
-              <a:t>DIP</a:t>
-            </a:r>
-            <a:r>
-              <a:rPr lang="pt-BR" dirty="0"/>
-              <a:t> – </a:t>
-            </a:r>
-            <a:r>
-              <a:rPr lang="pt-BR" dirty="0" err="1"/>
-              <a:t>Dependency</a:t>
-            </a:r>
-            <a:r>
-              <a:rPr lang="pt-BR" dirty="0"/>
-              <a:t> </a:t>
-            </a:r>
-            <a:r>
-              <a:rPr lang="pt-BR" dirty="0" err="1"/>
-              <a:t>Inversion</a:t>
-            </a:r>
-            <a:r>
-              <a:rPr lang="pt-BR" dirty="0"/>
-              <a:t> </a:t>
-            </a:r>
-            <a:r>
-              <a:rPr lang="pt-BR" dirty="0" err="1"/>
-              <a:t>Principle</a:t>
-            </a:r>
-            <a:r>
-              <a:rPr lang="pt-BR" dirty="0"/>
-              <a:t> (Principio da Inversão de dependência)</a:t>
-            </a:r>
-          </a:p>
-          <a:p>
-            <a:pPr marL="0" indent="0">
-              <a:buNone/>
-            </a:pPr>
+            <a:r>
+              <a:rPr lang="pt-BR" dirty="0"/>
+              <a:t>1. ABSTRAÇÃO (Identidade, Propriedade e Métodos)</a:t>
+            </a:r>
+          </a:p>
+          <a:p>
+            <a:r>
+              <a:rPr lang="pt-BR" dirty="0"/>
+              <a:t>2. ENCAPSULAMENTO (Propriedades privadas, caixa preta)</a:t>
+            </a:r>
+          </a:p>
+          <a:p>
+            <a:r>
+              <a:rPr lang="pt-BR" dirty="0"/>
+              <a:t>3. HERANÇA</a:t>
+            </a:r>
+          </a:p>
+          <a:p>
+            <a:r>
+              <a:rPr lang="pt-BR" dirty="0"/>
+              <a:t>4. POLIMORFISMO (Herda características, mas as vezes é necessário uma alteração)</a:t>
+            </a:r>
+          </a:p>
+          <a:p>
             <a:endParaRPr lang="pt-BR" dirty="0"/>
           </a:p>
         </p:txBody>
       </p:sp>
-      <p:pic>
-        <p:nvPicPr>
-          <p:cNvPr id="4" name="Imagem 3"/>
-          <p:cNvPicPr>
-            <a:picLocks noChangeAspect="1"/>
-          </p:cNvPicPr>
-          <p:nvPr/>
-        </p:nvPicPr>
-        <p:blipFill>
-          <a:blip r:embed="rId2" cstate="print">
-            <a:extLst>
-              <a:ext uri="{28A0092B-C50C-407E-A947-70E740481C1C}">
-                <a14:useLocalDpi xmlns:a14="http://schemas.microsoft.com/office/drawing/2010/main" val="0"/>
-              </a:ext>
-            </a:extLst>
-          </a:blip>
-          <a:stretch>
-            <a:fillRect/>
-          </a:stretch>
-        </p:blipFill>
-        <p:spPr>
-          <a:xfrm>
-            <a:off x="11015002" y="6402549"/>
-            <a:ext cx="1176998" cy="455451"/>
-          </a:xfrm>
-          <a:prstGeom prst="rect">
-            <a:avLst/>
-          </a:prstGeom>
-        </p:spPr>
-      </p:pic>
     </p:spTree>
     <p:extLst>
       <p:ext uri="{BB962C8B-B14F-4D97-AF65-F5344CB8AC3E}">
-        <p14:creationId xmlns:p14="http://schemas.microsoft.com/office/powerpoint/2010/main" val="629700163"/>
+        <p14:creationId xmlns:p14="http://schemas.microsoft.com/office/powerpoint/2010/main" val="3420809210"/>
       </p:ext>
     </p:extLst>
   </p:cSld>
@@ -8137,6 +8139,13 @@
   <p:clrMapOvr>
     <a:masterClrMapping/>
   </p:clrMapOvr>
+  <p:timing>
+    <p:tnLst>
+      <p:par>
+        <p:cTn id="1" dur="indefinite" restart="never" nodeType="tmRoot"/>
+      </p:par>
+    </p:tnLst>
+  </p:timing>
 </p:sld>
 </file>
 
@@ -8264,6 +8273,13 @@
   <p:clrMapOvr>
     <a:masterClrMapping/>
   </p:clrMapOvr>
+  <p:timing>
+    <p:tnLst>
+      <p:par>
+        <p:cTn id="1" dur="indefinite" restart="never" nodeType="tmRoot"/>
+      </p:par>
+    </p:tnLst>
+  </p:timing>
 </p:sld>
 </file>
 
@@ -8391,6 +8407,13 @@
   <p:clrMapOvr>
     <a:masterClrMapping/>
   </p:clrMapOvr>
+  <p:timing>
+    <p:tnLst>
+      <p:par>
+        <p:cTn id="1" dur="indefinite" restart="never" nodeType="tmRoot"/>
+      </p:par>
+    </p:tnLst>
+  </p:timing>
 </p:sld>
 </file>
 
@@ -8537,6 +8560,13 @@
   <p:clrMapOvr>
     <a:masterClrMapping/>
   </p:clrMapOvr>
+  <p:timing>
+    <p:tnLst>
+      <p:par>
+        <p:cTn id="1" dur="indefinite" restart="never" nodeType="tmRoot"/>
+      </p:par>
+    </p:tnLst>
+  </p:timing>
 </p:sld>
 </file>
 
@@ -8559,30 +8589,6 @@
       </p:grpSpPr>
       <p:pic>
         <p:nvPicPr>
-          <p:cNvPr id="4" name="Imagem 3"/>
-          <p:cNvPicPr>
-            <a:picLocks noChangeAspect="1"/>
-          </p:cNvPicPr>
-          <p:nvPr/>
-        </p:nvPicPr>
-        <p:blipFill>
-          <a:blip r:embed="rId2"/>
-          <a:stretch>
-            <a:fillRect/>
-          </a:stretch>
-        </p:blipFill>
-        <p:spPr>
-          <a:xfrm>
-            <a:off x="2631682" y="156754"/>
-            <a:ext cx="7152398" cy="6172417"/>
-          </a:xfrm>
-          <a:prstGeom prst="rect">
-            <a:avLst/>
-          </a:prstGeom>
-        </p:spPr>
-      </p:pic>
-      <p:pic>
-        <p:nvPicPr>
           <p:cNvPr id="6" name="Imagem 5"/>
           <p:cNvPicPr>
             <a:picLocks noChangeAspect="1"/>
@@ -8590,7 +8596,7 @@
           <p:nvPr/>
         </p:nvPicPr>
         <p:blipFill>
-          <a:blip r:embed="rId3" cstate="print">
+          <a:blip r:embed="rId2" cstate="print">
             <a:extLst>
               <a:ext uri="{28A0092B-C50C-407E-A947-70E740481C1C}">
                 <a14:useLocalDpi xmlns:a14="http://schemas.microsoft.com/office/drawing/2010/main" val="0"/>
@@ -8611,6 +8617,76 @@
           </a:prstGeom>
         </p:spPr>
       </p:pic>
+      <p:pic>
+        <p:nvPicPr>
+          <p:cNvPr id="2" name="Imagem 1"/>
+          <p:cNvPicPr>
+            <a:picLocks noChangeAspect="1"/>
+          </p:cNvPicPr>
+          <p:nvPr/>
+        </p:nvPicPr>
+        <p:blipFill>
+          <a:blip r:embed="rId3"/>
+          <a:stretch>
+            <a:fillRect/>
+          </a:stretch>
+        </p:blipFill>
+        <p:spPr>
+          <a:xfrm>
+            <a:off x="1850571" y="0"/>
+            <a:ext cx="8490858" cy="6858000"/>
+          </a:xfrm>
+          <a:prstGeom prst="rect">
+            <a:avLst/>
+          </a:prstGeom>
+        </p:spPr>
+      </p:pic>
+      <p:sp>
+        <p:nvSpPr>
+          <p:cNvPr id="3" name="Retângulo 2"/>
+          <p:cNvSpPr/>
+          <p:nvPr/>
+        </p:nvSpPr>
+        <p:spPr>
+          <a:xfrm>
+            <a:off x="2007325" y="5238206"/>
+            <a:ext cx="8177349" cy="1515292"/>
+          </a:xfrm>
+          <a:prstGeom prst="rect">
+            <a:avLst/>
+          </a:prstGeom>
+          <a:noFill/>
+          <a:ln w="76200">
+            <a:solidFill>
+              <a:srgbClr val="FF0000"/>
+            </a:solidFill>
+          </a:ln>
+        </p:spPr>
+        <p:style>
+          <a:lnRef idx="2">
+            <a:schemeClr val="accent1">
+              <a:shade val="50000"/>
+            </a:schemeClr>
+          </a:lnRef>
+          <a:fillRef idx="1">
+            <a:schemeClr val="accent1"/>
+          </a:fillRef>
+          <a:effectRef idx="0">
+            <a:schemeClr val="accent1"/>
+          </a:effectRef>
+          <a:fontRef idx="minor">
+            <a:schemeClr val="lt1"/>
+          </a:fontRef>
+        </p:style>
+        <p:txBody>
+          <a:bodyPr rtlCol="0" anchor="ctr"/>
+          <a:lstStyle/>
+          <a:p>
+            <a:pPr algn="ctr"/>
+            <a:endParaRPr lang="pt-BR"/>
+          </a:p>
+        </p:txBody>
+      </p:sp>
     </p:spTree>
     <p:extLst>
       <p:ext uri="{BB962C8B-B14F-4D97-AF65-F5344CB8AC3E}">
@@ -8621,6 +8697,13 @@
   <p:clrMapOvr>
     <a:masterClrMapping/>
   </p:clrMapOvr>
+  <p:timing>
+    <p:tnLst>
+      <p:par>
+        <p:cTn id="1" dur="indefinite" restart="never" nodeType="tmRoot"/>
+      </p:par>
+    </p:tnLst>
+  </p:timing>
 </p:sld>
 </file>
 
@@ -8793,6 +8876,13 @@
   <p:clrMapOvr>
     <a:masterClrMapping/>
   </p:clrMapOvr>
+  <p:timing>
+    <p:tnLst>
+      <p:par>
+        <p:cTn id="1" dur="indefinite" restart="never" nodeType="tmRoot"/>
+      </p:par>
+    </p:tnLst>
+  </p:timing>
 </p:sld>
 </file>
 
@@ -8938,6 +9028,13 @@
   <p:clrMapOvr>
     <a:masterClrMapping/>
   </p:clrMapOvr>
+  <p:timing>
+    <p:tnLst>
+      <p:par>
+        <p:cTn id="1" dur="indefinite" restart="never" nodeType="tmRoot"/>
+      </p:par>
+    </p:tnLst>
+  </p:timing>
 </p:sld>
 </file>
 
@@ -9021,6 +9118,158 @@
       </p:sp>
       <p:pic>
         <p:nvPicPr>
+          <p:cNvPr id="5" name="Imagem 4"/>
+          <p:cNvPicPr>
+            <a:picLocks noChangeAspect="1"/>
+          </p:cNvPicPr>
+          <p:nvPr/>
+        </p:nvPicPr>
+        <p:blipFill>
+          <a:blip r:embed="rId2" cstate="print">
+            <a:extLst>
+              <a:ext uri="{28A0092B-C50C-407E-A947-70E740481C1C}">
+                <a14:useLocalDpi xmlns:a14="http://schemas.microsoft.com/office/drawing/2010/main" val="0"/>
+              </a:ext>
+            </a:extLst>
+          </a:blip>
+          <a:stretch>
+            <a:fillRect/>
+          </a:stretch>
+        </p:blipFill>
+        <p:spPr>
+          <a:xfrm>
+            <a:off x="11015002" y="6402549"/>
+            <a:ext cx="1176998" cy="455451"/>
+          </a:xfrm>
+          <a:prstGeom prst="rect">
+            <a:avLst/>
+          </a:prstGeom>
+        </p:spPr>
+      </p:pic>
+      <p:pic>
+        <p:nvPicPr>
+          <p:cNvPr id="6" name="Imagem 5"/>
+          <p:cNvPicPr>
+            <a:picLocks noChangeAspect="1"/>
+          </p:cNvPicPr>
+          <p:nvPr/>
+        </p:nvPicPr>
+        <p:blipFill>
+          <a:blip r:embed="rId3"/>
+          <a:stretch>
+            <a:fillRect/>
+          </a:stretch>
+        </p:blipFill>
+        <p:spPr>
+          <a:xfrm>
+            <a:off x="3458526" y="1876116"/>
+            <a:ext cx="4718822" cy="4387676"/>
+          </a:xfrm>
+          <a:prstGeom prst="rect">
+            <a:avLst/>
+          </a:prstGeom>
+        </p:spPr>
+      </p:pic>
+    </p:spTree>
+    <p:extLst>
+      <p:ext uri="{BB962C8B-B14F-4D97-AF65-F5344CB8AC3E}">
+        <p14:creationId xmlns:p14="http://schemas.microsoft.com/office/powerpoint/2010/main" val="1233075302"/>
+      </p:ext>
+    </p:extLst>
+  </p:cSld>
+  <p:clrMapOvr>
+    <a:masterClrMapping/>
+  </p:clrMapOvr>
+  <p:timing>
+    <p:tnLst>
+      <p:par>
+        <p:cTn id="1" dur="indefinite" restart="never" nodeType="tmRoot"/>
+      </p:par>
+    </p:tnLst>
+  </p:timing>
+</p:sld>
+</file>
+
+<file path=ppt/slides/slide38.xml><?xml version="1.0" encoding="utf-8"?>
+<p:sld xmlns:a="http://schemas.openxmlformats.org/drawingml/2006/main" xmlns:r="http://schemas.openxmlformats.org/officeDocument/2006/relationships" xmlns:p="http://schemas.openxmlformats.org/presentationml/2006/main">
+  <p:cSld>
+    <p:spTree>
+      <p:nvGrpSpPr>
+        <p:cNvPr id="1" name=""/>
+        <p:cNvGrpSpPr/>
+        <p:nvPr/>
+      </p:nvGrpSpPr>
+      <p:grpSpPr>
+        <a:xfrm>
+          <a:off x="0" y="0"/>
+          <a:ext cx="0" cy="0"/>
+          <a:chOff x="0" y="0"/>
+          <a:chExt cx="0" cy="0"/>
+        </a:xfrm>
+      </p:grpSpPr>
+      <p:sp>
+        <p:nvSpPr>
+          <p:cNvPr id="4" name="Título 1"/>
+          <p:cNvSpPr>
+            <a:spLocks noGrp="1"/>
+          </p:cNvSpPr>
+          <p:nvPr>
+            <p:ph type="title"/>
+          </p:nvPr>
+        </p:nvSpPr>
+        <p:spPr/>
+        <p:txBody>
+          <a:bodyPr/>
+          <a:lstStyle/>
+          <a:p>
+            <a:r>
+              <a:rPr lang="pt-BR" dirty="0"/>
+              <a:t>ISP – Interface </a:t>
+            </a:r>
+            <a:r>
+              <a:rPr lang="pt-BR" dirty="0" err="1"/>
+              <a:t>Segregation</a:t>
+            </a:r>
+            <a:r>
+              <a:rPr lang="pt-BR" dirty="0"/>
+              <a:t> </a:t>
+            </a:r>
+            <a:r>
+              <a:rPr lang="pt-BR" dirty="0" err="1"/>
+              <a:t>Principle</a:t>
+            </a:r>
+            <a:endParaRPr lang="pt-BR" dirty="0"/>
+          </a:p>
+        </p:txBody>
+      </p:sp>
+      <p:sp>
+        <p:nvSpPr>
+          <p:cNvPr id="2" name="CaixaDeTexto 1"/>
+          <p:cNvSpPr txBox="1"/>
+          <p:nvPr/>
+        </p:nvSpPr>
+        <p:spPr>
+          <a:xfrm>
+            <a:off x="1214846" y="2534194"/>
+            <a:ext cx="184731" cy="369332"/>
+          </a:xfrm>
+          <a:prstGeom prst="rect">
+            <a:avLst/>
+          </a:prstGeom>
+          <a:noFill/>
+        </p:spPr>
+        <p:txBody>
+          <a:bodyPr wrap="none" rtlCol="0">
+            <a:spAutoFit/>
+          </a:bodyPr>
+          <a:lstStyle/>
+          <a:p>
+            <a:endParaRPr lang="pt-BR" dirty="0"/>
+          </a:p>
+        </p:txBody>
+      </p:sp>
+      <p:pic>
+        <p:nvPicPr>
           <p:cNvPr id="3" name="Imagem 2"/>
           <p:cNvPicPr>
             <a:picLocks noChangeAspect="1"/>
@@ -9035,8 +9284,8 @@
         </p:blipFill>
         <p:spPr>
           <a:xfrm>
-            <a:off x="3899535" y="1873568"/>
-            <a:ext cx="4453890" cy="4340929"/>
+            <a:off x="3696924" y="1860505"/>
+            <a:ext cx="4859111" cy="4418856"/>
           </a:xfrm>
           <a:prstGeom prst="rect">
             <a:avLst/>
@@ -9076,151 +9325,6 @@
     </p:spTree>
     <p:extLst>
       <p:ext uri="{BB962C8B-B14F-4D97-AF65-F5344CB8AC3E}">
-        <p14:creationId xmlns:p14="http://schemas.microsoft.com/office/powerpoint/2010/main" val="1233075302"/>
-      </p:ext>
-    </p:extLst>
-  </p:cSld>
-  <p:clrMapOvr>
-    <a:masterClrMapping/>
-  </p:clrMapOvr>
-</p:sld>
-</file>
-
-<file path=ppt/slides/slide38.xml><?xml version="1.0" encoding="utf-8"?>
-<p:sld xmlns:a="http://schemas.openxmlformats.org/drawingml/2006/main" xmlns:r="http://schemas.openxmlformats.org/officeDocument/2006/relationships" xmlns:p="http://schemas.openxmlformats.org/presentationml/2006/main">
-  <p:cSld>
-    <p:spTree>
-      <p:nvGrpSpPr>
-        <p:cNvPr id="1" name=""/>
-        <p:cNvGrpSpPr/>
-        <p:nvPr/>
-      </p:nvGrpSpPr>
-      <p:grpSpPr>
-        <a:xfrm>
-          <a:off x="0" y="0"/>
-          <a:ext cx="0" cy="0"/>
-          <a:chOff x="0" y="0"/>
-          <a:chExt cx="0" cy="0"/>
-        </a:xfrm>
-      </p:grpSpPr>
-      <p:sp>
-        <p:nvSpPr>
-          <p:cNvPr id="4" name="Título 1"/>
-          <p:cNvSpPr>
-            <a:spLocks noGrp="1"/>
-          </p:cNvSpPr>
-          <p:nvPr>
-            <p:ph type="title"/>
-          </p:nvPr>
-        </p:nvSpPr>
-        <p:spPr/>
-        <p:txBody>
-          <a:bodyPr/>
-          <a:lstStyle/>
-          <a:p>
-            <a:r>
-              <a:rPr lang="pt-BR" dirty="0"/>
-              <a:t>ISP – Interface </a:t>
-            </a:r>
-            <a:r>
-              <a:rPr lang="pt-BR" dirty="0" err="1"/>
-              <a:t>Segregation</a:t>
-            </a:r>
-            <a:r>
-              <a:rPr lang="pt-BR" dirty="0"/>
-              <a:t> </a:t>
-            </a:r>
-            <a:r>
-              <a:rPr lang="pt-BR" dirty="0" err="1"/>
-              <a:t>Principle</a:t>
-            </a:r>
-            <a:endParaRPr lang="pt-BR" dirty="0"/>
-          </a:p>
-        </p:txBody>
-      </p:sp>
-      <p:sp>
-        <p:nvSpPr>
-          <p:cNvPr id="2" name="CaixaDeTexto 1"/>
-          <p:cNvSpPr txBox="1"/>
-          <p:nvPr/>
-        </p:nvSpPr>
-        <p:spPr>
-          <a:xfrm>
-            <a:off x="1214846" y="2534194"/>
-            <a:ext cx="184731" cy="369332"/>
-          </a:xfrm>
-          <a:prstGeom prst="rect">
-            <a:avLst/>
-          </a:prstGeom>
-          <a:noFill/>
-        </p:spPr>
-        <p:txBody>
-          <a:bodyPr wrap="none" rtlCol="0">
-            <a:spAutoFit/>
-          </a:bodyPr>
-          <a:lstStyle/>
-          <a:p>
-            <a:endParaRPr lang="pt-BR" dirty="0"/>
-          </a:p>
-        </p:txBody>
-      </p:sp>
-      <p:pic>
-        <p:nvPicPr>
-          <p:cNvPr id="3" name="Imagem 2"/>
-          <p:cNvPicPr>
-            <a:picLocks noChangeAspect="1"/>
-          </p:cNvPicPr>
-          <p:nvPr/>
-        </p:nvPicPr>
-        <p:blipFill>
-          <a:blip r:embed="rId2"/>
-          <a:stretch>
-            <a:fillRect/>
-          </a:stretch>
-        </p:blipFill>
-        <p:spPr>
-          <a:xfrm>
-            <a:off x="3696924" y="1860505"/>
-            <a:ext cx="4859111" cy="4418856"/>
-          </a:xfrm>
-          <a:prstGeom prst="rect">
-            <a:avLst/>
-          </a:prstGeom>
-        </p:spPr>
-      </p:pic>
-      <p:pic>
-        <p:nvPicPr>
-          <p:cNvPr id="5" name="Imagem 4"/>
-          <p:cNvPicPr>
-            <a:picLocks noChangeAspect="1"/>
-          </p:cNvPicPr>
-          <p:nvPr/>
-        </p:nvPicPr>
-        <p:blipFill>
-          <a:blip r:embed="rId3" cstate="print">
-            <a:extLst>
-              <a:ext uri="{28A0092B-C50C-407E-A947-70E740481C1C}">
-                <a14:useLocalDpi xmlns:a14="http://schemas.microsoft.com/office/drawing/2010/main" val="0"/>
-              </a:ext>
-            </a:extLst>
-          </a:blip>
-          <a:stretch>
-            <a:fillRect/>
-          </a:stretch>
-        </p:blipFill>
-        <p:spPr>
-          <a:xfrm>
-            <a:off x="11015002" y="6402549"/>
-            <a:ext cx="1176998" cy="455451"/>
-          </a:xfrm>
-          <a:prstGeom prst="rect">
-            <a:avLst/>
-          </a:prstGeom>
-        </p:spPr>
-      </p:pic>
-    </p:spTree>
-    <p:extLst>
-      <p:ext uri="{BB962C8B-B14F-4D97-AF65-F5344CB8AC3E}">
         <p14:creationId xmlns:p14="http://schemas.microsoft.com/office/powerpoint/2010/main" val="180362785"/>
       </p:ext>
     </p:extLst>
@@ -9228,6 +9332,13 @@
   <p:clrMapOvr>
     <a:masterClrMapping/>
   </p:clrMapOvr>
+  <p:timing>
+    <p:tnLst>
+      <p:par>
+        <p:cTn id="1" dur="indefinite" restart="never" nodeType="tmRoot"/>
+      </p:par>
+    </p:tnLst>
+  </p:timing>
 </p:sld>
 </file>
 
@@ -9395,6 +9506,13 @@
   <p:clrMapOvr>
     <a:masterClrMapping/>
   </p:clrMapOvr>
+  <p:timing>
+    <p:tnLst>
+      <p:par>
+        <p:cTn id="1" dur="indefinite" restart="never" nodeType="tmRoot"/>
+      </p:par>
+    </p:tnLst>
+  </p:timing>
 </p:sld>
 </file>
 
@@ -9415,18 +9533,257 @@
           <a:chExt cx="0" cy="0"/>
         </a:xfrm>
       </p:grpSpPr>
-      <p:pic>
-        <p:nvPicPr>
-          <p:cNvPr id="4" name="Espaço Reservado para Conteúdo 3"/>
-          <p:cNvPicPr>
-            <a:picLocks noGrp="1" noChangeAspect="1"/>
-          </p:cNvPicPr>
+      <p:sp>
+        <p:nvSpPr>
+          <p:cNvPr id="2" name="Título 1"/>
+          <p:cNvSpPr>
+            <a:spLocks noGrp="1"/>
+          </p:cNvSpPr>
+          <p:nvPr>
+            <p:ph type="title"/>
+          </p:nvPr>
+        </p:nvSpPr>
+        <p:spPr/>
+        <p:txBody>
+          <a:bodyPr>
+            <a:normAutofit/>
+          </a:bodyPr>
+          <a:lstStyle/>
+          <a:p>
+            <a:r>
+              <a:rPr lang="pt-BR" dirty="0"/>
+              <a:t>Acrônimo </a:t>
+            </a:r>
+            <a:r>
+              <a:rPr lang="pt-BR" b="1" dirty="0"/>
+              <a:t>S.O.L.I.D</a:t>
+            </a:r>
+            <a:r>
+              <a:rPr lang="pt-BR" dirty="0"/>
+              <a:t> ( mas diz-se SOLID) </a:t>
+            </a:r>
+          </a:p>
+        </p:txBody>
+      </p:sp>
+      <p:sp>
+        <p:nvSpPr>
+          <p:cNvPr id="3" name="Espaço Reservado para Conteúdo 2"/>
+          <p:cNvSpPr>
+            <a:spLocks noGrp="1"/>
+          </p:cNvSpPr>
           <p:nvPr>
             <p:ph idx="1"/>
           </p:nvPr>
+        </p:nvSpPr>
+        <p:spPr/>
+        <p:txBody>
+          <a:bodyPr>
+            <a:normAutofit fontScale="92500" lnSpcReduction="10000"/>
+          </a:bodyPr>
+          <a:lstStyle/>
+          <a:p>
+            <a:pPr marL="0" indent="0">
+              <a:buNone/>
+            </a:pPr>
+            <a:endParaRPr lang="pt-BR" dirty="0"/>
+          </a:p>
+          <a:p>
+            <a:pPr>
+              <a:lnSpc>
+                <a:spcPct val="200000"/>
+              </a:lnSpc>
+            </a:pPr>
+            <a:r>
+              <a:rPr lang="pt-BR" b="1" dirty="0"/>
+              <a:t>SRP</a:t>
+            </a:r>
+            <a:r>
+              <a:rPr lang="pt-BR" dirty="0"/>
+              <a:t> - Single </a:t>
+            </a:r>
+            <a:r>
+              <a:rPr lang="pt-BR" dirty="0" err="1"/>
+              <a:t>Responsability</a:t>
+            </a:r>
+            <a:r>
+              <a:rPr lang="pt-BR" dirty="0"/>
+              <a:t> </a:t>
+            </a:r>
+            <a:r>
+              <a:rPr lang="pt-BR" dirty="0" err="1"/>
+              <a:t>Principle</a:t>
+            </a:r>
+            <a:r>
+              <a:rPr lang="pt-BR" dirty="0"/>
+              <a:t> (Principio da Responsabilidade única)</a:t>
+            </a:r>
+          </a:p>
+          <a:p>
+            <a:pPr>
+              <a:lnSpc>
+                <a:spcPct val="200000"/>
+              </a:lnSpc>
+            </a:pPr>
+            <a:r>
+              <a:rPr lang="pt-BR" b="1" dirty="0"/>
+              <a:t>OCP</a:t>
+            </a:r>
+            <a:r>
+              <a:rPr lang="pt-BR" dirty="0"/>
+              <a:t> – Open/</a:t>
+            </a:r>
+            <a:r>
+              <a:rPr lang="pt-BR" dirty="0" err="1"/>
+              <a:t>Closed</a:t>
+            </a:r>
+            <a:r>
+              <a:rPr lang="pt-BR" dirty="0"/>
+              <a:t> </a:t>
+            </a:r>
+            <a:r>
+              <a:rPr lang="pt-BR" dirty="0" err="1"/>
+              <a:t>Principle</a:t>
+            </a:r>
+            <a:r>
+              <a:rPr lang="pt-BR" dirty="0"/>
+              <a:t> (Principio do Aberto/Fechado)</a:t>
+            </a:r>
+          </a:p>
+          <a:p>
+            <a:pPr>
+              <a:lnSpc>
+                <a:spcPct val="200000"/>
+              </a:lnSpc>
+            </a:pPr>
+            <a:r>
+              <a:rPr lang="pt-BR" b="1" dirty="0"/>
+              <a:t>LSP</a:t>
+            </a:r>
+            <a:r>
+              <a:rPr lang="pt-BR" dirty="0"/>
+              <a:t> – </a:t>
+            </a:r>
+            <a:r>
+              <a:rPr lang="pt-BR" dirty="0" err="1"/>
+              <a:t>Liskov</a:t>
+            </a:r>
+            <a:r>
+              <a:rPr lang="pt-BR" dirty="0"/>
+              <a:t> </a:t>
+            </a:r>
+            <a:r>
+              <a:rPr lang="pt-BR" dirty="0" err="1"/>
+              <a:t>Subistitution</a:t>
+            </a:r>
+            <a:r>
+              <a:rPr lang="pt-BR" dirty="0"/>
+              <a:t> </a:t>
+            </a:r>
+            <a:r>
+              <a:rPr lang="pt-BR" dirty="0" err="1"/>
+              <a:t>Principle</a:t>
+            </a:r>
+            <a:r>
+              <a:rPr lang="pt-BR" dirty="0"/>
+              <a:t> (Principio de Substituição de </a:t>
+            </a:r>
+            <a:r>
+              <a:rPr lang="pt-BR" dirty="0" err="1"/>
+              <a:t>Liskov</a:t>
+            </a:r>
+            <a:r>
+              <a:rPr lang="pt-BR" dirty="0"/>
+              <a:t>)</a:t>
+            </a:r>
+          </a:p>
+          <a:p>
+            <a:pPr>
+              <a:lnSpc>
+                <a:spcPct val="200000"/>
+              </a:lnSpc>
+            </a:pPr>
+            <a:r>
+              <a:rPr lang="pt-BR" b="1" dirty="0"/>
+              <a:t>ISP</a:t>
+            </a:r>
+            <a:r>
+              <a:rPr lang="pt-BR" dirty="0"/>
+              <a:t> – Interface </a:t>
+            </a:r>
+            <a:r>
+              <a:rPr lang="pt-BR" dirty="0" err="1"/>
+              <a:t>Segregation</a:t>
+            </a:r>
+            <a:r>
+              <a:rPr lang="pt-BR" dirty="0"/>
+              <a:t> </a:t>
+            </a:r>
+            <a:r>
+              <a:rPr lang="pt-BR" dirty="0" err="1"/>
+              <a:t>Principle</a:t>
+            </a:r>
+            <a:r>
+              <a:rPr lang="pt-BR" dirty="0"/>
+              <a:t> ( Principio da Segregação de Interfaces)</a:t>
+            </a:r>
+          </a:p>
+          <a:p>
+            <a:pPr>
+              <a:lnSpc>
+                <a:spcPct val="200000"/>
+              </a:lnSpc>
+            </a:pPr>
+            <a:r>
+              <a:rPr lang="pt-BR" b="1" dirty="0"/>
+              <a:t>DIP</a:t>
+            </a:r>
+            <a:r>
+              <a:rPr lang="pt-BR" dirty="0"/>
+              <a:t> – </a:t>
+            </a:r>
+            <a:r>
+              <a:rPr lang="pt-BR" dirty="0" err="1"/>
+              <a:t>Dependency</a:t>
+            </a:r>
+            <a:r>
+              <a:rPr lang="pt-BR" dirty="0"/>
+              <a:t> </a:t>
+            </a:r>
+            <a:r>
+              <a:rPr lang="pt-BR" dirty="0" err="1"/>
+              <a:t>Inversion</a:t>
+            </a:r>
+            <a:r>
+              <a:rPr lang="pt-BR" dirty="0"/>
+              <a:t> </a:t>
+            </a:r>
+            <a:r>
+              <a:rPr lang="pt-BR" dirty="0" err="1"/>
+              <a:t>Principle</a:t>
+            </a:r>
+            <a:r>
+              <a:rPr lang="pt-BR" dirty="0"/>
+              <a:t> (Principio da Inversão de dependência)</a:t>
+            </a:r>
+          </a:p>
+          <a:p>
+            <a:pPr marL="0" indent="0">
+              <a:buNone/>
+            </a:pPr>
+            <a:endParaRPr lang="pt-BR" dirty="0"/>
+          </a:p>
+        </p:txBody>
+      </p:sp>
+      <p:pic>
+        <p:nvPicPr>
+          <p:cNvPr id="4" name="Imagem 3"/>
+          <p:cNvPicPr>
+            <a:picLocks noChangeAspect="1"/>
+          </p:cNvPicPr>
+          <p:nvPr/>
         </p:nvPicPr>
         <p:blipFill>
-          <a:blip r:embed="rId2">
+          <a:blip r:embed="rId2" cstate="print">
             <a:extLst>
               <a:ext uri="{28A0092B-C50C-407E-A947-70E740481C1C}">
                 <a14:useLocalDpi xmlns:a14="http://schemas.microsoft.com/office/drawing/2010/main" val="0"/>
@@ -9439,189 +9796,6 @@
         </p:blipFill>
         <p:spPr>
           <a:xfrm>
-            <a:off x="5459604" y="2486513"/>
-            <a:ext cx="1990296" cy="2578103"/>
-          </a:xfrm>
-        </p:spPr>
-      </p:pic>
-      <p:pic>
-        <p:nvPicPr>
-          <p:cNvPr id="5" name="Imagem 4"/>
-          <p:cNvPicPr>
-            <a:picLocks noChangeAspect="1"/>
-          </p:cNvPicPr>
-          <p:nvPr/>
-        </p:nvPicPr>
-        <p:blipFill>
-          <a:blip r:embed="rId3">
-            <a:extLst>
-              <a:ext uri="{28A0092B-C50C-407E-A947-70E740481C1C}">
-                <a14:useLocalDpi xmlns:a14="http://schemas.microsoft.com/office/drawing/2010/main" val="0"/>
-              </a:ext>
-            </a:extLst>
-          </a:blip>
-          <a:stretch>
-            <a:fillRect/>
-          </a:stretch>
-        </p:blipFill>
-        <p:spPr>
-          <a:xfrm>
-            <a:off x="7602012" y="2437180"/>
-            <a:ext cx="1962101" cy="2617883"/>
-          </a:xfrm>
-          <a:prstGeom prst="rect">
-            <a:avLst/>
-          </a:prstGeom>
-        </p:spPr>
-      </p:pic>
-      <p:pic>
-        <p:nvPicPr>
-          <p:cNvPr id="6" name="Imagem 5"/>
-          <p:cNvPicPr>
-            <a:picLocks noChangeAspect="1"/>
-          </p:cNvPicPr>
-          <p:nvPr/>
-        </p:nvPicPr>
-        <p:blipFill>
-          <a:blip r:embed="rId4">
-            <a:extLst>
-              <a:ext uri="{28A0092B-C50C-407E-A947-70E740481C1C}">
-                <a14:useLocalDpi xmlns:a14="http://schemas.microsoft.com/office/drawing/2010/main" val="0"/>
-              </a:ext>
-            </a:extLst>
-          </a:blip>
-          <a:stretch>
-            <a:fillRect/>
-          </a:stretch>
-        </p:blipFill>
-        <p:spPr>
-          <a:xfrm>
-            <a:off x="3240692" y="2486513"/>
-            <a:ext cx="2040783" cy="2578103"/>
-          </a:xfrm>
-          <a:prstGeom prst="rect">
-            <a:avLst/>
-          </a:prstGeom>
-        </p:spPr>
-      </p:pic>
-      <p:pic>
-        <p:nvPicPr>
-          <p:cNvPr id="7" name="Imagem 6"/>
-          <p:cNvPicPr>
-            <a:picLocks noChangeAspect="1"/>
-          </p:cNvPicPr>
-          <p:nvPr/>
-        </p:nvPicPr>
-        <p:blipFill>
-          <a:blip r:embed="rId5">
-            <a:extLst>
-              <a:ext uri="{28A0092B-C50C-407E-A947-70E740481C1C}">
-                <a14:useLocalDpi xmlns:a14="http://schemas.microsoft.com/office/drawing/2010/main" val="0"/>
-              </a:ext>
-            </a:extLst>
-          </a:blip>
-          <a:stretch>
-            <a:fillRect/>
-          </a:stretch>
-        </p:blipFill>
-        <p:spPr>
-          <a:xfrm>
-            <a:off x="9716225" y="2437180"/>
-            <a:ext cx="1981917" cy="2578103"/>
-          </a:xfrm>
-          <a:prstGeom prst="rect">
-            <a:avLst/>
-          </a:prstGeom>
-        </p:spPr>
-      </p:pic>
-      <p:pic>
-        <p:nvPicPr>
-          <p:cNvPr id="8" name="Imagem 7"/>
-          <p:cNvPicPr>
-            <a:picLocks noChangeAspect="1"/>
-          </p:cNvPicPr>
-          <p:nvPr/>
-        </p:nvPicPr>
-        <p:blipFill>
-          <a:blip r:embed="rId6" cstate="print">
-            <a:extLst>
-              <a:ext uri="{28A0092B-C50C-407E-A947-70E740481C1C}">
-                <a14:useLocalDpi xmlns:a14="http://schemas.microsoft.com/office/drawing/2010/main" val="0"/>
-              </a:ext>
-            </a:extLst>
-          </a:blip>
-          <a:stretch>
-            <a:fillRect/>
-          </a:stretch>
-        </p:blipFill>
-        <p:spPr>
-          <a:xfrm>
-            <a:off x="235309" y="2046464"/>
-            <a:ext cx="2853271" cy="3652187"/>
-          </a:xfrm>
-          <a:prstGeom prst="rect">
-            <a:avLst/>
-          </a:prstGeom>
-        </p:spPr>
-      </p:pic>
-      <p:sp>
-        <p:nvSpPr>
-          <p:cNvPr id="9" name="CaixaDeTexto 8"/>
-          <p:cNvSpPr txBox="1"/>
-          <p:nvPr/>
-        </p:nvSpPr>
-        <p:spPr>
-          <a:xfrm>
-            <a:off x="3999187" y="413607"/>
-            <a:ext cx="5224122" cy="861774"/>
-          </a:xfrm>
-          <a:prstGeom prst="rect">
-            <a:avLst/>
-          </a:prstGeom>
-          <a:noFill/>
-        </p:spPr>
-        <p:txBody>
-          <a:bodyPr wrap="none" rtlCol="0">
-            <a:spAutoFit/>
-          </a:bodyPr>
-          <a:lstStyle/>
-          <a:p>
-            <a:r>
-              <a:rPr lang="pt-BR" sz="3200" dirty="0" err="1"/>
-              <a:t>Uncle</a:t>
-            </a:r>
-            <a:r>
-              <a:rPr lang="pt-BR" sz="3200" dirty="0"/>
-              <a:t> BOB  -  Robert C. Martin</a:t>
-            </a:r>
-          </a:p>
-          <a:p>
-            <a:endParaRPr lang="pt-BR" dirty="0"/>
-          </a:p>
-        </p:txBody>
-      </p:sp>
-      <p:pic>
-        <p:nvPicPr>
-          <p:cNvPr id="10" name="Imagem 9"/>
-          <p:cNvPicPr>
-            <a:picLocks noChangeAspect="1"/>
-          </p:cNvPicPr>
-          <p:nvPr/>
-        </p:nvPicPr>
-        <p:blipFill>
-          <a:blip r:embed="rId7" cstate="print">
-            <a:extLst>
-              <a:ext uri="{28A0092B-C50C-407E-A947-70E740481C1C}">
-                <a14:useLocalDpi xmlns:a14="http://schemas.microsoft.com/office/drawing/2010/main" val="0"/>
-              </a:ext>
-            </a:extLst>
-          </a:blip>
-          <a:stretch>
-            <a:fillRect/>
-          </a:stretch>
-        </p:blipFill>
-        <p:spPr>
-          <a:xfrm>
             <a:off x="11015002" y="6402549"/>
             <a:ext cx="1176998" cy="455451"/>
           </a:xfrm>
@@ -9633,7 +9807,7 @@
     </p:spTree>
     <p:extLst>
       <p:ext uri="{BB962C8B-B14F-4D97-AF65-F5344CB8AC3E}">
-        <p14:creationId xmlns:p14="http://schemas.microsoft.com/office/powerpoint/2010/main" val="1288097584"/>
+        <p14:creationId xmlns:p14="http://schemas.microsoft.com/office/powerpoint/2010/main" val="629700163"/>
       </p:ext>
     </p:extLst>
   </p:cSld>
@@ -9809,6 +9983,13 @@
   <p:clrMapOvr>
     <a:masterClrMapping/>
   </p:clrMapOvr>
+  <p:timing>
+    <p:tnLst>
+      <p:par>
+        <p:cTn id="1" dur="indefinite" restart="never" nodeType="tmRoot"/>
+      </p:par>
+    </p:tnLst>
+  </p:timing>
 </p:sld>
 </file>
 
@@ -9978,6 +10159,13 @@
   <p:clrMapOvr>
     <a:masterClrMapping/>
   </p:clrMapOvr>
+  <p:timing>
+    <p:tnLst>
+      <p:par>
+        <p:cTn id="1" dur="indefinite" restart="never" nodeType="tmRoot"/>
+      </p:par>
+    </p:tnLst>
+  </p:timing>
 </p:sld>
 </file>
 
@@ -10136,6 +10324,13 @@
   <p:clrMapOvr>
     <a:masterClrMapping/>
   </p:clrMapOvr>
+  <p:timing>
+    <p:tnLst>
+      <p:par>
+        <p:cTn id="1" dur="indefinite" restart="never" nodeType="tmRoot"/>
+      </p:par>
+    </p:tnLst>
+  </p:timing>
 </p:sld>
 </file>
 
@@ -10253,6 +10448,78 @@
           </a:prstGeom>
         </p:spPr>
       </p:pic>
+      <p:cxnSp>
+        <p:nvCxnSpPr>
+          <p:cNvPr id="6" name="Conector de Seta Reta 5"/>
+          <p:cNvCxnSpPr/>
+          <p:nvPr/>
+        </p:nvCxnSpPr>
+        <p:spPr>
+          <a:xfrm flipH="1">
+            <a:off x="7863840" y="3174275"/>
+            <a:ext cx="2207623" cy="705394"/>
+          </a:xfrm>
+          <a:prstGeom prst="straightConnector1">
+            <a:avLst/>
+          </a:prstGeom>
+          <a:ln w="76200">
+            <a:solidFill>
+              <a:srgbClr val="FF0000"/>
+            </a:solidFill>
+            <a:tailEnd type="triangle"/>
+          </a:ln>
+        </p:spPr>
+        <p:style>
+          <a:lnRef idx="1">
+            <a:schemeClr val="accent1"/>
+          </a:lnRef>
+          <a:fillRef idx="0">
+            <a:schemeClr val="accent1"/>
+          </a:fillRef>
+          <a:effectRef idx="0">
+            <a:schemeClr val="accent1"/>
+          </a:effectRef>
+          <a:fontRef idx="minor">
+            <a:schemeClr val="tx1"/>
+          </a:fontRef>
+        </p:style>
+      </p:cxnSp>
+      <p:cxnSp>
+        <p:nvCxnSpPr>
+          <p:cNvPr id="7" name="Conector de Seta Reta 6"/>
+          <p:cNvCxnSpPr/>
+          <p:nvPr/>
+        </p:nvCxnSpPr>
+        <p:spPr>
+          <a:xfrm flipH="1">
+            <a:off x="7981686" y="4553088"/>
+            <a:ext cx="2207623" cy="705394"/>
+          </a:xfrm>
+          <a:prstGeom prst="straightConnector1">
+            <a:avLst/>
+          </a:prstGeom>
+          <a:ln w="76200">
+            <a:solidFill>
+              <a:srgbClr val="FF0000"/>
+            </a:solidFill>
+            <a:tailEnd type="triangle"/>
+          </a:ln>
+        </p:spPr>
+        <p:style>
+          <a:lnRef idx="1">
+            <a:schemeClr val="accent1"/>
+          </a:lnRef>
+          <a:fillRef idx="0">
+            <a:schemeClr val="accent1"/>
+          </a:fillRef>
+          <a:effectRef idx="0">
+            <a:schemeClr val="accent1"/>
+          </a:effectRef>
+          <a:fontRef idx="minor">
+            <a:schemeClr val="tx1"/>
+          </a:fontRef>
+        </p:style>
+      </p:cxnSp>
     </p:spTree>
     <p:extLst>
       <p:ext uri="{BB962C8B-B14F-4D97-AF65-F5344CB8AC3E}">
@@ -10263,6 +10530,13 @@
   <p:clrMapOvr>
     <a:masterClrMapping/>
   </p:clrMapOvr>
+  <p:timing>
+    <p:tnLst>
+      <p:par>
+        <p:cTn id="1" dur="indefinite" restart="never" nodeType="tmRoot"/>
+      </p:par>
+    </p:tnLst>
+  </p:timing>
 </p:sld>
 </file>
 
@@ -10360,8 +10634,8 @@
               <a:buNone/>
             </a:pPr>
             <a:r>
-              <a:rPr lang="pt-BR" dirty="0"/>
-              <a:t>1 – Camadas superiores devem conhecer as implementações de camadas inferiores</a:t>
+              <a:rPr lang="pt-BR" dirty="0" smtClean="0"/>
+              <a:t>1 – Camadas devem saber quem são s implementações</a:t>
             </a:r>
           </a:p>
           <a:p>
@@ -10369,8 +10643,12 @@
               <a:buNone/>
             </a:pPr>
             <a:r>
-              <a:rPr lang="pt-BR" dirty="0"/>
-              <a:t>2 – Acoplamento</a:t>
+              <a:rPr lang="pt-BR" dirty="0" smtClean="0"/>
+              <a:t>2 </a:t>
+            </a:r>
+            <a:r>
+              <a:rPr lang="pt-BR" dirty="0"/>
+              <a:t>– Acoplamento</a:t>
             </a:r>
           </a:p>
           <a:p>
@@ -10433,6 +10711,13 @@
   <p:clrMapOvr>
     <a:masterClrMapping/>
   </p:clrMapOvr>
+  <p:timing>
+    <p:tnLst>
+      <p:par>
+        <p:cTn id="1" dur="indefinite" restart="never" nodeType="tmRoot"/>
+      </p:par>
+    </p:tnLst>
+  </p:timing>
 </p:sld>
 </file>
 
@@ -11501,8 +11786,13 @@
             </a:pPr>
             <a:r>
               <a:rPr lang="pt-BR" dirty="0"/>
-              <a:t>IOC containers</a:t>
-            </a:r>
+              <a:t>IOC </a:t>
+            </a:r>
+            <a:r>
+              <a:rPr lang="pt-BR" dirty="0" smtClean="0"/>
+              <a:t>containers para podermos ter um DIP</a:t>
+            </a:r>
+            <a:endParaRPr lang="pt-BR" dirty="0"/>
           </a:p>
           <a:p>
             <a:endParaRPr lang="pt-BR" dirty="0"/>
@@ -11641,6 +11931,13 @@
   <p:clrMapOvr>
     <a:masterClrMapping/>
   </p:clrMapOvr>
+  <p:timing>
+    <p:tnLst>
+      <p:par>
+        <p:cTn id="1" dur="indefinite" restart="never" nodeType="tmRoot"/>
+      </p:par>
+    </p:tnLst>
+  </p:timing>
 </p:sld>
 </file>
 
@@ -11723,6 +12020,13 @@
   <p:clrMapOvr>
     <a:masterClrMapping/>
   </p:clrMapOvr>
+  <p:timing>
+    <p:tnLst>
+      <p:par>
+        <p:cTn id="1" dur="indefinite" restart="never" nodeType="tmRoot"/>
+      </p:par>
+    </p:tnLst>
+  </p:timing>
 </p:sld>
 </file>
 
@@ -11877,6 +12181,13 @@
   <p:clrMapOvr>
     <a:masterClrMapping/>
   </p:clrMapOvr>
+  <p:timing>
+    <p:tnLst>
+      <p:par>
+        <p:cTn id="1" dur="indefinite" restart="never" nodeType="tmRoot"/>
+      </p:par>
+    </p:tnLst>
+  </p:timing>
 </p:sld>
 </file>
 
@@ -11913,6 +12224,342 @@
           <a:lstStyle/>
           <a:p>
             <a:r>
+              <a:rPr lang="pt-BR" dirty="0" smtClean="0"/>
+              <a:t>Perguntas</a:t>
+            </a:r>
+            <a:endParaRPr lang="pt-BR" dirty="0"/>
+          </a:p>
+        </p:txBody>
+      </p:sp>
+      <p:sp>
+        <p:nvSpPr>
+          <p:cNvPr id="3" name="Espaço Reservado para Conteúdo 2"/>
+          <p:cNvSpPr>
+            <a:spLocks noGrp="1"/>
+          </p:cNvSpPr>
+          <p:nvPr>
+            <p:ph idx="1"/>
+          </p:nvPr>
+        </p:nvSpPr>
+        <p:spPr/>
+        <p:txBody>
+          <a:bodyPr/>
+          <a:lstStyle/>
+          <a:p>
+            <a:endParaRPr lang="pt-BR" dirty="0" smtClean="0"/>
+          </a:p>
+          <a:p>
+            <a:r>
+              <a:rPr lang="pt-BR" dirty="0" smtClean="0"/>
+              <a:t>Onde no seu projeto você conseguiria já utilizar um dos 5 princípios ????</a:t>
+            </a:r>
+          </a:p>
+          <a:p>
+            <a:endParaRPr lang="pt-BR" dirty="0"/>
+          </a:p>
+          <a:p>
+            <a:endParaRPr lang="pt-BR" dirty="0"/>
+          </a:p>
+        </p:txBody>
+      </p:sp>
+    </p:spTree>
+    <p:extLst>
+      <p:ext uri="{BB962C8B-B14F-4D97-AF65-F5344CB8AC3E}">
+        <p14:creationId xmlns:p14="http://schemas.microsoft.com/office/powerpoint/2010/main" val="551996147"/>
+      </p:ext>
+    </p:extLst>
+  </p:cSld>
+  <p:clrMapOvr>
+    <a:masterClrMapping/>
+  </p:clrMapOvr>
+  <p:timing>
+    <p:tnLst>
+      <p:par>
+        <p:cTn id="1" dur="indefinite" restart="never" nodeType="tmRoot"/>
+      </p:par>
+    </p:tnLst>
+  </p:timing>
+</p:sld>
+</file>
+
+<file path=ppt/slides/slide5.xml><?xml version="1.0" encoding="utf-8"?>
+<p:sld xmlns:a="http://schemas.openxmlformats.org/drawingml/2006/main" xmlns:r="http://schemas.openxmlformats.org/officeDocument/2006/relationships" xmlns:p="http://schemas.openxmlformats.org/presentationml/2006/main">
+  <p:cSld>
+    <p:spTree>
+      <p:nvGrpSpPr>
+        <p:cNvPr id="1" name=""/>
+        <p:cNvGrpSpPr/>
+        <p:nvPr/>
+      </p:nvGrpSpPr>
+      <p:grpSpPr>
+        <a:xfrm>
+          <a:off x="0" y="0"/>
+          <a:ext cx="0" cy="0"/>
+          <a:chOff x="0" y="0"/>
+          <a:chExt cx="0" cy="0"/>
+        </a:xfrm>
+      </p:grpSpPr>
+      <p:pic>
+        <p:nvPicPr>
+          <p:cNvPr id="4" name="Espaço Reservado para Conteúdo 3"/>
+          <p:cNvPicPr>
+            <a:picLocks noGrp="1" noChangeAspect="1"/>
+          </p:cNvPicPr>
+          <p:nvPr>
+            <p:ph idx="1"/>
+          </p:nvPr>
+        </p:nvPicPr>
+        <p:blipFill>
+          <a:blip r:embed="rId2">
+            <a:extLst>
+              <a:ext uri="{28A0092B-C50C-407E-A947-70E740481C1C}">
+                <a14:useLocalDpi xmlns:a14="http://schemas.microsoft.com/office/drawing/2010/main" val="0"/>
+              </a:ext>
+            </a:extLst>
+          </a:blip>
+          <a:stretch>
+            <a:fillRect/>
+          </a:stretch>
+        </p:blipFill>
+        <p:spPr>
+          <a:xfrm>
+            <a:off x="5459604" y="2486513"/>
+            <a:ext cx="1990296" cy="2578103"/>
+          </a:xfrm>
+        </p:spPr>
+      </p:pic>
+      <p:pic>
+        <p:nvPicPr>
+          <p:cNvPr id="5" name="Imagem 4"/>
+          <p:cNvPicPr>
+            <a:picLocks noChangeAspect="1"/>
+          </p:cNvPicPr>
+          <p:nvPr/>
+        </p:nvPicPr>
+        <p:blipFill>
+          <a:blip r:embed="rId3">
+            <a:extLst>
+              <a:ext uri="{28A0092B-C50C-407E-A947-70E740481C1C}">
+                <a14:useLocalDpi xmlns:a14="http://schemas.microsoft.com/office/drawing/2010/main" val="0"/>
+              </a:ext>
+            </a:extLst>
+          </a:blip>
+          <a:stretch>
+            <a:fillRect/>
+          </a:stretch>
+        </p:blipFill>
+        <p:spPr>
+          <a:xfrm>
+            <a:off x="7602012" y="2437180"/>
+            <a:ext cx="1962101" cy="2617883"/>
+          </a:xfrm>
+          <a:prstGeom prst="rect">
+            <a:avLst/>
+          </a:prstGeom>
+        </p:spPr>
+      </p:pic>
+      <p:pic>
+        <p:nvPicPr>
+          <p:cNvPr id="6" name="Imagem 5"/>
+          <p:cNvPicPr>
+            <a:picLocks noChangeAspect="1"/>
+          </p:cNvPicPr>
+          <p:nvPr/>
+        </p:nvPicPr>
+        <p:blipFill>
+          <a:blip r:embed="rId4">
+            <a:extLst>
+              <a:ext uri="{28A0092B-C50C-407E-A947-70E740481C1C}">
+                <a14:useLocalDpi xmlns:a14="http://schemas.microsoft.com/office/drawing/2010/main" val="0"/>
+              </a:ext>
+            </a:extLst>
+          </a:blip>
+          <a:stretch>
+            <a:fillRect/>
+          </a:stretch>
+        </p:blipFill>
+        <p:spPr>
+          <a:xfrm>
+            <a:off x="3240692" y="2486513"/>
+            <a:ext cx="2040783" cy="2578103"/>
+          </a:xfrm>
+          <a:prstGeom prst="rect">
+            <a:avLst/>
+          </a:prstGeom>
+        </p:spPr>
+      </p:pic>
+      <p:pic>
+        <p:nvPicPr>
+          <p:cNvPr id="7" name="Imagem 6"/>
+          <p:cNvPicPr>
+            <a:picLocks noChangeAspect="1"/>
+          </p:cNvPicPr>
+          <p:nvPr/>
+        </p:nvPicPr>
+        <p:blipFill>
+          <a:blip r:embed="rId5">
+            <a:extLst>
+              <a:ext uri="{28A0092B-C50C-407E-A947-70E740481C1C}">
+                <a14:useLocalDpi xmlns:a14="http://schemas.microsoft.com/office/drawing/2010/main" val="0"/>
+              </a:ext>
+            </a:extLst>
+          </a:blip>
+          <a:stretch>
+            <a:fillRect/>
+          </a:stretch>
+        </p:blipFill>
+        <p:spPr>
+          <a:xfrm>
+            <a:off x="9716225" y="2437180"/>
+            <a:ext cx="1981917" cy="2578103"/>
+          </a:xfrm>
+          <a:prstGeom prst="rect">
+            <a:avLst/>
+          </a:prstGeom>
+        </p:spPr>
+      </p:pic>
+      <p:pic>
+        <p:nvPicPr>
+          <p:cNvPr id="8" name="Imagem 7"/>
+          <p:cNvPicPr>
+            <a:picLocks noChangeAspect="1"/>
+          </p:cNvPicPr>
+          <p:nvPr/>
+        </p:nvPicPr>
+        <p:blipFill>
+          <a:blip r:embed="rId6" cstate="print">
+            <a:extLst>
+              <a:ext uri="{28A0092B-C50C-407E-A947-70E740481C1C}">
+                <a14:useLocalDpi xmlns:a14="http://schemas.microsoft.com/office/drawing/2010/main" val="0"/>
+              </a:ext>
+            </a:extLst>
+          </a:blip>
+          <a:stretch>
+            <a:fillRect/>
+          </a:stretch>
+        </p:blipFill>
+        <p:spPr>
+          <a:xfrm>
+            <a:off x="235309" y="2046464"/>
+            <a:ext cx="2853271" cy="3652187"/>
+          </a:xfrm>
+          <a:prstGeom prst="rect">
+            <a:avLst/>
+          </a:prstGeom>
+        </p:spPr>
+      </p:pic>
+      <p:sp>
+        <p:nvSpPr>
+          <p:cNvPr id="9" name="CaixaDeTexto 8"/>
+          <p:cNvSpPr txBox="1"/>
+          <p:nvPr/>
+        </p:nvSpPr>
+        <p:spPr>
+          <a:xfrm>
+            <a:off x="3999187" y="413607"/>
+            <a:ext cx="5224122" cy="861774"/>
+          </a:xfrm>
+          <a:prstGeom prst="rect">
+            <a:avLst/>
+          </a:prstGeom>
+          <a:noFill/>
+        </p:spPr>
+        <p:txBody>
+          <a:bodyPr wrap="none" rtlCol="0">
+            <a:spAutoFit/>
+          </a:bodyPr>
+          <a:lstStyle/>
+          <a:p>
+            <a:r>
+              <a:rPr lang="pt-BR" sz="3200" dirty="0" err="1"/>
+              <a:t>Uncle</a:t>
+            </a:r>
+            <a:r>
+              <a:rPr lang="pt-BR" sz="3200" dirty="0"/>
+              <a:t> BOB  -  Robert C. Martin</a:t>
+            </a:r>
+          </a:p>
+          <a:p>
+            <a:endParaRPr lang="pt-BR" dirty="0"/>
+          </a:p>
+        </p:txBody>
+      </p:sp>
+      <p:pic>
+        <p:nvPicPr>
+          <p:cNvPr id="10" name="Imagem 9"/>
+          <p:cNvPicPr>
+            <a:picLocks noChangeAspect="1"/>
+          </p:cNvPicPr>
+          <p:nvPr/>
+        </p:nvPicPr>
+        <p:blipFill>
+          <a:blip r:embed="rId7" cstate="print">
+            <a:extLst>
+              <a:ext uri="{28A0092B-C50C-407E-A947-70E740481C1C}">
+                <a14:useLocalDpi xmlns:a14="http://schemas.microsoft.com/office/drawing/2010/main" val="0"/>
+              </a:ext>
+            </a:extLst>
+          </a:blip>
+          <a:stretch>
+            <a:fillRect/>
+          </a:stretch>
+        </p:blipFill>
+        <p:spPr>
+          <a:xfrm>
+            <a:off x="11015002" y="6402549"/>
+            <a:ext cx="1176998" cy="455451"/>
+          </a:xfrm>
+          <a:prstGeom prst="rect">
+            <a:avLst/>
+          </a:prstGeom>
+        </p:spPr>
+      </p:pic>
+    </p:spTree>
+    <p:extLst>
+      <p:ext uri="{BB962C8B-B14F-4D97-AF65-F5344CB8AC3E}">
+        <p14:creationId xmlns:p14="http://schemas.microsoft.com/office/powerpoint/2010/main" val="1288097584"/>
+      </p:ext>
+    </p:extLst>
+  </p:cSld>
+  <p:clrMapOvr>
+    <a:masterClrMapping/>
+  </p:clrMapOvr>
+</p:sld>
+</file>
+
+<file path=ppt/slides/slide50.xml><?xml version="1.0" encoding="utf-8"?>
+<p:sld xmlns:a="http://schemas.openxmlformats.org/drawingml/2006/main" xmlns:r="http://schemas.openxmlformats.org/officeDocument/2006/relationships" xmlns:p="http://schemas.openxmlformats.org/presentationml/2006/main">
+  <p:cSld>
+    <p:spTree>
+      <p:nvGrpSpPr>
+        <p:cNvPr id="1" name=""/>
+        <p:cNvGrpSpPr/>
+        <p:nvPr/>
+      </p:nvGrpSpPr>
+      <p:grpSpPr>
+        <a:xfrm>
+          <a:off x="0" y="0"/>
+          <a:ext cx="0" cy="0"/>
+          <a:chOff x="0" y="0"/>
+          <a:chExt cx="0" cy="0"/>
+        </a:xfrm>
+      </p:grpSpPr>
+      <p:sp>
+        <p:nvSpPr>
+          <p:cNvPr id="2" name="Título 1"/>
+          <p:cNvSpPr>
+            <a:spLocks noGrp="1"/>
+          </p:cNvSpPr>
+          <p:nvPr>
+            <p:ph type="title"/>
+          </p:nvPr>
+        </p:nvSpPr>
+        <p:spPr/>
+        <p:txBody>
+          <a:bodyPr/>
+          <a:lstStyle/>
+          <a:p>
+            <a:r>
               <a:rPr lang="pt-BR" dirty="0"/>
               <a:t>Referências</a:t>
             </a:r>
@@ -12114,10 +12761,17 @@
   <p:clrMapOvr>
     <a:masterClrMapping/>
   </p:clrMapOvr>
+  <p:timing>
+    <p:tnLst>
+      <p:par>
+        <p:cTn id="1" dur="indefinite" restart="never" nodeType="tmRoot"/>
+      </p:par>
+    </p:tnLst>
+  </p:timing>
 </p:sld>
 </file>
 
-<file path=ppt/slides/slide5.xml><?xml version="1.0" encoding="utf-8"?>
+<file path=ppt/slides/slide6.xml><?xml version="1.0" encoding="utf-8"?>
 <p:sld xmlns:a="http://schemas.openxmlformats.org/drawingml/2006/main" xmlns:r="http://schemas.openxmlformats.org/officeDocument/2006/relationships" xmlns:p="http://schemas.openxmlformats.org/presentationml/2006/main">
   <p:cSld>
     <p:spTree>
@@ -12273,7 +12927,7 @@
 </p:sld>
 </file>
 
-<file path=ppt/slides/slide6.xml><?xml version="1.0" encoding="utf-8"?>
+<file path=ppt/slides/slide7.xml><?xml version="1.0" encoding="utf-8"?>
 <p:sld xmlns:a="http://schemas.openxmlformats.org/drawingml/2006/main" xmlns:r="http://schemas.openxmlformats.org/officeDocument/2006/relationships" xmlns:p="http://schemas.openxmlformats.org/presentationml/2006/main">
   <p:cSld>
     <p:spTree>
@@ -12352,10 +13006,17 @@
   <p:clrMapOvr>
     <a:masterClrMapping/>
   </p:clrMapOvr>
+  <p:timing>
+    <p:tnLst>
+      <p:par>
+        <p:cTn id="1" dur="indefinite" restart="never" nodeType="tmRoot"/>
+      </p:par>
+    </p:tnLst>
+  </p:timing>
 </p:sld>
 </file>
 
-<file path=ppt/slides/slide7.xml><?xml version="1.0" encoding="utf-8"?>
+<file path=ppt/slides/slide8.xml><?xml version="1.0" encoding="utf-8"?>
 <p:sld xmlns:a="http://schemas.openxmlformats.org/drawingml/2006/main" xmlns:r="http://schemas.openxmlformats.org/officeDocument/2006/relationships" xmlns:p="http://schemas.openxmlformats.org/presentationml/2006/main">
   <p:cSld>
     <p:spTree>
@@ -12501,10 +13162,17 @@
   <p:clrMapOvr>
     <a:masterClrMapping/>
   </p:clrMapOvr>
+  <p:timing>
+    <p:tnLst>
+      <p:par>
+        <p:cTn id="1" dur="indefinite" restart="never" nodeType="tmRoot"/>
+      </p:par>
+    </p:tnLst>
+  </p:timing>
 </p:sld>
 </file>
 
-<file path=ppt/slides/slide8.xml><?xml version="1.0" encoding="utf-8"?>
+<file path=ppt/slides/slide9.xml><?xml version="1.0" encoding="utf-8"?>
 <p:sld xmlns:a="http://schemas.openxmlformats.org/drawingml/2006/main" xmlns:r="http://schemas.openxmlformats.org/officeDocument/2006/relationships" xmlns:p="http://schemas.openxmlformats.org/presentationml/2006/main">
   <p:cSld>
     <p:spTree>
@@ -12585,89 +13253,13 @@
   <p:clrMapOvr>
     <a:masterClrMapping/>
   </p:clrMapOvr>
-</p:sld>
-</file>
-
-<file path=ppt/slides/slide9.xml><?xml version="1.0" encoding="utf-8"?>
-<p:sld xmlns:a="http://schemas.openxmlformats.org/drawingml/2006/main" xmlns:r="http://schemas.openxmlformats.org/officeDocument/2006/relationships" xmlns:p="http://schemas.openxmlformats.org/presentationml/2006/main">
-  <p:cSld>
-    <p:spTree>
-      <p:nvGrpSpPr>
-        <p:cNvPr id="1" name=""/>
-        <p:cNvGrpSpPr/>
-        <p:nvPr/>
-      </p:nvGrpSpPr>
-      <p:grpSpPr>
-        <a:xfrm>
-          <a:off x="0" y="0"/>
-          <a:ext cx="0" cy="0"/>
-          <a:chOff x="0" y="0"/>
-          <a:chExt cx="0" cy="0"/>
-        </a:xfrm>
-      </p:grpSpPr>
-      <p:sp>
-        <p:nvSpPr>
-          <p:cNvPr id="4" name="Título 3"/>
-          <p:cNvSpPr>
-            <a:spLocks noGrp="1"/>
-          </p:cNvSpPr>
-          <p:nvPr>
-            <p:ph type="ctrTitle"/>
-          </p:nvPr>
-        </p:nvSpPr>
-        <p:spPr/>
-        <p:txBody>
-          <a:bodyPr/>
-          <a:lstStyle/>
-          <a:p>
-            <a:pPr algn="ctr"/>
-            <a:r>
-              <a:rPr lang="pt-BR" dirty="0"/>
-              <a:t>Melhor!</a:t>
-            </a:r>
-          </a:p>
-        </p:txBody>
-      </p:sp>
-      <p:pic>
-        <p:nvPicPr>
-          <p:cNvPr id="6" name="Imagem 5"/>
-          <p:cNvPicPr>
-            <a:picLocks noChangeAspect="1"/>
-          </p:cNvPicPr>
-          <p:nvPr/>
-        </p:nvPicPr>
-        <p:blipFill>
-          <a:blip r:embed="rId2" cstate="print">
-            <a:extLst>
-              <a:ext uri="{28A0092B-C50C-407E-A947-70E740481C1C}">
-                <a14:useLocalDpi xmlns:a14="http://schemas.microsoft.com/office/drawing/2010/main" val="0"/>
-              </a:ext>
-            </a:extLst>
-          </a:blip>
-          <a:stretch>
-            <a:fillRect/>
-          </a:stretch>
-        </p:blipFill>
-        <p:spPr>
-          <a:xfrm>
-            <a:off x="11015002" y="6402549"/>
-            <a:ext cx="1176998" cy="455451"/>
-          </a:xfrm>
-          <a:prstGeom prst="rect">
-            <a:avLst/>
-          </a:prstGeom>
-        </p:spPr>
-      </p:pic>
-    </p:spTree>
-    <p:extLst>
-      <p:ext uri="{BB962C8B-B14F-4D97-AF65-F5344CB8AC3E}">
-        <p14:creationId xmlns:p14="http://schemas.microsoft.com/office/powerpoint/2010/main" val="3544859515"/>
-      </p:ext>
-    </p:extLst>
-  </p:cSld>
-  <p:clrMapOvr>
-    <a:masterClrMapping/>
-  </p:clrMapOvr>
+  <p:timing>
+    <p:tnLst>
+      <p:par>
+        <p:cTn id="1" dur="indefinite" restart="never" nodeType="tmRoot"/>
+      </p:par>
+    </p:tnLst>
+  </p:timing>
 </p:sld>
 </file>
 
